--- a/Web Development.pptx
+++ b/Web Development.pptx
@@ -12,12 +12,12 @@
   </p:handoutMasterIdLst>
   <p:sldIdLst>
     <p:sldId id="257" r:id="rId5"/>
-    <p:sldId id="389" r:id="rId6"/>
-    <p:sldId id="384" r:id="rId7"/>
-    <p:sldId id="317" r:id="rId8"/>
-    <p:sldId id="279" r:id="rId9"/>
+    <p:sldId id="384" r:id="rId6"/>
+    <p:sldId id="321" r:id="rId7"/>
+    <p:sldId id="279" r:id="rId8"/>
+    <p:sldId id="393" r:id="rId9"/>
     <p:sldId id="392" r:id="rId10"/>
-    <p:sldId id="321" r:id="rId11"/>
+    <p:sldId id="394" r:id="rId11"/>
     <p:sldId id="391" r:id="rId12"/>
   </p:sldIdLst>
   <p:sldSz cx="12192000" cy="6858000"/>
@@ -233,7 +233,7 @@
           <a:p>
             <a:fld id="{C17F2C1D-F243-42AB-ADF2-E7CB4E04900E}" type="datetimeFigureOut">
               <a:rPr lang="en-US" smtClean="0"/>
-              <a:t>5/26/2022</a:t>
+              <a:t>6/25/2022</a:t>
             </a:fld>
             <a:endParaRPr lang="en-US"/>
           </a:p>
@@ -410,7 +410,7 @@
           <a:p>
             <a:fld id="{020CE34E-5667-4A32-A6BA-10C7A552BC63}" type="datetimeFigureOut">
               <a:rPr lang="en-US" smtClean="0"/>
-              <a:t>5/26/2022</a:t>
+              <a:t>6/25/2022</a:t>
             </a:fld>
             <a:endParaRPr lang="en-US"/>
           </a:p>
@@ -826,7 +826,7 @@
           <a:p>
             <a:fld id="{1983A999-5E0E-42CA-8400-604AE921FF7C}" type="slidenum">
               <a:rPr lang="en-US" smtClean="0"/>
-              <a:t>3</a:t>
+              <a:t>2</a:t>
             </a:fld>
             <a:endParaRPr lang="en-US"/>
           </a:p>
@@ -910,91 +910,7 @@
           <a:p>
             <a:fld id="{1983A999-5E0E-42CA-8400-604AE921FF7C}" type="slidenum">
               <a:rPr lang="en-US" smtClean="0"/>
-              <a:t>4</a:t>
-            </a:fld>
-            <a:endParaRPr lang="en-US"/>
-          </a:p>
-        </p:txBody>
-      </p:sp>
-    </p:spTree>
-    <p:extLst>
-      <p:ext uri="{BB962C8B-B14F-4D97-AF65-F5344CB8AC3E}">
-        <p14:creationId xmlns:p14="http://schemas.microsoft.com/office/powerpoint/2010/main" val="1586550175"/>
-      </p:ext>
-    </p:extLst>
-  </p:cSld>
-  <p:clrMapOvr>
-    <a:masterClrMapping/>
-  </p:clrMapOvr>
-</p:notes>
-</file>
-
-<file path=ppt/notesSlides/notesSlide4.xml><?xml version="1.0" encoding="utf-8"?>
-<p:notes xmlns:a="http://schemas.openxmlformats.org/drawingml/2006/main" xmlns:r="http://schemas.openxmlformats.org/officeDocument/2006/relationships" xmlns:p="http://schemas.openxmlformats.org/presentationml/2006/main">
-  <p:cSld>
-    <p:spTree>
-      <p:nvGrpSpPr>
-        <p:cNvPr id="1" name=""/>
-        <p:cNvGrpSpPr/>
-        <p:nvPr/>
-      </p:nvGrpSpPr>
-      <p:grpSpPr>
-        <a:xfrm>
-          <a:off x="0" y="0"/>
-          <a:ext cx="0" cy="0"/>
-          <a:chOff x="0" y="0"/>
-          <a:chExt cx="0" cy="0"/>
-        </a:xfrm>
-      </p:grpSpPr>
-      <p:sp>
-        <p:nvSpPr>
-          <p:cNvPr id="2" name="Slide Image Placeholder 1"/>
-          <p:cNvSpPr>
-            <a:spLocks noGrp="1" noRot="1" noChangeAspect="1"/>
-          </p:cNvSpPr>
-          <p:nvPr>
-            <p:ph type="sldImg"/>
-          </p:nvPr>
-        </p:nvSpPr>
-        <p:spPr/>
-      </p:sp>
-      <p:sp>
-        <p:nvSpPr>
-          <p:cNvPr id="3" name="Notes Placeholder 2"/>
-          <p:cNvSpPr>
-            <a:spLocks noGrp="1"/>
-          </p:cNvSpPr>
-          <p:nvPr>
-            <p:ph type="body" idx="1"/>
-          </p:nvPr>
-        </p:nvSpPr>
-        <p:spPr/>
-        <p:txBody>
-          <a:bodyPr/>
-          <a:lstStyle/>
-          <a:p>
-            <a:endParaRPr lang="en-US" dirty="0"/>
-          </a:p>
-        </p:txBody>
-      </p:sp>
-      <p:sp>
-        <p:nvSpPr>
-          <p:cNvPr id="4" name="Slide Number Placeholder 3"/>
-          <p:cNvSpPr>
-            <a:spLocks noGrp="1"/>
-          </p:cNvSpPr>
-          <p:nvPr>
-            <p:ph type="sldNum" sz="quarter" idx="5"/>
-          </p:nvPr>
-        </p:nvSpPr>
-        <p:spPr/>
-        <p:txBody>
-          <a:bodyPr/>
-          <a:lstStyle/>
-          <a:p>
-            <a:fld id="{1983A999-5E0E-42CA-8400-604AE921FF7C}" type="slidenum">
-              <a:rPr lang="en-US" smtClean="0"/>
-              <a:t>7</a:t>
+              <a:t>3</a:t>
             </a:fld>
             <a:endParaRPr lang="en-US"/>
           </a:p>
@@ -13202,10 +13118,10 @@
       </p:grpSpPr>
       <p:sp>
         <p:nvSpPr>
-          <p:cNvPr id="2" name="Title 1">
+          <p:cNvPr id="11" name="Title 10">
             <a:extLst>
               <a:ext uri="{FF2B5EF4-FFF2-40B4-BE49-F238E27FC236}">
-                <a16:creationId xmlns:a16="http://schemas.microsoft.com/office/drawing/2014/main" id="{0046426E-F6F6-4A7C-9181-8C3090996261}"/>
+                <a16:creationId xmlns:a16="http://schemas.microsoft.com/office/drawing/2014/main" id="{23418ADF-358F-4647-A511-FCFFEDA83429}"/>
               </a:ext>
             </a:extLst>
           </p:cNvPr>
@@ -13218,8 +13134,8 @@
         </p:nvSpPr>
         <p:spPr>
           <a:xfrm>
-            <a:off x="550864" y="549275"/>
-            <a:ext cx="3565524" cy="1997855"/>
+            <a:off x="550863" y="4507200"/>
+            <a:ext cx="4500562" cy="1562959"/>
           </a:xfrm>
         </p:spPr>
         <p:txBody>
@@ -13227,72 +13143,19 @@
           <a:lstStyle/>
           <a:p>
             <a:r>
-              <a:rPr lang="en-US" dirty="0"/>
+              <a:rPr lang="en-US"/>
               <a:t>Web Development</a:t>
             </a:r>
+            <a:endParaRPr lang="en-US" dirty="0"/>
           </a:p>
         </p:txBody>
       </p:sp>
       <p:sp>
         <p:nvSpPr>
-          <p:cNvPr id="3" name="Content Placeholder 2">
+          <p:cNvPr id="6" name="Slide Number Placeholder 5">
             <a:extLst>
               <a:ext uri="{FF2B5EF4-FFF2-40B4-BE49-F238E27FC236}">
-                <a16:creationId xmlns:a16="http://schemas.microsoft.com/office/drawing/2014/main" id="{D3B60D6F-4D0F-4D33-B2A7-159C8583FF00}"/>
-              </a:ext>
-            </a:extLst>
-          </p:cNvPr>
-          <p:cNvSpPr>
-            <a:spLocks noGrp="1"/>
-          </p:cNvSpPr>
-          <p:nvPr>
-            <p:ph idx="1"/>
-          </p:nvPr>
-        </p:nvSpPr>
-        <p:spPr>
-          <a:xfrm>
-            <a:off x="550863" y="3168637"/>
-            <a:ext cx="3565525" cy="2638605"/>
-          </a:xfrm>
-        </p:spPr>
-        <p:txBody>
-          <a:bodyPr/>
-          <a:lstStyle/>
-          <a:p>
-            <a:r>
-              <a:rPr lang="en-US" dirty="0"/>
-              <a:t>Web development</a:t>
-            </a:r>
-          </a:p>
-          <a:p>
-            <a:r>
-              <a:rPr lang="en-US" dirty="0"/>
-              <a:t>Basic HTML</a:t>
-            </a:r>
-          </a:p>
-          <a:p>
-            <a:r>
-              <a:rPr lang="en-US" dirty="0"/>
-              <a:t>HTML Structures</a:t>
-            </a:r>
-          </a:p>
-          <a:p>
-            <a:r>
-              <a:rPr lang="en-US" dirty="0"/>
-              <a:t>Some terms in HTML</a:t>
-            </a:r>
-          </a:p>
-          <a:p>
-            <a:endParaRPr lang="en-US" dirty="0"/>
-          </a:p>
-        </p:txBody>
-      </p:sp>
-      <p:sp>
-        <p:nvSpPr>
-          <p:cNvPr id="15" name="Slide Number Placeholder 14">
-            <a:extLst>
-              <a:ext uri="{FF2B5EF4-FFF2-40B4-BE49-F238E27FC236}">
-                <a16:creationId xmlns:a16="http://schemas.microsoft.com/office/drawing/2014/main" id="{3B199C97-F175-437D-8311-DB662925C063}"/>
+                <a16:creationId xmlns:a16="http://schemas.microsoft.com/office/drawing/2014/main" id="{9ED907F8-C614-4D59-A03F-BF9CD5E35703}"/>
               </a:ext>
             </a:extLst>
           </p:cNvPr>
@@ -13317,186 +13180,6 @@
               <a:rPr lang="en-US" smtClean="0"/>
               <a:pPr/>
               <a:t>2</a:t>
-            </a:fld>
-            <a:endParaRPr lang="en-US"/>
-          </a:p>
-        </p:txBody>
-      </p:sp>
-      <p:pic>
-        <p:nvPicPr>
-          <p:cNvPr id="17" name="Picture Placeholder 16" descr="A picture containing website&#10;&#10;Description automatically generated">
-            <a:extLst>
-              <a:ext uri="{FF2B5EF4-FFF2-40B4-BE49-F238E27FC236}">
-                <a16:creationId xmlns:a16="http://schemas.microsoft.com/office/drawing/2014/main" id="{D01165E4-044D-8A9F-6CB6-378DA4AF0DCC}"/>
-              </a:ext>
-            </a:extLst>
-          </p:cNvPr>
-          <p:cNvPicPr>
-            <a:picLocks noGrp="1" noChangeAspect="1"/>
-          </p:cNvPicPr>
-          <p:nvPr>
-            <p:ph type="pic" sz="quarter" idx="13"/>
-          </p:nvPr>
-        </p:nvPicPr>
-        <p:blipFill>
-          <a:blip r:embed="rId2"/>
-          <a:srcRect l="19986" r="19986"/>
-          <a:stretch>
-            <a:fillRect/>
-          </a:stretch>
-        </p:blipFill>
-        <p:spPr/>
-      </p:pic>
-      <p:pic>
-        <p:nvPicPr>
-          <p:cNvPr id="23" name="Picture Placeholder 22" descr="Text&#10;&#10;Description automatically generated with low confidence">
-            <a:extLst>
-              <a:ext uri="{FF2B5EF4-FFF2-40B4-BE49-F238E27FC236}">
-                <a16:creationId xmlns:a16="http://schemas.microsoft.com/office/drawing/2014/main" id="{BCAE215E-F962-E746-EDBE-4259E1734D3E}"/>
-              </a:ext>
-            </a:extLst>
-          </p:cNvPr>
-          <p:cNvPicPr>
-            <a:picLocks noGrp="1" noChangeAspect="1"/>
-          </p:cNvPicPr>
-          <p:nvPr>
-            <p:ph type="pic" sz="quarter" idx="14"/>
-          </p:nvPr>
-        </p:nvPicPr>
-        <p:blipFill rotWithShape="1">
-          <a:blip r:embed="rId3"/>
-          <a:srcRect l="25000" r="25000" b="17028"/>
-          <a:stretch/>
-        </p:blipFill>
-        <p:spPr>
-          <a:xfrm>
-            <a:off x="8918575" y="596392"/>
-            <a:ext cx="2263776" cy="2263776"/>
-          </a:xfrm>
-        </p:spPr>
-      </p:pic>
-      <p:pic>
-        <p:nvPicPr>
-          <p:cNvPr id="25" name="Picture Placeholder 24" descr="A person working on a computer&#10;&#10;Description automatically generated with low confidence">
-            <a:extLst>
-              <a:ext uri="{FF2B5EF4-FFF2-40B4-BE49-F238E27FC236}">
-                <a16:creationId xmlns:a16="http://schemas.microsoft.com/office/drawing/2014/main" id="{BD454668-8937-C717-6EAF-8E0AC37518C1}"/>
-              </a:ext>
-            </a:extLst>
-          </p:cNvPr>
-          <p:cNvPicPr>
-            <a:picLocks noGrp="1" noChangeAspect="1"/>
-          </p:cNvPicPr>
-          <p:nvPr>
-            <p:ph type="pic" sz="quarter" idx="15"/>
-          </p:nvPr>
-        </p:nvPicPr>
-        <p:blipFill rotWithShape="1">
-          <a:blip r:embed="rId4"/>
-          <a:srcRect l="17318" t="7713" r="26334" b="7122"/>
-          <a:stretch/>
-        </p:blipFill>
-        <p:spPr>
-          <a:xfrm>
-            <a:off x="9091612" y="3324733"/>
-            <a:ext cx="2936876" cy="2936876"/>
-          </a:xfrm>
-        </p:spPr>
-      </p:pic>
-    </p:spTree>
-    <p:extLst>
-      <p:ext uri="{BB962C8B-B14F-4D97-AF65-F5344CB8AC3E}">
-        <p14:creationId xmlns:p14="http://schemas.microsoft.com/office/powerpoint/2010/main" val="2313234867"/>
-      </p:ext>
-    </p:extLst>
-  </p:cSld>
-  <p:clrMapOvr>
-    <a:masterClrMapping/>
-  </p:clrMapOvr>
-</p:sld>
-</file>
-
-<file path=ppt/slides/slide3.xml><?xml version="1.0" encoding="utf-8"?>
-<p:sld xmlns:a="http://schemas.openxmlformats.org/drawingml/2006/main" xmlns:r="http://schemas.openxmlformats.org/officeDocument/2006/relationships" xmlns:p="http://schemas.openxmlformats.org/presentationml/2006/main">
-  <p:cSld>
-    <p:spTree>
-      <p:nvGrpSpPr>
-        <p:cNvPr id="1" name=""/>
-        <p:cNvGrpSpPr/>
-        <p:nvPr/>
-      </p:nvGrpSpPr>
-      <p:grpSpPr>
-        <a:xfrm>
-          <a:off x="0" y="0"/>
-          <a:ext cx="0" cy="0"/>
-          <a:chOff x="0" y="0"/>
-          <a:chExt cx="0" cy="0"/>
-        </a:xfrm>
-      </p:grpSpPr>
-      <p:sp>
-        <p:nvSpPr>
-          <p:cNvPr id="11" name="Title 10">
-            <a:extLst>
-              <a:ext uri="{FF2B5EF4-FFF2-40B4-BE49-F238E27FC236}">
-                <a16:creationId xmlns:a16="http://schemas.microsoft.com/office/drawing/2014/main" id="{23418ADF-358F-4647-A511-FCFFEDA83429}"/>
-              </a:ext>
-            </a:extLst>
-          </p:cNvPr>
-          <p:cNvSpPr>
-            <a:spLocks noGrp="1"/>
-          </p:cNvSpPr>
-          <p:nvPr>
-            <p:ph type="title"/>
-          </p:nvPr>
-        </p:nvSpPr>
-        <p:spPr>
-          <a:xfrm>
-            <a:off x="550863" y="4507200"/>
-            <a:ext cx="4500562" cy="1562959"/>
-          </a:xfrm>
-        </p:spPr>
-        <p:txBody>
-          <a:bodyPr/>
-          <a:lstStyle/>
-          <a:p>
-            <a:r>
-              <a:rPr lang="en-US"/>
-              <a:t>Web Development</a:t>
-            </a:r>
-            <a:endParaRPr lang="en-US" dirty="0"/>
-          </a:p>
-        </p:txBody>
-      </p:sp>
-      <p:sp>
-        <p:nvSpPr>
-          <p:cNvPr id="6" name="Slide Number Placeholder 5">
-            <a:extLst>
-              <a:ext uri="{FF2B5EF4-FFF2-40B4-BE49-F238E27FC236}">
-                <a16:creationId xmlns:a16="http://schemas.microsoft.com/office/drawing/2014/main" id="{9ED907F8-C614-4D59-A03F-BF9CD5E35703}"/>
-              </a:ext>
-            </a:extLst>
-          </p:cNvPr>
-          <p:cNvSpPr>
-            <a:spLocks noGrp="1"/>
-          </p:cNvSpPr>
-          <p:nvPr>
-            <p:ph type="sldNum" sz="quarter" idx="12"/>
-          </p:nvPr>
-        </p:nvSpPr>
-        <p:spPr>
-          <a:xfrm>
-            <a:off x="9948863" y="6507212"/>
-            <a:ext cx="1692274" cy="153888"/>
-          </a:xfrm>
-        </p:spPr>
-        <p:txBody>
-          <a:bodyPr/>
-          <a:lstStyle/>
-          <a:p>
-            <a:fld id="{DBA1B0FB-D917-4C8C-928F-313BD683BF39}" type="slidenum">
-              <a:rPr lang="en-US" smtClean="0"/>
-              <a:pPr/>
-              <a:t>3</a:t>
             </a:fld>
             <a:endParaRPr lang="en-US"/>
           </a:p>
@@ -13663,7 +13346,1948 @@
 </p:sld>
 </file>
 
+<file path=ppt/slides/slide3.xml><?xml version="1.0" encoding="utf-8"?>
+<p:sld xmlns:a="http://schemas.openxmlformats.org/drawingml/2006/main" xmlns:r="http://schemas.openxmlformats.org/officeDocument/2006/relationships" xmlns:p="http://schemas.openxmlformats.org/presentationml/2006/main">
+  <p:cSld>
+    <p:spTree>
+      <p:nvGrpSpPr>
+        <p:cNvPr id="1" name=""/>
+        <p:cNvGrpSpPr/>
+        <p:nvPr/>
+      </p:nvGrpSpPr>
+      <p:grpSpPr>
+        <a:xfrm>
+          <a:off x="0" y="0"/>
+          <a:ext cx="0" cy="0"/>
+          <a:chOff x="0" y="0"/>
+          <a:chExt cx="0" cy="0"/>
+        </a:xfrm>
+      </p:grpSpPr>
+      <p:sp>
+        <p:nvSpPr>
+          <p:cNvPr id="11" name="Title 10">
+            <a:extLst>
+              <a:ext uri="{FF2B5EF4-FFF2-40B4-BE49-F238E27FC236}">
+                <a16:creationId xmlns:a16="http://schemas.microsoft.com/office/drawing/2014/main" id="{581E8936-2270-47FE-94A4-398CB123EF90}"/>
+              </a:ext>
+            </a:extLst>
+          </p:cNvPr>
+          <p:cNvSpPr>
+            <a:spLocks noGrp="1"/>
+          </p:cNvSpPr>
+          <p:nvPr>
+            <p:ph type="title"/>
+          </p:nvPr>
+        </p:nvSpPr>
+        <p:spPr>
+          <a:xfrm>
+            <a:off x="550863" y="4508500"/>
+            <a:ext cx="4500562" cy="1562959"/>
+          </a:xfrm>
+        </p:spPr>
+        <p:txBody>
+          <a:bodyPr/>
+          <a:lstStyle/>
+          <a:p>
+            <a:pPr algn="ctr"/>
+            <a:r>
+              <a:rPr lang="en-US" dirty="0"/>
+              <a:t>PROJECT</a:t>
+            </a:r>
+          </a:p>
+        </p:txBody>
+      </p:sp>
+      <p:sp>
+        <p:nvSpPr>
+          <p:cNvPr id="13" name="Content Placeholder 12">
+            <a:extLst>
+              <a:ext uri="{FF2B5EF4-FFF2-40B4-BE49-F238E27FC236}">
+                <a16:creationId xmlns:a16="http://schemas.microsoft.com/office/drawing/2014/main" id="{C0287FEC-3826-4868-8D93-52429C6156F5}"/>
+              </a:ext>
+            </a:extLst>
+          </p:cNvPr>
+          <p:cNvSpPr>
+            <a:spLocks noGrp="1"/>
+          </p:cNvSpPr>
+          <p:nvPr>
+            <p:ph sz="quarter" idx="15"/>
+          </p:nvPr>
+        </p:nvSpPr>
+        <p:spPr>
+          <a:xfrm>
+            <a:off x="5262411" y="4508500"/>
+            <a:ext cx="6221412" cy="1563688"/>
+          </a:xfrm>
+        </p:spPr>
+        <p:txBody>
+          <a:bodyPr>
+            <a:normAutofit/>
+          </a:bodyPr>
+          <a:lstStyle/>
+          <a:p>
+            <a:r>
+              <a:rPr lang="en-US" dirty="0"/>
+              <a:t>This is a trial project to show what I am learn till now from this web development course. I will further improve this project with the progress in my web development course.</a:t>
+            </a:r>
+          </a:p>
+          <a:p>
+            <a:endParaRPr lang="en-US" dirty="0"/>
+          </a:p>
+        </p:txBody>
+      </p:sp>
+      <p:sp>
+        <p:nvSpPr>
+          <p:cNvPr id="6" name="Slide Number Placeholder 5">
+            <a:extLst>
+              <a:ext uri="{FF2B5EF4-FFF2-40B4-BE49-F238E27FC236}">
+                <a16:creationId xmlns:a16="http://schemas.microsoft.com/office/drawing/2014/main" id="{9ED907F8-C614-4D59-A03F-BF9CD5E35703}"/>
+              </a:ext>
+            </a:extLst>
+          </p:cNvPr>
+          <p:cNvSpPr>
+            <a:spLocks noGrp="1"/>
+          </p:cNvSpPr>
+          <p:nvPr>
+            <p:ph type="sldNum" sz="quarter" idx="12"/>
+          </p:nvPr>
+        </p:nvSpPr>
+        <p:spPr>
+          <a:xfrm>
+            <a:off x="9948863" y="6507212"/>
+            <a:ext cx="1692274" cy="153888"/>
+          </a:xfrm>
+        </p:spPr>
+        <p:txBody>
+          <a:bodyPr/>
+          <a:lstStyle/>
+          <a:p>
+            <a:fld id="{DBA1B0FB-D917-4C8C-928F-313BD683BF39}" type="slidenum">
+              <a:rPr lang="en-US" smtClean="0"/>
+              <a:pPr/>
+              <a:t>3</a:t>
+            </a:fld>
+            <a:endParaRPr lang="en-US"/>
+          </a:p>
+        </p:txBody>
+      </p:sp>
+      <p:pic>
+        <p:nvPicPr>
+          <p:cNvPr id="5" name="Picture Placeholder 4">
+            <a:extLst>
+              <a:ext uri="{FF2B5EF4-FFF2-40B4-BE49-F238E27FC236}">
+                <a16:creationId xmlns:a16="http://schemas.microsoft.com/office/drawing/2014/main" id="{D6816CF2-4483-990D-5911-B5D289F136F7}"/>
+              </a:ext>
+            </a:extLst>
+          </p:cNvPr>
+          <p:cNvPicPr>
+            <a:picLocks noGrp="1" noChangeAspect="1"/>
+          </p:cNvPicPr>
+          <p:nvPr>
+            <p:ph type="pic" sz="quarter" idx="13"/>
+          </p:nvPr>
+        </p:nvPicPr>
+        <p:blipFill rotWithShape="1">
+          <a:blip r:embed="rId3"/>
+          <a:srcRect t="-1249" b="18874"/>
+          <a:stretch/>
+        </p:blipFill>
+        <p:spPr>
+          <a:xfrm>
+            <a:off x="0" y="0"/>
+            <a:ext cx="12192000" cy="3776472"/>
+          </a:xfrm>
+        </p:spPr>
+      </p:pic>
+    </p:spTree>
+    <p:extLst>
+      <p:ext uri="{BB962C8B-B14F-4D97-AF65-F5344CB8AC3E}">
+        <p14:creationId xmlns:p14="http://schemas.microsoft.com/office/powerpoint/2010/main" val="3521561301"/>
+      </p:ext>
+    </p:extLst>
+  </p:cSld>
+  <p:clrMapOvr>
+    <a:masterClrMapping/>
+  </p:clrMapOvr>
+</p:sld>
+</file>
+
 <file path=ppt/slides/slide4.xml><?xml version="1.0" encoding="utf-8"?>
+<p:sld xmlns:a="http://schemas.openxmlformats.org/drawingml/2006/main" xmlns:r="http://schemas.openxmlformats.org/officeDocument/2006/relationships" xmlns:p="http://schemas.openxmlformats.org/presentationml/2006/main">
+  <p:cSld>
+    <p:spTree>
+      <p:nvGrpSpPr>
+        <p:cNvPr id="1" name=""/>
+        <p:cNvGrpSpPr/>
+        <p:nvPr/>
+      </p:nvGrpSpPr>
+      <p:grpSpPr>
+        <a:xfrm>
+          <a:off x="0" y="0"/>
+          <a:ext cx="0" cy="0"/>
+          <a:chOff x="0" y="0"/>
+          <a:chExt cx="0" cy="0"/>
+        </a:xfrm>
+      </p:grpSpPr>
+      <p:sp>
+        <p:nvSpPr>
+          <p:cNvPr id="14" name="Title 13">
+            <a:extLst>
+              <a:ext uri="{FF2B5EF4-FFF2-40B4-BE49-F238E27FC236}">
+                <a16:creationId xmlns:a16="http://schemas.microsoft.com/office/drawing/2014/main" id="{C15EE852-24F1-4643-8082-AB45CFF2BA10}"/>
+              </a:ext>
+            </a:extLst>
+          </p:cNvPr>
+          <p:cNvSpPr>
+            <a:spLocks noGrp="1"/>
+          </p:cNvSpPr>
+          <p:nvPr>
+            <p:ph type="title"/>
+          </p:nvPr>
+        </p:nvSpPr>
+        <p:spPr>
+          <a:xfrm>
+            <a:off x="861530" y="656632"/>
+            <a:ext cx="4674279" cy="592495"/>
+          </a:xfrm>
+        </p:spPr>
+        <p:txBody>
+          <a:bodyPr>
+            <a:normAutofit/>
+          </a:bodyPr>
+          <a:lstStyle/>
+          <a:p>
+            <a:r>
+              <a:rPr lang="en-US" dirty="0"/>
+              <a:t>WHAT IS HTML?</a:t>
+            </a:r>
+          </a:p>
+        </p:txBody>
+      </p:sp>
+      <p:sp>
+        <p:nvSpPr>
+          <p:cNvPr id="21" name="Slide Number Placeholder 20">
+            <a:extLst>
+              <a:ext uri="{FF2B5EF4-FFF2-40B4-BE49-F238E27FC236}">
+                <a16:creationId xmlns:a16="http://schemas.microsoft.com/office/drawing/2014/main" id="{1C563B34-DD53-4FB1-B8C2-8914E01C6365}"/>
+              </a:ext>
+            </a:extLst>
+          </p:cNvPr>
+          <p:cNvSpPr>
+            <a:spLocks noGrp="1"/>
+          </p:cNvSpPr>
+          <p:nvPr>
+            <p:ph type="sldNum" sz="quarter" idx="12"/>
+          </p:nvPr>
+        </p:nvSpPr>
+        <p:spPr>
+          <a:xfrm>
+            <a:off x="9948863" y="6507212"/>
+            <a:ext cx="1692274" cy="153888"/>
+          </a:xfrm>
+        </p:spPr>
+        <p:txBody>
+          <a:bodyPr/>
+          <a:lstStyle/>
+          <a:p>
+            <a:fld id="{DBA1B0FB-D917-4C8C-928F-313BD683BF39}" type="slidenum">
+              <a:rPr lang="en-US" smtClean="0"/>
+              <a:pPr/>
+              <a:t>4</a:t>
+            </a:fld>
+            <a:endParaRPr lang="en-US"/>
+          </a:p>
+        </p:txBody>
+      </p:sp>
+      <p:pic>
+        <p:nvPicPr>
+          <p:cNvPr id="9" name="Picture Placeholder 8" descr="Text, icon&#10;&#10;Description automatically generated with medium confidence">
+            <a:extLst>
+              <a:ext uri="{FF2B5EF4-FFF2-40B4-BE49-F238E27FC236}">
+                <a16:creationId xmlns:a16="http://schemas.microsoft.com/office/drawing/2014/main" id="{E5C434A8-7C7F-EA3D-6CAA-BB345C28481E}"/>
+              </a:ext>
+            </a:extLst>
+          </p:cNvPr>
+          <p:cNvPicPr>
+            <a:picLocks noGrp="1" noChangeAspect="1"/>
+          </p:cNvPicPr>
+          <p:nvPr>
+            <p:ph type="pic" sz="quarter" idx="13"/>
+          </p:nvPr>
+        </p:nvPicPr>
+        <p:blipFill>
+          <a:blip r:embed="rId2"/>
+          <a:srcRect/>
+          <a:stretch>
+            <a:fillRect/>
+          </a:stretch>
+        </p:blipFill>
+        <p:spPr>
+          <a:xfrm>
+            <a:off x="6198082" y="656632"/>
+            <a:ext cx="5132388" cy="5132388"/>
+          </a:xfrm>
+        </p:spPr>
+      </p:pic>
+      <p:sp>
+        <p:nvSpPr>
+          <p:cNvPr id="11" name="Content Placeholder 10">
+            <a:extLst>
+              <a:ext uri="{FF2B5EF4-FFF2-40B4-BE49-F238E27FC236}">
+                <a16:creationId xmlns:a16="http://schemas.microsoft.com/office/drawing/2014/main" id="{46275194-E37E-8B65-CC91-C3AB838C2E83}"/>
+              </a:ext>
+            </a:extLst>
+          </p:cNvPr>
+          <p:cNvSpPr>
+            <a:spLocks noGrp="1"/>
+          </p:cNvSpPr>
+          <p:nvPr>
+            <p:ph sz="quarter" idx="15"/>
+          </p:nvPr>
+        </p:nvSpPr>
+        <p:spPr>
+          <a:xfrm>
+            <a:off x="307909" y="1404485"/>
+            <a:ext cx="5355771" cy="5780087"/>
+          </a:xfrm>
+        </p:spPr>
+        <p:txBody>
+          <a:bodyPr/>
+          <a:lstStyle/>
+          <a:p>
+            <a:pPr marL="342900" indent="-342900" algn="just">
+              <a:buFont typeface="Arial" panose="020B0604020202020204" pitchFamily="34" charset="0"/>
+              <a:buChar char="•"/>
+            </a:pPr>
+            <a:r>
+              <a:rPr lang="en-US" sz="1600" dirty="0">
+                <a:solidFill>
+                  <a:schemeClr val="tx1"/>
+                </a:solidFill>
+              </a:rPr>
+              <a:t>The </a:t>
+            </a:r>
+            <a:r>
+              <a:rPr lang="en-US" sz="1600" b="1" dirty="0" err="1">
+                <a:solidFill>
+                  <a:schemeClr val="tx1"/>
+                </a:solidFill>
+              </a:rPr>
+              <a:t>HyperText</a:t>
+            </a:r>
+            <a:r>
+              <a:rPr lang="en-US" sz="1600" b="1" dirty="0">
+                <a:solidFill>
+                  <a:schemeClr val="tx1"/>
+                </a:solidFill>
+              </a:rPr>
+              <a:t> Markup Language</a:t>
+            </a:r>
+            <a:r>
+              <a:rPr lang="en-US" sz="1600" dirty="0">
+                <a:solidFill>
+                  <a:schemeClr val="tx1"/>
+                </a:solidFill>
+              </a:rPr>
+              <a:t> or </a:t>
+            </a:r>
+            <a:r>
+              <a:rPr lang="en-US" sz="1600" b="1" dirty="0">
+                <a:solidFill>
+                  <a:schemeClr val="tx1"/>
+                </a:solidFill>
+              </a:rPr>
+              <a:t>HTML</a:t>
+            </a:r>
+            <a:r>
+              <a:rPr lang="en-US" sz="1600" dirty="0">
+                <a:solidFill>
+                  <a:schemeClr val="tx1"/>
+                </a:solidFill>
+              </a:rPr>
+              <a:t> is the standard markup language for documents designed to be displayed in a web browser. It can be assisted by technologies such as Cascading Style Sheets (CSS) and scripting languages such as </a:t>
+            </a:r>
+            <a:r>
+              <a:rPr lang="en-US" sz="1600" dirty="0" err="1">
+                <a:solidFill>
+                  <a:schemeClr val="tx1"/>
+                </a:solidFill>
+              </a:rPr>
+              <a:t>Javascript</a:t>
+            </a:r>
+            <a:r>
+              <a:rPr lang="en-US" sz="1600" dirty="0">
+                <a:solidFill>
+                  <a:schemeClr val="tx1"/>
+                </a:solidFill>
+              </a:rPr>
+              <a:t>.</a:t>
+            </a:r>
+          </a:p>
+          <a:p>
+            <a:pPr marL="342900" indent="-342900" algn="just">
+              <a:buFont typeface="Arial" panose="020B0604020202020204" pitchFamily="34" charset="0"/>
+              <a:buChar char="•"/>
+            </a:pPr>
+            <a:r>
+              <a:rPr lang="en-US" sz="1600" dirty="0">
+                <a:solidFill>
+                  <a:schemeClr val="tx1"/>
+                </a:solidFill>
+              </a:rPr>
+              <a:t>Web browsers receive HTML documents from a web server or from local storage and render the documents into multimedia web pages. HTML describes the structure of a web page semantically and originally included cues for the appearance of the document.</a:t>
+            </a:r>
+          </a:p>
+          <a:p>
+            <a:pPr marL="342900" indent="-342900" algn="just">
+              <a:buFont typeface="Arial" panose="020B0604020202020204" pitchFamily="34" charset="0"/>
+              <a:buChar char="•"/>
+            </a:pPr>
+            <a:r>
+              <a:rPr lang="en-US" sz="1600" dirty="0">
+                <a:solidFill>
+                  <a:schemeClr val="tx1"/>
+                </a:solidFill>
+              </a:rPr>
+              <a:t>HTML elements are the building blocks of HTML pages. With HTML constructs, images and other objects such as interactive forms may be embedded into the rendered page. HTML provides a means to create structured documents by denoting structural semantics for text such as headings, paragraphs, lists, links, quotes and other items</a:t>
+            </a:r>
+            <a:endParaRPr lang="en-US" sz="1600" b="0" i="0" dirty="0">
+              <a:solidFill>
+                <a:schemeClr val="tx1"/>
+              </a:solidFill>
+              <a:effectLst/>
+              <a:latin typeface="Bahnschrift SemiBold SemiConden" panose="020B0502040204020203" pitchFamily="34" charset="0"/>
+              <a:ea typeface="Yu Gothic Medium" panose="020B0500000000000000" pitchFamily="34" charset="-128"/>
+              <a:cs typeface="Adobe Hebrew" panose="02040503050201020203" pitchFamily="18" charset="-79"/>
+            </a:endParaRPr>
+          </a:p>
+          <a:p>
+            <a:pPr algn="just"/>
+            <a:endParaRPr lang="en-IN" sz="1600" dirty="0">
+              <a:solidFill>
+                <a:schemeClr val="tx1"/>
+              </a:solidFill>
+            </a:endParaRPr>
+          </a:p>
+        </p:txBody>
+      </p:sp>
+    </p:spTree>
+    <p:extLst>
+      <p:ext uri="{BB962C8B-B14F-4D97-AF65-F5344CB8AC3E}">
+        <p14:creationId xmlns:p14="http://schemas.microsoft.com/office/powerpoint/2010/main" val="395518310"/>
+      </p:ext>
+    </p:extLst>
+  </p:cSld>
+  <p:clrMapOvr>
+    <a:masterClrMapping/>
+  </p:clrMapOvr>
+</p:sld>
+</file>
+
+<file path=ppt/slides/slide5.xml><?xml version="1.0" encoding="utf-8"?>
+<p:sld xmlns:a="http://schemas.openxmlformats.org/drawingml/2006/main" xmlns:r="http://schemas.openxmlformats.org/officeDocument/2006/relationships" xmlns:p="http://schemas.openxmlformats.org/presentationml/2006/main">
+  <p:cSld>
+    <p:bg>
+      <p:bgPr>
+        <a:solidFill>
+          <a:schemeClr val="bg2"/>
+        </a:solidFill>
+        <a:effectLst/>
+      </p:bgPr>
+    </p:bg>
+    <p:spTree>
+      <p:nvGrpSpPr>
+        <p:cNvPr id="1" name=""/>
+        <p:cNvGrpSpPr/>
+        <p:nvPr/>
+      </p:nvGrpSpPr>
+      <p:grpSpPr>
+        <a:xfrm>
+          <a:off x="0" y="0"/>
+          <a:ext cx="0" cy="0"/>
+          <a:chOff x="0" y="0"/>
+          <a:chExt cx="0" cy="0"/>
+        </a:xfrm>
+      </p:grpSpPr>
+      <p:grpSp>
+        <p:nvGrpSpPr>
+          <p:cNvPr id="31" name="Group 15">
+            <a:extLst>
+              <a:ext uri="{FF2B5EF4-FFF2-40B4-BE49-F238E27FC236}">
+                <a16:creationId xmlns:a16="http://schemas.microsoft.com/office/drawing/2014/main" id="{3BDBC526-6DCD-4FF6-8395-D8C22E46E527}"/>
+              </a:ext>
+              <a:ext uri="{C183D7F6-B498-43B3-948B-1728B52AA6E4}">
+                <adec:decorative xmlns:adec="http://schemas.microsoft.com/office/drawing/2017/decorative" val="1"/>
+              </a:ext>
+            </a:extLst>
+          </p:cNvPr>
+          <p:cNvGrpSpPr>
+            <a:grpSpLocks noGrp="1" noUngrp="1" noRot="1" noChangeAspect="1" noMove="1" noResize="1"/>
+          </p:cNvGrpSpPr>
+          <p:nvPr>
+            <p:extLst>
+              <p:ext uri="{386F3935-93C4-4BCD-93E2-E3B085C9AB24}">
+                <p16:designElem xmlns:p16="http://schemas.microsoft.com/office/powerpoint/2015/main" val="1"/>
+              </p:ext>
+            </p:extLst>
+          </p:nvPr>
+        </p:nvGrpSpPr>
+        <p:grpSpPr>
+          <a:xfrm>
+            <a:off x="613998" y="5334748"/>
+            <a:ext cx="678135" cy="990000"/>
+            <a:chOff x="10490969" y="1448827"/>
+            <a:chExt cx="678135" cy="990000"/>
+          </a:xfrm>
+        </p:grpSpPr>
+        <p:sp>
+          <p:nvSpPr>
+            <p:cNvPr id="32" name="Freeform: Shape 16">
+              <a:extLst>
+                <a:ext uri="{FF2B5EF4-FFF2-40B4-BE49-F238E27FC236}">
+                  <a16:creationId xmlns:a16="http://schemas.microsoft.com/office/drawing/2014/main" id="{02ECB475-568C-47AC-B16D-2E202DEB2DE0}"/>
+                </a:ext>
+                <a:ext uri="{C183D7F6-B498-43B3-948B-1728B52AA6E4}">
+                  <adec:decorative xmlns:adec="http://schemas.microsoft.com/office/drawing/2017/decorative" val="1"/>
+                </a:ext>
+              </a:extLst>
+            </p:cNvPr>
+            <p:cNvSpPr>
+              <a:spLocks noChangeAspect="1"/>
+            </p:cNvSpPr>
+            <p:nvPr>
+              <p:extLst>
+                <p:ext uri="{386F3935-93C4-4BCD-93E2-E3B085C9AB24}">
+                  <p16:designElem xmlns:p16="http://schemas.microsoft.com/office/powerpoint/2015/main" val="1"/>
+                </p:ext>
+              </p:extLst>
+            </p:nvPr>
+          </p:nvSpPr>
+          <p:spPr>
+            <a:xfrm rot="2700000" flipH="1" flipV="1">
+              <a:off x="10268976" y="1743588"/>
+              <a:ext cx="926985" cy="463493"/>
+            </a:xfrm>
+            <a:custGeom>
+              <a:avLst/>
+              <a:gdLst>
+                <a:gd name="connsiteX0" fmla="*/ 1329373 w 2658746"/>
+                <a:gd name="connsiteY0" fmla="*/ 0 h 1329373"/>
+                <a:gd name="connsiteX1" fmla="*/ 2658746 w 2658746"/>
+                <a:gd name="connsiteY1" fmla="*/ 1329373 h 1329373"/>
+                <a:gd name="connsiteX2" fmla="*/ 1994059 w 2658746"/>
+                <a:gd name="connsiteY2" fmla="*/ 1329373 h 1329373"/>
+                <a:gd name="connsiteX3" fmla="*/ 1329373 w 2658746"/>
+                <a:gd name="connsiteY3" fmla="*/ 664687 h 1329373"/>
+                <a:gd name="connsiteX4" fmla="*/ 664687 w 2658746"/>
+                <a:gd name="connsiteY4" fmla="*/ 1329373 h 1329373"/>
+                <a:gd name="connsiteX5" fmla="*/ 0 w 2658746"/>
+                <a:gd name="connsiteY5" fmla="*/ 1329373 h 1329373"/>
+                <a:gd name="connsiteX6" fmla="*/ 1329373 w 2658746"/>
+                <a:gd name="connsiteY6" fmla="*/ 0 h 1329373"/>
+              </a:gdLst>
+              <a:ahLst/>
+              <a:cxnLst>
+                <a:cxn ang="0">
+                  <a:pos x="connsiteX0" y="connsiteY0"/>
+                </a:cxn>
+                <a:cxn ang="0">
+                  <a:pos x="connsiteX1" y="connsiteY1"/>
+                </a:cxn>
+                <a:cxn ang="0">
+                  <a:pos x="connsiteX2" y="connsiteY2"/>
+                </a:cxn>
+                <a:cxn ang="0">
+                  <a:pos x="connsiteX3" y="connsiteY3"/>
+                </a:cxn>
+                <a:cxn ang="0">
+                  <a:pos x="connsiteX4" y="connsiteY4"/>
+                </a:cxn>
+                <a:cxn ang="0">
+                  <a:pos x="connsiteX5" y="connsiteY5"/>
+                </a:cxn>
+                <a:cxn ang="0">
+                  <a:pos x="connsiteX6" y="connsiteY6"/>
+                </a:cxn>
+              </a:cxnLst>
+              <a:rect l="l" t="t" r="r" b="b"/>
+              <a:pathLst>
+                <a:path w="2658746" h="1329373">
+                  <a:moveTo>
+                    <a:pt x="1329373" y="0"/>
+                  </a:moveTo>
+                  <a:cubicBezTo>
+                    <a:pt x="2063565" y="0"/>
+                    <a:pt x="2658746" y="595181"/>
+                    <a:pt x="2658746" y="1329373"/>
+                  </a:cubicBezTo>
+                  <a:lnTo>
+                    <a:pt x="1994059" y="1329373"/>
+                  </a:lnTo>
+                  <a:cubicBezTo>
+                    <a:pt x="1994059" y="962277"/>
+                    <a:pt x="1696469" y="664687"/>
+                    <a:pt x="1329373" y="664687"/>
+                  </a:cubicBezTo>
+                  <a:cubicBezTo>
+                    <a:pt x="962277" y="664687"/>
+                    <a:pt x="664687" y="962277"/>
+                    <a:pt x="664687" y="1329373"/>
+                  </a:cubicBezTo>
+                  <a:lnTo>
+                    <a:pt x="0" y="1329373"/>
+                  </a:lnTo>
+                  <a:cubicBezTo>
+                    <a:pt x="0" y="595181"/>
+                    <a:pt x="595181" y="0"/>
+                    <a:pt x="1329373" y="0"/>
+                  </a:cubicBezTo>
+                  <a:close/>
+                </a:path>
+              </a:pathLst>
+            </a:custGeom>
+            <a:solidFill>
+              <a:schemeClr val="bg2"/>
+            </a:solidFill>
+            <a:ln>
+              <a:noFill/>
+            </a:ln>
+            <a:effectLst>
+              <a:innerShdw blurRad="127000" dist="50800" dir="13500000">
+                <a:schemeClr val="accent1">
+                  <a:lumMod val="40000"/>
+                  <a:lumOff val="60000"/>
+                  <a:alpha val="20000"/>
+                </a:schemeClr>
+              </a:innerShdw>
+            </a:effectLst>
+          </p:spPr>
+          <p:style>
+            <a:lnRef idx="2">
+              <a:schemeClr val="accent1">
+                <a:shade val="50000"/>
+              </a:schemeClr>
+            </a:lnRef>
+            <a:fillRef idx="1">
+              <a:schemeClr val="accent1"/>
+            </a:fillRef>
+            <a:effectRef idx="0">
+              <a:schemeClr val="accent1"/>
+            </a:effectRef>
+            <a:fontRef idx="minor">
+              <a:schemeClr val="lt1"/>
+            </a:fontRef>
+          </p:style>
+          <p:txBody>
+            <a:bodyPr rtlCol="0" anchor="ctr"/>
+            <a:lstStyle/>
+            <a:p>
+              <a:pPr algn="ctr"/>
+              <a:endParaRPr lang="en-US" dirty="0">
+                <a:solidFill>
+                  <a:schemeClr val="tx1"/>
+                </a:solidFill>
+              </a:endParaRPr>
+            </a:p>
+          </p:txBody>
+        </p:sp>
+        <p:sp>
+          <p:nvSpPr>
+            <p:cNvPr id="33" name="Oval 17">
+              <a:extLst>
+                <a:ext uri="{FF2B5EF4-FFF2-40B4-BE49-F238E27FC236}">
+                  <a16:creationId xmlns:a16="http://schemas.microsoft.com/office/drawing/2014/main" id="{080D8764-525A-441E-B58F-068E82F09714}"/>
+                </a:ext>
+                <a:ext uri="{C183D7F6-B498-43B3-948B-1728B52AA6E4}">
+                  <adec:decorative xmlns:adec="http://schemas.microsoft.com/office/drawing/2017/decorative" val="1"/>
+                </a:ext>
+              </a:extLst>
+            </p:cNvPr>
+            <p:cNvSpPr/>
+            <p:nvPr>
+              <p:extLst>
+                <p:ext uri="{386F3935-93C4-4BCD-93E2-E3B085C9AB24}">
+                  <p16:designElem xmlns:p16="http://schemas.microsoft.com/office/powerpoint/2015/main" val="1"/>
+                </p:ext>
+              </p:extLst>
+            </p:nvPr>
+          </p:nvSpPr>
+          <p:spPr>
+            <a:xfrm rot="8100000" flipH="1" flipV="1">
+              <a:off x="11115555" y="1939340"/>
+              <a:ext cx="53549" cy="233295"/>
+            </a:xfrm>
+            <a:prstGeom prst="ellipse">
+              <a:avLst/>
+            </a:prstGeom>
+            <a:solidFill>
+              <a:schemeClr val="bg2">
+                <a:lumMod val="90000"/>
+                <a:lumOff val="10000"/>
+              </a:schemeClr>
+            </a:solidFill>
+            <a:ln>
+              <a:noFill/>
+            </a:ln>
+            <a:effectLst>
+              <a:innerShdw blurRad="63500" dist="2540000">
+                <a:schemeClr val="accent1">
+                  <a:lumMod val="60000"/>
+                  <a:lumOff val="40000"/>
+                  <a:alpha val="0"/>
+                </a:schemeClr>
+              </a:innerShdw>
+            </a:effectLst>
+          </p:spPr>
+          <p:style>
+            <a:lnRef idx="2">
+              <a:schemeClr val="accent1">
+                <a:shade val="50000"/>
+              </a:schemeClr>
+            </a:lnRef>
+            <a:fillRef idx="1">
+              <a:schemeClr val="accent1"/>
+            </a:fillRef>
+            <a:effectRef idx="0">
+              <a:schemeClr val="accent1"/>
+            </a:effectRef>
+            <a:fontRef idx="minor">
+              <a:schemeClr val="lt1"/>
+            </a:fontRef>
+          </p:style>
+          <p:txBody>
+            <a:bodyPr rot="0" spcFirstLastPara="0" vertOverflow="overflow" horzOverflow="overflow" vert="horz" wrap="square" lIns="91440" tIns="45720" rIns="91440" bIns="45720" numCol="1" spcCol="0" rtlCol="0" fromWordArt="0" anchor="ctr" anchorCtr="0" forceAA="0" compatLnSpc="1">
+              <a:prstTxWarp prst="textNoShape">
+                <a:avLst/>
+              </a:prstTxWarp>
+              <a:noAutofit/>
+            </a:bodyPr>
+            <a:lstStyle/>
+            <a:p>
+              <a:pPr algn="ctr"/>
+              <a:endParaRPr lang="en-US"/>
+            </a:p>
+          </p:txBody>
+        </p:sp>
+        <p:sp>
+          <p:nvSpPr>
+            <p:cNvPr id="34" name="Oval 18">
+              <a:extLst>
+                <a:ext uri="{FF2B5EF4-FFF2-40B4-BE49-F238E27FC236}">
+                  <a16:creationId xmlns:a16="http://schemas.microsoft.com/office/drawing/2014/main" id="{11196109-6F2B-4738-B2FC-2CCC753AABD4}"/>
+                </a:ext>
+                <a:ext uri="{C183D7F6-B498-43B3-948B-1728B52AA6E4}">
+                  <adec:decorative xmlns:adec="http://schemas.microsoft.com/office/drawing/2017/decorative" val="1"/>
+                </a:ext>
+              </a:extLst>
+            </p:cNvPr>
+            <p:cNvSpPr/>
+            <p:nvPr>
+              <p:extLst>
+                <p:ext uri="{386F3935-93C4-4BCD-93E2-E3B085C9AB24}">
+                  <p16:designElem xmlns:p16="http://schemas.microsoft.com/office/powerpoint/2015/main" val="1"/>
+                </p:ext>
+              </p:extLst>
+            </p:nvPr>
+          </p:nvSpPr>
+          <p:spPr>
+            <a:xfrm rot="8100000" flipH="1" flipV="1">
+              <a:off x="10625042" y="1448827"/>
+              <a:ext cx="53549" cy="233295"/>
+            </a:xfrm>
+            <a:prstGeom prst="ellipse">
+              <a:avLst/>
+            </a:prstGeom>
+            <a:solidFill>
+              <a:schemeClr val="bg2">
+                <a:lumMod val="90000"/>
+                <a:lumOff val="10000"/>
+              </a:schemeClr>
+            </a:solidFill>
+            <a:ln>
+              <a:noFill/>
+            </a:ln>
+            <a:effectLst>
+              <a:innerShdw blurRad="63500" dist="2540000">
+                <a:schemeClr val="accent1">
+                  <a:lumMod val="60000"/>
+                  <a:lumOff val="40000"/>
+                  <a:alpha val="0"/>
+                </a:schemeClr>
+              </a:innerShdw>
+            </a:effectLst>
+          </p:spPr>
+          <p:style>
+            <a:lnRef idx="2">
+              <a:schemeClr val="accent1">
+                <a:shade val="50000"/>
+              </a:schemeClr>
+            </a:lnRef>
+            <a:fillRef idx="1">
+              <a:schemeClr val="accent1"/>
+            </a:fillRef>
+            <a:effectRef idx="0">
+              <a:schemeClr val="accent1"/>
+            </a:effectRef>
+            <a:fontRef idx="minor">
+              <a:schemeClr val="lt1"/>
+            </a:fontRef>
+          </p:style>
+          <p:txBody>
+            <a:bodyPr rot="0" spcFirstLastPara="0" vertOverflow="overflow" horzOverflow="overflow" vert="horz" wrap="square" lIns="91440" tIns="45720" rIns="91440" bIns="45720" numCol="1" spcCol="0" rtlCol="0" fromWordArt="0" anchor="ctr" anchorCtr="0" forceAA="0" compatLnSpc="1">
+              <a:prstTxWarp prst="textNoShape">
+                <a:avLst/>
+              </a:prstTxWarp>
+              <a:noAutofit/>
+            </a:bodyPr>
+            <a:lstStyle/>
+            <a:p>
+              <a:pPr algn="ctr"/>
+              <a:endParaRPr lang="en-US"/>
+            </a:p>
+          </p:txBody>
+        </p:sp>
+        <p:sp>
+          <p:nvSpPr>
+            <p:cNvPr id="35" name="Freeform: Shape 19">
+              <a:extLst>
+                <a:ext uri="{FF2B5EF4-FFF2-40B4-BE49-F238E27FC236}">
+                  <a16:creationId xmlns:a16="http://schemas.microsoft.com/office/drawing/2014/main" id="{F7E468C2-69B8-470B-85E3-801A3CB1D7E2}"/>
+                </a:ext>
+                <a:ext uri="{C183D7F6-B498-43B3-948B-1728B52AA6E4}">
+                  <adec:decorative xmlns:adec="http://schemas.microsoft.com/office/drawing/2017/decorative" val="1"/>
+                </a:ext>
+              </a:extLst>
+            </p:cNvPr>
+            <p:cNvSpPr>
+              <a:spLocks noChangeAspect="1"/>
+            </p:cNvSpPr>
+            <p:nvPr>
+              <p:extLst>
+                <p:ext uri="{386F3935-93C4-4BCD-93E2-E3B085C9AB24}">
+                  <p16:designElem xmlns:p16="http://schemas.microsoft.com/office/powerpoint/2015/main" val="1"/>
+                </p:ext>
+              </p:extLst>
+            </p:nvPr>
+          </p:nvSpPr>
+          <p:spPr>
+            <a:xfrm rot="2700000" flipH="1" flipV="1">
+              <a:off x="10292519" y="1686748"/>
+              <a:ext cx="926985" cy="530086"/>
+            </a:xfrm>
+            <a:custGeom>
+              <a:avLst/>
+              <a:gdLst>
+                <a:gd name="connsiteX0" fmla="*/ 1329373 w 2658746"/>
+                <a:gd name="connsiteY0" fmla="*/ 0 h 1329373"/>
+                <a:gd name="connsiteX1" fmla="*/ 2658746 w 2658746"/>
+                <a:gd name="connsiteY1" fmla="*/ 1329373 h 1329373"/>
+                <a:gd name="connsiteX2" fmla="*/ 1994059 w 2658746"/>
+                <a:gd name="connsiteY2" fmla="*/ 1329373 h 1329373"/>
+                <a:gd name="connsiteX3" fmla="*/ 1329373 w 2658746"/>
+                <a:gd name="connsiteY3" fmla="*/ 664687 h 1329373"/>
+                <a:gd name="connsiteX4" fmla="*/ 664687 w 2658746"/>
+                <a:gd name="connsiteY4" fmla="*/ 1329373 h 1329373"/>
+                <a:gd name="connsiteX5" fmla="*/ 0 w 2658746"/>
+                <a:gd name="connsiteY5" fmla="*/ 1329373 h 1329373"/>
+                <a:gd name="connsiteX6" fmla="*/ 1329373 w 2658746"/>
+                <a:gd name="connsiteY6" fmla="*/ 0 h 1329373"/>
+              </a:gdLst>
+              <a:ahLst/>
+              <a:cxnLst>
+                <a:cxn ang="0">
+                  <a:pos x="connsiteX0" y="connsiteY0"/>
+                </a:cxn>
+                <a:cxn ang="0">
+                  <a:pos x="connsiteX1" y="connsiteY1"/>
+                </a:cxn>
+                <a:cxn ang="0">
+                  <a:pos x="connsiteX2" y="connsiteY2"/>
+                </a:cxn>
+                <a:cxn ang="0">
+                  <a:pos x="connsiteX3" y="connsiteY3"/>
+                </a:cxn>
+                <a:cxn ang="0">
+                  <a:pos x="connsiteX4" y="connsiteY4"/>
+                </a:cxn>
+                <a:cxn ang="0">
+                  <a:pos x="connsiteX5" y="connsiteY5"/>
+                </a:cxn>
+                <a:cxn ang="0">
+                  <a:pos x="connsiteX6" y="connsiteY6"/>
+                </a:cxn>
+              </a:cxnLst>
+              <a:rect l="l" t="t" r="r" b="b"/>
+              <a:pathLst>
+                <a:path w="2658746" h="1329373">
+                  <a:moveTo>
+                    <a:pt x="1329373" y="0"/>
+                  </a:moveTo>
+                  <a:cubicBezTo>
+                    <a:pt x="2063565" y="0"/>
+                    <a:pt x="2658746" y="595181"/>
+                    <a:pt x="2658746" y="1329373"/>
+                  </a:cubicBezTo>
+                  <a:lnTo>
+                    <a:pt x="1994059" y="1329373"/>
+                  </a:lnTo>
+                  <a:cubicBezTo>
+                    <a:pt x="1994059" y="962277"/>
+                    <a:pt x="1696469" y="664687"/>
+                    <a:pt x="1329373" y="664687"/>
+                  </a:cubicBezTo>
+                  <a:cubicBezTo>
+                    <a:pt x="962277" y="664687"/>
+                    <a:pt x="664687" y="962277"/>
+                    <a:pt x="664687" y="1329373"/>
+                  </a:cubicBezTo>
+                  <a:lnTo>
+                    <a:pt x="0" y="1329373"/>
+                  </a:lnTo>
+                  <a:cubicBezTo>
+                    <a:pt x="0" y="595181"/>
+                    <a:pt x="595181" y="0"/>
+                    <a:pt x="1329373" y="0"/>
+                  </a:cubicBezTo>
+                  <a:close/>
+                </a:path>
+              </a:pathLst>
+            </a:custGeom>
+            <a:solidFill>
+              <a:schemeClr val="bg2">
+                <a:lumMod val="50000"/>
+                <a:lumOff val="50000"/>
+                <a:alpha val="20000"/>
+              </a:schemeClr>
+            </a:solidFill>
+            <a:ln>
+              <a:noFill/>
+            </a:ln>
+            <a:effectLst>
+              <a:softEdge rad="101600"/>
+            </a:effectLst>
+          </p:spPr>
+          <p:style>
+            <a:lnRef idx="2">
+              <a:schemeClr val="accent1">
+                <a:shade val="50000"/>
+              </a:schemeClr>
+            </a:lnRef>
+            <a:fillRef idx="1">
+              <a:schemeClr val="accent1"/>
+            </a:fillRef>
+            <a:effectRef idx="0">
+              <a:schemeClr val="accent1"/>
+            </a:effectRef>
+            <a:fontRef idx="minor">
+              <a:schemeClr val="lt1"/>
+            </a:fontRef>
+          </p:style>
+          <p:txBody>
+            <a:bodyPr rtlCol="0" anchor="ctr"/>
+            <a:lstStyle/>
+            <a:p>
+              <a:pPr algn="ctr"/>
+              <a:endParaRPr lang="en-US" dirty="0">
+                <a:solidFill>
+                  <a:schemeClr val="tx1"/>
+                </a:solidFill>
+              </a:endParaRPr>
+            </a:p>
+          </p:txBody>
+        </p:sp>
+      </p:grpSp>
+      <p:sp useBgFill="1">
+        <p:nvSpPr>
+          <p:cNvPr id="36" name="Rectangle 21">
+            <a:extLst>
+              <a:ext uri="{FF2B5EF4-FFF2-40B4-BE49-F238E27FC236}">
+                <a16:creationId xmlns:a16="http://schemas.microsoft.com/office/drawing/2014/main" id="{A5931BE0-4B93-4D6C-878E-ACC59D6B4587}"/>
+              </a:ext>
+              <a:ext uri="{C183D7F6-B498-43B3-948B-1728B52AA6E4}">
+                <adec:decorative xmlns:adec="http://schemas.microsoft.com/office/drawing/2017/decorative" val="1"/>
+              </a:ext>
+            </a:extLst>
+          </p:cNvPr>
+          <p:cNvSpPr>
+            <a:spLocks noGrp="1" noRot="1" noChangeAspect="1" noMove="1" noResize="1" noEditPoints="1" noAdjustHandles="1" noChangeArrowheads="1" noChangeShapeType="1" noTextEdit="1"/>
+          </p:cNvSpPr>
+          <p:nvPr>
+            <p:extLst>
+              <p:ext uri="{386F3935-93C4-4BCD-93E2-E3B085C9AB24}">
+                <p16:designElem xmlns:p16="http://schemas.microsoft.com/office/powerpoint/2015/main" val="1"/>
+              </p:ext>
+            </p:extLst>
+          </p:nvPr>
+        </p:nvSpPr>
+        <p:spPr>
+          <a:xfrm>
+            <a:off x="0" y="0"/>
+            <a:ext cx="12192000" cy="6858000"/>
+          </a:xfrm>
+          <a:prstGeom prst="rect">
+            <a:avLst/>
+          </a:prstGeom>
+          <a:ln w="12700" cap="flat" cmpd="sng" algn="ctr">
+            <a:noFill/>
+            <a:prstDash val="solid"/>
+            <a:miter lim="800000"/>
+          </a:ln>
+          <a:effectLst/>
+          <a:extLst>
+            <a:ext uri="{91240B29-F687-4F45-9708-019B960494DF}">
+              <a14:hiddenLine xmlns:a14="http://schemas.microsoft.com/office/drawing/2010/main" w="12700" cap="flat" cmpd="sng" algn="ctr">
+                <a:solidFill>
+                  <a:schemeClr val="accent1">
+                    <a:shade val="50000"/>
+                  </a:schemeClr>
+                </a:solidFill>
+                <a:prstDash val="solid"/>
+                <a:miter lim="800000"/>
+              </a14:hiddenLine>
+            </a:ext>
+          </a:extLst>
+        </p:spPr>
+        <p:style>
+          <a:lnRef idx="2">
+            <a:schemeClr val="accent1">
+              <a:shade val="50000"/>
+            </a:schemeClr>
+          </a:lnRef>
+          <a:fillRef idx="1">
+            <a:schemeClr val="accent1"/>
+          </a:fillRef>
+          <a:effectRef idx="0">
+            <a:schemeClr val="accent1"/>
+          </a:effectRef>
+          <a:fontRef idx="minor">
+            <a:schemeClr val="lt1"/>
+          </a:fontRef>
+        </p:style>
+        <p:txBody>
+          <a:bodyPr rtlCol="0" anchor="ctr"/>
+          <a:lstStyle/>
+          <a:p>
+            <a:pPr algn="ctr"/>
+            <a:endParaRPr lang="en-US"/>
+          </a:p>
+        </p:txBody>
+      </p:sp>
+      <p:sp>
+        <p:nvSpPr>
+          <p:cNvPr id="2" name="Title 1">
+            <a:extLst>
+              <a:ext uri="{FF2B5EF4-FFF2-40B4-BE49-F238E27FC236}">
+                <a16:creationId xmlns:a16="http://schemas.microsoft.com/office/drawing/2014/main" id="{7475A0AB-0273-FCE4-8F1B-EEABEB6AA473}"/>
+              </a:ext>
+            </a:extLst>
+          </p:cNvPr>
+          <p:cNvSpPr>
+            <a:spLocks noGrp="1"/>
+          </p:cNvSpPr>
+          <p:nvPr>
+            <p:ph type="title"/>
+          </p:nvPr>
+        </p:nvSpPr>
+        <p:spPr>
+          <a:xfrm>
+            <a:off x="5615953" y="934314"/>
+            <a:ext cx="6379210" cy="1333057"/>
+          </a:xfrm>
+        </p:spPr>
+        <p:txBody>
+          <a:bodyPr vert="horz" wrap="square" lIns="0" tIns="0" rIns="0" bIns="0" rtlCol="0" anchor="t" anchorCtr="0">
+            <a:normAutofit/>
+          </a:bodyPr>
+          <a:lstStyle/>
+          <a:p>
+            <a:pPr algn="ctr">
+              <a:lnSpc>
+                <a:spcPct val="100000"/>
+              </a:lnSpc>
+            </a:pPr>
+            <a:r>
+              <a:rPr lang="en-US" sz="4800" dirty="0"/>
+              <a:t>CSS</a:t>
+            </a:r>
+          </a:p>
+        </p:txBody>
+      </p:sp>
+      <p:pic>
+        <p:nvPicPr>
+          <p:cNvPr id="11" name="Picture Placeholder 10" descr="A picture containing text, first-aid kit, sign&#10;&#10;Description automatically generated">
+            <a:extLst>
+              <a:ext uri="{FF2B5EF4-FFF2-40B4-BE49-F238E27FC236}">
+                <a16:creationId xmlns:a16="http://schemas.microsoft.com/office/drawing/2014/main" id="{A71EA530-40C7-E7EE-D91C-96E28D06435D}"/>
+              </a:ext>
+            </a:extLst>
+          </p:cNvPr>
+          <p:cNvPicPr>
+            <a:picLocks noGrp="1" noChangeAspect="1"/>
+          </p:cNvPicPr>
+          <p:nvPr>
+            <p:ph type="pic" sz="quarter" idx="13"/>
+          </p:nvPr>
+        </p:nvPicPr>
+        <p:blipFill>
+          <a:blip r:embed="rId2"/>
+          <a:srcRect l="22000" r="22000"/>
+          <a:stretch>
+            <a:fillRect/>
+          </a:stretch>
+        </p:blipFill>
+        <p:spPr>
+          <a:xfrm>
+            <a:off x="1540646" y="1539081"/>
+            <a:ext cx="3779838" cy="3779838"/>
+          </a:xfrm>
+          <a:custGeom>
+            <a:avLst/>
+            <a:gdLst/>
+            <a:ahLst/>
+            <a:cxnLst/>
+            <a:rect l="l" t="t" r="r" b="b"/>
+            <a:pathLst>
+              <a:path w="5773738" h="3779838">
+                <a:moveTo>
+                  <a:pt x="0" y="0"/>
+                </a:moveTo>
+                <a:lnTo>
+                  <a:pt x="5773738" y="0"/>
+                </a:lnTo>
+                <a:lnTo>
+                  <a:pt x="5773738" y="3779838"/>
+                </a:lnTo>
+                <a:lnTo>
+                  <a:pt x="0" y="3779838"/>
+                </a:lnTo>
+                <a:close/>
+              </a:path>
+            </a:pathLst>
+          </a:custGeom>
+        </p:spPr>
+      </p:pic>
+      <p:grpSp>
+        <p:nvGrpSpPr>
+          <p:cNvPr id="37" name="Group 23">
+            <a:extLst>
+              <a:ext uri="{FF2B5EF4-FFF2-40B4-BE49-F238E27FC236}">
+                <a16:creationId xmlns:a16="http://schemas.microsoft.com/office/drawing/2014/main" id="{5A492954-D4E6-4FAF-94AC-292DFFFDC504}"/>
+              </a:ext>
+              <a:ext uri="{C183D7F6-B498-43B3-948B-1728B52AA6E4}">
+                <adec:decorative xmlns:adec="http://schemas.microsoft.com/office/drawing/2017/decorative" val="1"/>
+              </a:ext>
+            </a:extLst>
+          </p:cNvPr>
+          <p:cNvGrpSpPr>
+            <a:grpSpLocks noGrp="1" noUngrp="1" noRot="1" noChangeAspect="1" noMove="1" noResize="1"/>
+          </p:cNvGrpSpPr>
+          <p:nvPr>
+            <p:extLst>
+              <p:ext uri="{386F3935-93C4-4BCD-93E2-E3B085C9AB24}">
+                <p16:designElem xmlns:p16="http://schemas.microsoft.com/office/powerpoint/2015/main" val="1"/>
+              </p:ext>
+            </p:extLst>
+          </p:nvPr>
+        </p:nvGrpSpPr>
+        <p:grpSpPr>
+          <a:xfrm>
+            <a:off x="723202" y="2017837"/>
+            <a:ext cx="671610" cy="631474"/>
+            <a:chOff x="8371777" y="4172213"/>
+            <a:chExt cx="671610" cy="631474"/>
+          </a:xfrm>
+        </p:grpSpPr>
+        <p:sp>
+          <p:nvSpPr>
+            <p:cNvPr id="38" name="Freeform: Shape 24">
+              <a:extLst>
+                <a:ext uri="{FF2B5EF4-FFF2-40B4-BE49-F238E27FC236}">
+                  <a16:creationId xmlns:a16="http://schemas.microsoft.com/office/drawing/2014/main" id="{E2CFA88C-A736-419D-B7B6-6B912BB4548D}"/>
+                </a:ext>
+                <a:ext uri="{C183D7F6-B498-43B3-948B-1728B52AA6E4}">
+                  <adec:decorative xmlns:adec="http://schemas.microsoft.com/office/drawing/2017/decorative" val="1"/>
+                </a:ext>
+              </a:extLst>
+            </p:cNvPr>
+            <p:cNvSpPr>
+              <a:spLocks noChangeAspect="1"/>
+            </p:cNvSpPr>
+            <p:nvPr>
+              <p:extLst>
+                <p:ext uri="{386F3935-93C4-4BCD-93E2-E3B085C9AB24}">
+                  <p16:designElem xmlns:p16="http://schemas.microsoft.com/office/powerpoint/2015/main" val="1"/>
+                </p:ext>
+              </p:extLst>
+            </p:nvPr>
+          </p:nvSpPr>
+          <p:spPr>
+            <a:xfrm rot="18900000">
+              <a:off x="8371777" y="4172213"/>
+              <a:ext cx="540000" cy="631474"/>
+            </a:xfrm>
+            <a:custGeom>
+              <a:avLst/>
+              <a:gdLst>
+                <a:gd name="connsiteX0" fmla="*/ 540000 w 1080000"/>
+                <a:gd name="connsiteY0" fmla="*/ 0 h 1262947"/>
+                <a:gd name="connsiteX1" fmla="*/ 1080000 w 1080000"/>
+                <a:gd name="connsiteY1" fmla="*/ 931034 h 1262947"/>
+                <a:gd name="connsiteX2" fmla="*/ 1064374 w 1080000"/>
+                <a:gd name="connsiteY2" fmla="*/ 931034 h 1262947"/>
+                <a:gd name="connsiteX3" fmla="*/ 1069029 w 1080000"/>
+                <a:gd name="connsiteY3" fmla="*/ 938533 h 1262947"/>
+                <a:gd name="connsiteX4" fmla="*/ 1080000 w 1080000"/>
+                <a:gd name="connsiteY4" fmla="*/ 992947 h 1262947"/>
+                <a:gd name="connsiteX5" fmla="*/ 540000 w 1080000"/>
+                <a:gd name="connsiteY5" fmla="*/ 1262947 h 1262947"/>
+                <a:gd name="connsiteX6" fmla="*/ 0 w 1080000"/>
+                <a:gd name="connsiteY6" fmla="*/ 992947 h 1262947"/>
+                <a:gd name="connsiteX7" fmla="*/ 10971 w 1080000"/>
+                <a:gd name="connsiteY7" fmla="*/ 938533 h 1262947"/>
+                <a:gd name="connsiteX8" fmla="*/ 15626 w 1080000"/>
+                <a:gd name="connsiteY8" fmla="*/ 931034 h 1262947"/>
+                <a:gd name="connsiteX9" fmla="*/ 0 w 1080000"/>
+                <a:gd name="connsiteY9" fmla="*/ 931034 h 1262947"/>
+                <a:gd name="connsiteX0" fmla="*/ 540000 w 1080000"/>
+                <a:gd name="connsiteY0" fmla="*/ 0 h 1262947"/>
+                <a:gd name="connsiteX1" fmla="*/ 1080000 w 1080000"/>
+                <a:gd name="connsiteY1" fmla="*/ 931034 h 1262947"/>
+                <a:gd name="connsiteX2" fmla="*/ 1064374 w 1080000"/>
+                <a:gd name="connsiteY2" fmla="*/ 931034 h 1262947"/>
+                <a:gd name="connsiteX3" fmla="*/ 1069029 w 1080000"/>
+                <a:gd name="connsiteY3" fmla="*/ 938533 h 1262947"/>
+                <a:gd name="connsiteX4" fmla="*/ 1080000 w 1080000"/>
+                <a:gd name="connsiteY4" fmla="*/ 992947 h 1262947"/>
+                <a:gd name="connsiteX5" fmla="*/ 540000 w 1080000"/>
+                <a:gd name="connsiteY5" fmla="*/ 1262947 h 1262947"/>
+                <a:gd name="connsiteX6" fmla="*/ 0 w 1080000"/>
+                <a:gd name="connsiteY6" fmla="*/ 992947 h 1262947"/>
+                <a:gd name="connsiteX7" fmla="*/ 10971 w 1080000"/>
+                <a:gd name="connsiteY7" fmla="*/ 938533 h 1262947"/>
+                <a:gd name="connsiteX8" fmla="*/ 15626 w 1080000"/>
+                <a:gd name="connsiteY8" fmla="*/ 931034 h 1262947"/>
+                <a:gd name="connsiteX9" fmla="*/ 540000 w 1080000"/>
+                <a:gd name="connsiteY9" fmla="*/ 0 h 1262947"/>
+                <a:gd name="connsiteX0" fmla="*/ 540000 w 1080000"/>
+                <a:gd name="connsiteY0" fmla="*/ 0 h 1262947"/>
+                <a:gd name="connsiteX1" fmla="*/ 1064374 w 1080000"/>
+                <a:gd name="connsiteY1" fmla="*/ 931034 h 1262947"/>
+                <a:gd name="connsiteX2" fmla="*/ 1069029 w 1080000"/>
+                <a:gd name="connsiteY2" fmla="*/ 938533 h 1262947"/>
+                <a:gd name="connsiteX3" fmla="*/ 1080000 w 1080000"/>
+                <a:gd name="connsiteY3" fmla="*/ 992947 h 1262947"/>
+                <a:gd name="connsiteX4" fmla="*/ 540000 w 1080000"/>
+                <a:gd name="connsiteY4" fmla="*/ 1262947 h 1262947"/>
+                <a:gd name="connsiteX5" fmla="*/ 0 w 1080000"/>
+                <a:gd name="connsiteY5" fmla="*/ 992947 h 1262947"/>
+                <a:gd name="connsiteX6" fmla="*/ 10971 w 1080000"/>
+                <a:gd name="connsiteY6" fmla="*/ 938533 h 1262947"/>
+                <a:gd name="connsiteX7" fmla="*/ 15626 w 1080000"/>
+                <a:gd name="connsiteY7" fmla="*/ 931034 h 1262947"/>
+                <a:gd name="connsiteX8" fmla="*/ 540000 w 1080000"/>
+                <a:gd name="connsiteY8" fmla="*/ 0 h 1262947"/>
+              </a:gdLst>
+              <a:ahLst/>
+              <a:cxnLst>
+                <a:cxn ang="0">
+                  <a:pos x="connsiteX0" y="connsiteY0"/>
+                </a:cxn>
+                <a:cxn ang="0">
+                  <a:pos x="connsiteX1" y="connsiteY1"/>
+                </a:cxn>
+                <a:cxn ang="0">
+                  <a:pos x="connsiteX2" y="connsiteY2"/>
+                </a:cxn>
+                <a:cxn ang="0">
+                  <a:pos x="connsiteX3" y="connsiteY3"/>
+                </a:cxn>
+                <a:cxn ang="0">
+                  <a:pos x="connsiteX4" y="connsiteY4"/>
+                </a:cxn>
+                <a:cxn ang="0">
+                  <a:pos x="connsiteX5" y="connsiteY5"/>
+                </a:cxn>
+                <a:cxn ang="0">
+                  <a:pos x="connsiteX6" y="connsiteY6"/>
+                </a:cxn>
+                <a:cxn ang="0">
+                  <a:pos x="connsiteX7" y="connsiteY7"/>
+                </a:cxn>
+                <a:cxn ang="0">
+                  <a:pos x="connsiteX8" y="connsiteY8"/>
+                </a:cxn>
+              </a:cxnLst>
+              <a:rect l="l" t="t" r="r" b="b"/>
+              <a:pathLst>
+                <a:path w="1080000" h="1262947">
+                  <a:moveTo>
+                    <a:pt x="540000" y="0"/>
+                  </a:moveTo>
+                  <a:lnTo>
+                    <a:pt x="1064374" y="931034"/>
+                  </a:lnTo>
+                  <a:lnTo>
+                    <a:pt x="1069029" y="938533"/>
+                  </a:lnTo>
+                  <a:cubicBezTo>
+                    <a:pt x="1076223" y="956109"/>
+                    <a:pt x="1080000" y="974307"/>
+                    <a:pt x="1080000" y="992947"/>
+                  </a:cubicBezTo>
+                  <a:cubicBezTo>
+                    <a:pt x="1080000" y="1142064"/>
+                    <a:pt x="838234" y="1262947"/>
+                    <a:pt x="540000" y="1262947"/>
+                  </a:cubicBezTo>
+                  <a:cubicBezTo>
+                    <a:pt x="241766" y="1262947"/>
+                    <a:pt x="0" y="1142064"/>
+                    <a:pt x="0" y="992947"/>
+                  </a:cubicBezTo>
+                  <a:cubicBezTo>
+                    <a:pt x="0" y="974307"/>
+                    <a:pt x="3778" y="956109"/>
+                    <a:pt x="10971" y="938533"/>
+                  </a:cubicBezTo>
+                  <a:lnTo>
+                    <a:pt x="15626" y="931034"/>
+                  </a:lnTo>
+                  <a:lnTo>
+                    <a:pt x="540000" y="0"/>
+                  </a:lnTo>
+                  <a:close/>
+                </a:path>
+              </a:pathLst>
+            </a:custGeom>
+            <a:gradFill>
+              <a:gsLst>
+                <a:gs pos="60000">
+                  <a:schemeClr val="bg2"/>
+                </a:gs>
+                <a:gs pos="30000">
+                  <a:schemeClr val="bg2"/>
+                </a:gs>
+                <a:gs pos="40000">
+                  <a:schemeClr val="bg2">
+                    <a:lumMod val="90000"/>
+                    <a:lumOff val="10000"/>
+                  </a:schemeClr>
+                </a:gs>
+                <a:gs pos="100000">
+                  <a:schemeClr val="bg2"/>
+                </a:gs>
+              </a:gsLst>
+              <a:lin ang="10200000" scaled="0"/>
+            </a:gradFill>
+            <a:ln>
+              <a:noFill/>
+            </a:ln>
+            <a:effectLst>
+              <a:innerShdw blurRad="127000" dist="50800" dir="4200000">
+                <a:schemeClr val="accent1">
+                  <a:lumMod val="60000"/>
+                  <a:lumOff val="40000"/>
+                  <a:alpha val="60000"/>
+                </a:schemeClr>
+              </a:innerShdw>
+            </a:effectLst>
+          </p:spPr>
+          <p:style>
+            <a:lnRef idx="2">
+              <a:schemeClr val="accent1">
+                <a:shade val="50000"/>
+              </a:schemeClr>
+            </a:lnRef>
+            <a:fillRef idx="1">
+              <a:schemeClr val="accent1"/>
+            </a:fillRef>
+            <a:effectRef idx="0">
+              <a:schemeClr val="accent1"/>
+            </a:effectRef>
+            <a:fontRef idx="minor">
+              <a:schemeClr val="lt1"/>
+            </a:fontRef>
+          </p:style>
+          <p:txBody>
+            <a:bodyPr rot="0" spcFirstLastPara="0" vertOverflow="overflow" horzOverflow="overflow" vert="horz" wrap="square" lIns="91440" tIns="45720" rIns="91440" bIns="45720" numCol="1" spcCol="0" rtlCol="0" fromWordArt="0" anchor="ctr" anchorCtr="0" forceAA="0" compatLnSpc="1">
+              <a:prstTxWarp prst="textNoShape">
+                <a:avLst/>
+              </a:prstTxWarp>
+              <a:noAutofit/>
+            </a:bodyPr>
+            <a:lstStyle/>
+            <a:p>
+              <a:pPr algn="ctr"/>
+              <a:endParaRPr lang="en-US"/>
+            </a:p>
+          </p:txBody>
+        </p:sp>
+        <p:sp>
+          <p:nvSpPr>
+            <p:cNvPr id="39" name="Oval 25">
+              <a:extLst>
+                <a:ext uri="{FF2B5EF4-FFF2-40B4-BE49-F238E27FC236}">
+                  <a16:creationId xmlns:a16="http://schemas.microsoft.com/office/drawing/2014/main" id="{55E877B2-A66B-45DC-892C-B19FB817186B}"/>
+                </a:ext>
+                <a:ext uri="{C183D7F6-B498-43B3-948B-1728B52AA6E4}">
+                  <adec:decorative xmlns:adec="http://schemas.microsoft.com/office/drawing/2017/decorative" val="1"/>
+                </a:ext>
+              </a:extLst>
+            </p:cNvPr>
+            <p:cNvSpPr/>
+            <p:nvPr>
+              <p:extLst>
+                <p:ext uri="{386F3935-93C4-4BCD-93E2-E3B085C9AB24}">
+                  <p16:designElem xmlns:p16="http://schemas.microsoft.com/office/powerpoint/2015/main" val="1"/>
+                </p:ext>
+              </p:extLst>
+            </p:nvPr>
+          </p:nvSpPr>
+          <p:spPr>
+            <a:xfrm rot="2700000">
+              <a:off x="8638387" y="4349560"/>
+              <a:ext cx="270000" cy="540000"/>
+            </a:xfrm>
+            <a:prstGeom prst="ellipse">
+              <a:avLst/>
+            </a:prstGeom>
+            <a:gradFill>
+              <a:gsLst>
+                <a:gs pos="100000">
+                  <a:schemeClr val="bg2"/>
+                </a:gs>
+                <a:gs pos="0">
+                  <a:schemeClr val="bg2">
+                    <a:lumMod val="75000"/>
+                    <a:lumOff val="25000"/>
+                  </a:schemeClr>
+                </a:gs>
+              </a:gsLst>
+              <a:lin ang="16200000" scaled="0"/>
+            </a:gradFill>
+            <a:ln>
+              <a:noFill/>
+            </a:ln>
+            <a:effectLst>
+              <a:innerShdw blurRad="1270000" dist="2540000">
+                <a:schemeClr val="bg2">
+                  <a:alpha val="80000"/>
+                </a:schemeClr>
+              </a:innerShdw>
+            </a:effectLst>
+          </p:spPr>
+          <p:style>
+            <a:lnRef idx="2">
+              <a:schemeClr val="accent1">
+                <a:shade val="50000"/>
+              </a:schemeClr>
+            </a:lnRef>
+            <a:fillRef idx="1">
+              <a:schemeClr val="accent1"/>
+            </a:fillRef>
+            <a:effectRef idx="0">
+              <a:schemeClr val="accent1"/>
+            </a:effectRef>
+            <a:fontRef idx="minor">
+              <a:schemeClr val="lt1"/>
+            </a:fontRef>
+          </p:style>
+          <p:txBody>
+            <a:bodyPr rot="0" spcFirstLastPara="0" vertOverflow="overflow" horzOverflow="overflow" vert="horz" wrap="square" lIns="91440" tIns="45720" rIns="91440" bIns="45720" numCol="1" spcCol="0" rtlCol="0" fromWordArt="0" anchor="ctr" anchorCtr="0" forceAA="0" compatLnSpc="1">
+              <a:prstTxWarp prst="textNoShape">
+                <a:avLst/>
+              </a:prstTxWarp>
+              <a:noAutofit/>
+            </a:bodyPr>
+            <a:lstStyle/>
+            <a:p>
+              <a:pPr algn="ctr"/>
+              <a:endParaRPr lang="en-US" dirty="0"/>
+            </a:p>
+          </p:txBody>
+        </p:sp>
+      </p:grpSp>
+      <p:sp>
+        <p:nvSpPr>
+          <p:cNvPr id="3" name="Content Placeholder 2">
+            <a:extLst>
+              <a:ext uri="{FF2B5EF4-FFF2-40B4-BE49-F238E27FC236}">
+                <a16:creationId xmlns:a16="http://schemas.microsoft.com/office/drawing/2014/main" id="{3EDF2134-3314-7263-831F-D527F92F0C66}"/>
+              </a:ext>
+            </a:extLst>
+          </p:cNvPr>
+          <p:cNvSpPr>
+            <a:spLocks noGrp="1"/>
+          </p:cNvSpPr>
+          <p:nvPr>
+            <p:ph sz="quarter" idx="15"/>
+          </p:nvPr>
+        </p:nvSpPr>
+        <p:spPr>
+          <a:xfrm>
+            <a:off x="6096000" y="2178805"/>
+            <a:ext cx="5800531" cy="2808288"/>
+          </a:xfrm>
+        </p:spPr>
+        <p:txBody>
+          <a:bodyPr vert="horz" wrap="square" lIns="0" tIns="0" rIns="0" bIns="0" rtlCol="0" anchor="t">
+            <a:noAutofit/>
+          </a:bodyPr>
+          <a:lstStyle/>
+          <a:p>
+            <a:pPr>
+              <a:lnSpc>
+                <a:spcPct val="100000"/>
+              </a:lnSpc>
+              <a:buFont typeface="Arial" panose="020B0604020202020204" pitchFamily="34" charset="0"/>
+              <a:buChar char="•"/>
+            </a:pPr>
+            <a:r>
+              <a:rPr lang="en-US" sz="1600" b="1" i="0" dirty="0">
+                <a:effectLst/>
+              </a:rPr>
+              <a:t>Cascading Style Sheets</a:t>
+            </a:r>
+            <a:r>
+              <a:rPr lang="en-US" sz="1600" b="0" i="0" dirty="0">
+                <a:effectLst/>
+              </a:rPr>
+              <a:t> (</a:t>
+            </a:r>
+            <a:r>
+              <a:rPr lang="en-US" sz="1600" b="1" i="0" dirty="0">
+                <a:effectLst/>
+              </a:rPr>
+              <a:t>CSS</a:t>
+            </a:r>
+            <a:r>
+              <a:rPr lang="en-US" sz="1600" b="0" i="0" dirty="0">
+                <a:effectLst/>
+              </a:rPr>
+              <a:t>) is a </a:t>
+            </a:r>
+            <a:r>
+              <a:rPr lang="en-US" sz="1600" b="0" i="0" u="sng" dirty="0">
+                <a:effectLst/>
+                <a:hlinkClick r:id="rId3">
+                  <a:extLst>
+                    <a:ext uri="{A12FA001-AC4F-418D-AE19-62706E023703}">
+                      <ahyp:hlinkClr xmlns:ahyp="http://schemas.microsoft.com/office/drawing/2018/hyperlinkcolor" val="tx"/>
+                    </a:ext>
+                  </a:extLst>
+                </a:hlinkClick>
+              </a:rPr>
+              <a:t>stylesheet</a:t>
+            </a:r>
+            <a:r>
+              <a:rPr lang="en-US" sz="1600" b="0" i="0" dirty="0">
+                <a:effectLst/>
+              </a:rPr>
+              <a:t> language used to describe the presentation of a document written in </a:t>
+            </a:r>
+            <a:r>
+              <a:rPr lang="en-US" sz="1600" b="0" i="0" u="sng" dirty="0">
+                <a:effectLst/>
+                <a:hlinkClick r:id="rId4">
+                  <a:extLst>
+                    <a:ext uri="{A12FA001-AC4F-418D-AE19-62706E023703}">
+                      <ahyp:hlinkClr xmlns:ahyp="http://schemas.microsoft.com/office/drawing/2018/hyperlinkcolor" val="tx"/>
+                    </a:ext>
+                  </a:extLst>
+                </a:hlinkClick>
+              </a:rPr>
+              <a:t>HTML</a:t>
+            </a:r>
+            <a:r>
+              <a:rPr lang="en-US" sz="1600" b="0" i="0" dirty="0">
+                <a:effectLst/>
+              </a:rPr>
+              <a:t> or </a:t>
+            </a:r>
+            <a:r>
+              <a:rPr lang="en-US" sz="1600" b="0" i="0" u="sng" dirty="0">
+                <a:effectLst/>
+                <a:hlinkClick r:id="rId5">
+                  <a:extLst>
+                    <a:ext uri="{A12FA001-AC4F-418D-AE19-62706E023703}">
+                      <ahyp:hlinkClr xmlns:ahyp="http://schemas.microsoft.com/office/drawing/2018/hyperlinkcolor" val="tx"/>
+                    </a:ext>
+                  </a:extLst>
+                </a:hlinkClick>
+              </a:rPr>
+              <a:t>XML</a:t>
+            </a:r>
+            <a:r>
+              <a:rPr lang="en-US" sz="1600" b="0" i="0" dirty="0">
+                <a:effectLst/>
+              </a:rPr>
+              <a:t> (including XML dialects such as </a:t>
+            </a:r>
+            <a:r>
+              <a:rPr lang="en-US" sz="1600" b="0" i="0" u="sng" dirty="0">
+                <a:effectLst/>
+                <a:hlinkClick r:id="rId6">
+                  <a:extLst>
+                    <a:ext uri="{A12FA001-AC4F-418D-AE19-62706E023703}">
+                      <ahyp:hlinkClr xmlns:ahyp="http://schemas.microsoft.com/office/drawing/2018/hyperlinkcolor" val="tx"/>
+                    </a:ext>
+                  </a:extLst>
+                </a:hlinkClick>
+              </a:rPr>
+              <a:t>SVG</a:t>
+            </a:r>
+            <a:r>
+              <a:rPr lang="en-US" sz="1600" b="0" i="0" dirty="0">
+                <a:effectLst/>
+              </a:rPr>
+              <a:t>, </a:t>
+            </a:r>
+            <a:r>
+              <a:rPr lang="en-US" sz="1600" b="0" i="0" u="sng" dirty="0">
+                <a:effectLst/>
+                <a:hlinkClick r:id="rId7">
+                  <a:extLst>
+                    <a:ext uri="{A12FA001-AC4F-418D-AE19-62706E023703}">
+                      <ahyp:hlinkClr xmlns:ahyp="http://schemas.microsoft.com/office/drawing/2018/hyperlinkcolor" val="tx"/>
+                    </a:ext>
+                  </a:extLst>
+                </a:hlinkClick>
+              </a:rPr>
+              <a:t>MathML</a:t>
+            </a:r>
+            <a:r>
+              <a:rPr lang="en-US" sz="1600" b="0" i="0" dirty="0">
+                <a:effectLst/>
+              </a:rPr>
+              <a:t> or </a:t>
+            </a:r>
+            <a:r>
+              <a:rPr lang="en-US" sz="1600" b="0" i="0" u="sng" dirty="0">
+                <a:effectLst/>
+                <a:hlinkClick r:id="rId8">
+                  <a:extLst>
+                    <a:ext uri="{A12FA001-AC4F-418D-AE19-62706E023703}">
+                      <ahyp:hlinkClr xmlns:ahyp="http://schemas.microsoft.com/office/drawing/2018/hyperlinkcolor" val="tx"/>
+                    </a:ext>
+                  </a:extLst>
+                </a:hlinkClick>
+              </a:rPr>
+              <a:t>XHTML</a:t>
+            </a:r>
+            <a:r>
+              <a:rPr lang="en-US" sz="1600" b="0" i="0" dirty="0">
+                <a:effectLst/>
+              </a:rPr>
+              <a:t>). CSS describes how elements should be rendered on screen, on paper, in speech, or on other media.</a:t>
+            </a:r>
+          </a:p>
+          <a:p>
+            <a:pPr>
+              <a:lnSpc>
+                <a:spcPct val="100000"/>
+              </a:lnSpc>
+              <a:buFont typeface="Arial" panose="020B0604020202020204" pitchFamily="34" charset="0"/>
+              <a:buChar char="•"/>
+            </a:pPr>
+            <a:r>
+              <a:rPr lang="en-US" sz="1600" b="0" i="0" dirty="0">
+                <a:effectLst/>
+              </a:rPr>
+              <a:t>CSS is among the core languages of the </a:t>
+            </a:r>
+            <a:r>
+              <a:rPr lang="en-US" sz="1600" b="1" i="0" dirty="0">
+                <a:effectLst/>
+              </a:rPr>
+              <a:t>open web</a:t>
+            </a:r>
+            <a:r>
+              <a:rPr lang="en-US" sz="1600" b="0" i="0" dirty="0">
+                <a:effectLst/>
+              </a:rPr>
+              <a:t> and is standardized across Web browsers according to </a:t>
+            </a:r>
+            <a:r>
+              <a:rPr lang="en-US" sz="1600" b="0" i="0" u="sng" dirty="0">
+                <a:effectLst/>
+                <a:hlinkClick r:id="rId9">
+                  <a:extLst>
+                    <a:ext uri="{A12FA001-AC4F-418D-AE19-62706E023703}">
+                      <ahyp:hlinkClr xmlns:ahyp="http://schemas.microsoft.com/office/drawing/2018/hyperlinkcolor" val="tx"/>
+                    </a:ext>
+                  </a:extLst>
+                </a:hlinkClick>
+              </a:rPr>
+              <a:t>W3C specifications</a:t>
+            </a:r>
+            <a:r>
+              <a:rPr lang="en-US" sz="1600" b="0" i="0" dirty="0">
+                <a:effectLst/>
+              </a:rPr>
+              <a:t>. Previously, development of various parts of CSS specification was done synchronously, which allowed versioning of the latest recommendations. You might have heard about CSS1, CSS2.1, CSS3. However, CSS4 has never become an official version.</a:t>
+            </a:r>
+          </a:p>
+          <a:p>
+            <a:pPr>
+              <a:lnSpc>
+                <a:spcPct val="100000"/>
+              </a:lnSpc>
+              <a:buFont typeface="Arial" panose="020B0604020202020204" pitchFamily="34" charset="0"/>
+              <a:buChar char="•"/>
+            </a:pPr>
+            <a:endParaRPr lang="en-US" sz="1600" dirty="0"/>
+          </a:p>
+        </p:txBody>
+      </p:sp>
+      <p:sp>
+        <p:nvSpPr>
+          <p:cNvPr id="28" name="Freeform: Shape 27">
+            <a:extLst>
+              <a:ext uri="{FF2B5EF4-FFF2-40B4-BE49-F238E27FC236}">
+                <a16:creationId xmlns:a16="http://schemas.microsoft.com/office/drawing/2014/main" id="{20373973-4586-48A3-ADF2-95A571530B4D}"/>
+              </a:ext>
+              <a:ext uri="{C183D7F6-B498-43B3-948B-1728B52AA6E4}">
+                <adec:decorative xmlns:adec="http://schemas.microsoft.com/office/drawing/2017/decorative" val="1"/>
+              </a:ext>
+            </a:extLst>
+          </p:cNvPr>
+          <p:cNvSpPr>
+            <a:spLocks noGrp="1" noRot="1" noChangeAspect="1" noMove="1" noResize="1" noEditPoints="1" noAdjustHandles="1" noChangeArrowheads="1" noChangeShapeType="1" noTextEdit="1"/>
+          </p:cNvSpPr>
+          <p:nvPr>
+            <p:extLst>
+              <p:ext uri="{386F3935-93C4-4BCD-93E2-E3B085C9AB24}">
+                <p16:designElem xmlns:p16="http://schemas.microsoft.com/office/powerpoint/2015/main" val="1"/>
+              </p:ext>
+            </p:extLst>
+          </p:nvPr>
+        </p:nvSpPr>
+        <p:spPr>
+          <a:xfrm>
+            <a:off x="8857376" y="5520977"/>
+            <a:ext cx="1972470" cy="1337023"/>
+          </a:xfrm>
+          <a:custGeom>
+            <a:avLst/>
+            <a:gdLst>
+              <a:gd name="connsiteX0" fmla="*/ 986235 w 1972470"/>
+              <a:gd name="connsiteY0" fmla="*/ 0 h 1337023"/>
+              <a:gd name="connsiteX1" fmla="*/ 1972470 w 1972470"/>
+              <a:gd name="connsiteY1" fmla="*/ 986235 h 1337023"/>
+              <a:gd name="connsiteX2" fmla="*/ 1928131 w 1972470"/>
+              <a:gd name="connsiteY2" fmla="*/ 1279512 h 1337023"/>
+              <a:gd name="connsiteX3" fmla="*/ 1907081 w 1972470"/>
+              <a:gd name="connsiteY3" fmla="*/ 1337023 h 1337023"/>
+              <a:gd name="connsiteX4" fmla="*/ 65389 w 1972470"/>
+              <a:gd name="connsiteY4" fmla="*/ 1337023 h 1337023"/>
+              <a:gd name="connsiteX5" fmla="*/ 44339 w 1972470"/>
+              <a:gd name="connsiteY5" fmla="*/ 1279512 h 1337023"/>
+              <a:gd name="connsiteX6" fmla="*/ 0 w 1972470"/>
+              <a:gd name="connsiteY6" fmla="*/ 986235 h 1337023"/>
+              <a:gd name="connsiteX7" fmla="*/ 986235 w 1972470"/>
+              <a:gd name="connsiteY7" fmla="*/ 0 h 1337023"/>
+            </a:gdLst>
+            <a:ahLst/>
+            <a:cxnLst>
+              <a:cxn ang="0">
+                <a:pos x="connsiteX0" y="connsiteY0"/>
+              </a:cxn>
+              <a:cxn ang="0">
+                <a:pos x="connsiteX1" y="connsiteY1"/>
+              </a:cxn>
+              <a:cxn ang="0">
+                <a:pos x="connsiteX2" y="connsiteY2"/>
+              </a:cxn>
+              <a:cxn ang="0">
+                <a:pos x="connsiteX3" y="connsiteY3"/>
+              </a:cxn>
+              <a:cxn ang="0">
+                <a:pos x="connsiteX4" y="connsiteY4"/>
+              </a:cxn>
+              <a:cxn ang="0">
+                <a:pos x="connsiteX5" y="connsiteY5"/>
+              </a:cxn>
+              <a:cxn ang="0">
+                <a:pos x="connsiteX6" y="connsiteY6"/>
+              </a:cxn>
+              <a:cxn ang="0">
+                <a:pos x="connsiteX7" y="connsiteY7"/>
+              </a:cxn>
+            </a:cxnLst>
+            <a:rect l="l" t="t" r="r" b="b"/>
+            <a:pathLst>
+              <a:path w="1972470" h="1337023">
+                <a:moveTo>
+                  <a:pt x="986235" y="0"/>
+                </a:moveTo>
+                <a:cubicBezTo>
+                  <a:pt x="1530918" y="0"/>
+                  <a:pt x="1972470" y="441552"/>
+                  <a:pt x="1972470" y="986235"/>
+                </a:cubicBezTo>
+                <a:cubicBezTo>
+                  <a:pt x="1972470" y="1088363"/>
+                  <a:pt x="1956947" y="1186866"/>
+                  <a:pt x="1928131" y="1279512"/>
+                </a:cubicBezTo>
+                <a:lnTo>
+                  <a:pt x="1907081" y="1337023"/>
+                </a:lnTo>
+                <a:lnTo>
+                  <a:pt x="65389" y="1337023"/>
+                </a:lnTo>
+                <a:lnTo>
+                  <a:pt x="44339" y="1279512"/>
+                </a:lnTo>
+                <a:cubicBezTo>
+                  <a:pt x="15523" y="1186866"/>
+                  <a:pt x="0" y="1088363"/>
+                  <a:pt x="0" y="986235"/>
+                </a:cubicBezTo>
+                <a:cubicBezTo>
+                  <a:pt x="0" y="441552"/>
+                  <a:pt x="441552" y="0"/>
+                  <a:pt x="986235" y="0"/>
+                </a:cubicBezTo>
+                <a:close/>
+              </a:path>
+            </a:pathLst>
+          </a:custGeom>
+          <a:gradFill flip="none" rotWithShape="1">
+            <a:gsLst>
+              <a:gs pos="100000">
+                <a:schemeClr val="bg2">
+                  <a:lumMod val="75000"/>
+                  <a:lumOff val="25000"/>
+                </a:schemeClr>
+              </a:gs>
+              <a:gs pos="71000">
+                <a:schemeClr val="bg2">
+                  <a:lumMod val="100000"/>
+                </a:schemeClr>
+              </a:gs>
+            </a:gsLst>
+            <a:path path="circle">
+              <a:fillToRect l="100000" b="100000"/>
+            </a:path>
+            <a:tileRect t="-100000" r="-100000"/>
+          </a:gradFill>
+          <a:ln>
+            <a:noFill/>
+          </a:ln>
+          <a:effectLst>
+            <a:innerShdw blurRad="381000" dist="177800" dir="18960000">
+              <a:schemeClr val="accent1">
+                <a:lumMod val="60000"/>
+                <a:lumOff val="40000"/>
+                <a:alpha val="40000"/>
+              </a:schemeClr>
+            </a:innerShdw>
+            <a:softEdge rad="0"/>
+          </a:effectLst>
+        </p:spPr>
+        <p:style>
+          <a:lnRef idx="2">
+            <a:schemeClr val="accent1">
+              <a:shade val="50000"/>
+            </a:schemeClr>
+          </a:lnRef>
+          <a:fillRef idx="1">
+            <a:schemeClr val="accent1"/>
+          </a:fillRef>
+          <a:effectRef idx="0">
+            <a:schemeClr val="accent1"/>
+          </a:effectRef>
+          <a:fontRef idx="minor">
+            <a:schemeClr val="lt1"/>
+          </a:fontRef>
+        </p:style>
+        <p:txBody>
+          <a:bodyPr rot="0" spcFirstLastPara="0" vertOverflow="overflow" horzOverflow="overflow" vert="horz" wrap="square" lIns="91440" tIns="45720" rIns="91440" bIns="45720" numCol="1" spcCol="0" rtlCol="0" fromWordArt="0" anchor="ctr" anchorCtr="0" forceAA="0" compatLnSpc="1">
+            <a:prstTxWarp prst="textNoShape">
+              <a:avLst/>
+            </a:prstTxWarp>
+            <a:noAutofit/>
+          </a:bodyPr>
+          <a:lstStyle/>
+          <a:p>
+            <a:pPr algn="ctr"/>
+            <a:endParaRPr lang="en-US" dirty="0"/>
+          </a:p>
+        </p:txBody>
+      </p:sp>
+      <p:sp>
+        <p:nvSpPr>
+          <p:cNvPr id="7" name="Slide Number Placeholder 6">
+            <a:extLst>
+              <a:ext uri="{FF2B5EF4-FFF2-40B4-BE49-F238E27FC236}">
+                <a16:creationId xmlns:a16="http://schemas.microsoft.com/office/drawing/2014/main" id="{14E50616-8950-B9D8-C280-0144A2797B92}"/>
+              </a:ext>
+            </a:extLst>
+          </p:cNvPr>
+          <p:cNvSpPr>
+            <a:spLocks noGrp="1"/>
+          </p:cNvSpPr>
+          <p:nvPr>
+            <p:ph type="sldNum" sz="quarter" idx="12"/>
+          </p:nvPr>
+        </p:nvSpPr>
+        <p:spPr>
+          <a:xfrm>
+            <a:off x="9948863" y="6507212"/>
+            <a:ext cx="1692274" cy="153888"/>
+          </a:xfrm>
+        </p:spPr>
+        <p:txBody>
+          <a:bodyPr vert="horz" wrap="square" lIns="0" tIns="0" rIns="0" bIns="0" rtlCol="0" anchor="ctr">
+            <a:normAutofit/>
+          </a:bodyPr>
+          <a:lstStyle/>
+          <a:p>
+            <a:pPr>
+              <a:spcAft>
+                <a:spcPts val="600"/>
+              </a:spcAft>
+            </a:pPr>
+            <a:fld id="{DBA1B0FB-D917-4C8C-928F-313BD683BF39}" type="slidenum">
+              <a:rPr lang="en-US" smtClean="0">
+                <a:solidFill>
+                  <a:schemeClr val="tx1">
+                    <a:alpha val="80000"/>
+                  </a:schemeClr>
+                </a:solidFill>
+              </a:rPr>
+              <a:pPr>
+                <a:spcAft>
+                  <a:spcPts val="600"/>
+                </a:spcAft>
+              </a:pPr>
+              <a:t>5</a:t>
+            </a:fld>
+            <a:endParaRPr lang="en-US">
+              <a:solidFill>
+                <a:schemeClr val="tx1">
+                  <a:alpha val="80000"/>
+                </a:schemeClr>
+              </a:solidFill>
+            </a:endParaRPr>
+          </a:p>
+        </p:txBody>
+      </p:sp>
+    </p:spTree>
+    <p:extLst>
+      <p:ext uri="{BB962C8B-B14F-4D97-AF65-F5344CB8AC3E}">
+        <p14:creationId xmlns:p14="http://schemas.microsoft.com/office/powerpoint/2010/main" val="2077738889"/>
+      </p:ext>
+    </p:extLst>
+  </p:cSld>
+  <p:clrMapOvr>
+    <a:masterClrMapping/>
+  </p:clrMapOvr>
+</p:sld>
+</file>
+
+<file path=ppt/slides/slide6.xml><?xml version="1.0" encoding="utf-8"?>
 <p:sld xmlns:a="http://schemas.openxmlformats.org/drawingml/2006/main" xmlns:r="http://schemas.openxmlformats.org/officeDocument/2006/relationships" xmlns:p="http://schemas.openxmlformats.org/presentationml/2006/main">
   <p:cSld>
     <p:bg>
@@ -13690,7 +15314,7 @@
       </p:grpSpPr>
       <p:sp>
         <p:nvSpPr>
-          <p:cNvPr id="34" name="Freeform: Shape 33">
+          <p:cNvPr id="36" name="Freeform: Shape 35">
             <a:extLst>
               <a:ext uri="{FF2B5EF4-FFF2-40B4-BE49-F238E27FC236}">
                 <a16:creationId xmlns:a16="http://schemas.microsoft.com/office/drawing/2014/main" id="{82184FF4-7029-4ED7-813A-192E60608764}"/>
@@ -13834,7 +15458,7 @@
       </p:sp>
       <p:sp>
         <p:nvSpPr>
-          <p:cNvPr id="36" name="Oval 35">
+          <p:cNvPr id="38" name="Oval 37">
             <a:extLst>
               <a:ext uri="{FF2B5EF4-FFF2-40B4-BE49-F238E27FC236}">
                 <a16:creationId xmlns:a16="http://schemas.microsoft.com/office/drawing/2014/main" id="{AAA7AB09-557C-41AD-9113-FF9F68FA1035}"/>
@@ -13925,7 +15549,7 @@
       </p:sp>
       <p:sp>
         <p:nvSpPr>
-          <p:cNvPr id="38" name="Oval 37">
+          <p:cNvPr id="40" name="Oval 39">
             <a:extLst>
               <a:ext uri="{FF2B5EF4-FFF2-40B4-BE49-F238E27FC236}">
                 <a16:creationId xmlns:a16="http://schemas.microsoft.com/office/drawing/2014/main" id="{EF99ECAA-1F11-4937-BBA6-51935AB44C9D}"/>
@@ -14017,7 +15641,7 @@
       </p:sp>
       <p:grpSp>
         <p:nvGrpSpPr>
-          <p:cNvPr id="40" name="Group 39">
+          <p:cNvPr id="42" name="Group 41">
             <a:extLst>
               <a:ext uri="{FF2B5EF4-FFF2-40B4-BE49-F238E27FC236}">
                 <a16:creationId xmlns:a16="http://schemas.microsoft.com/office/drawing/2014/main" id="{79DE9FAB-6BBA-4CFE-B67D-77B47F01ECA4}"/>
@@ -14048,7 +15672,7 @@
         </p:grpSpPr>
         <p:sp>
           <p:nvSpPr>
-            <p:cNvPr id="41" name="Freeform: Shape 40">
+            <p:cNvPr id="43" name="Freeform: Shape 42">
               <a:extLst>
                 <a:ext uri="{FF2B5EF4-FFF2-40B4-BE49-F238E27FC236}">
                   <a16:creationId xmlns:a16="http://schemas.microsoft.com/office/drawing/2014/main" id="{79FAC916-D9BB-4794-81B4-7C47C67E850D}"/>
@@ -14195,7 +15819,7 @@
         </p:sp>
         <p:sp>
           <p:nvSpPr>
-            <p:cNvPr id="42" name="Freeform: Shape 41">
+            <p:cNvPr id="44" name="Freeform: Shape 43">
               <a:extLst>
                 <a:ext uri="{FF2B5EF4-FFF2-40B4-BE49-F238E27FC236}">
                   <a16:creationId xmlns:a16="http://schemas.microsoft.com/office/drawing/2014/main" id="{B5CA2231-7A65-4D16-8400-A210CC41DB73}"/>
@@ -14344,7 +15968,7 @@
         </p:sp>
         <p:sp>
           <p:nvSpPr>
-            <p:cNvPr id="43" name="Oval 42">
+            <p:cNvPr id="45" name="Oval 44">
               <a:extLst>
                 <a:ext uri="{FF2B5EF4-FFF2-40B4-BE49-F238E27FC236}">
                   <a16:creationId xmlns:a16="http://schemas.microsoft.com/office/drawing/2014/main" id="{4B089C8C-B82B-4704-88E2-E857A5E21529}"/>
@@ -14422,7 +16046,7 @@
         </p:sp>
         <p:sp>
           <p:nvSpPr>
-            <p:cNvPr id="44" name="Oval 43">
+            <p:cNvPr id="46" name="Oval 45">
               <a:extLst>
                 <a:ext uri="{FF2B5EF4-FFF2-40B4-BE49-F238E27FC236}">
                   <a16:creationId xmlns:a16="http://schemas.microsoft.com/office/drawing/2014/main" id="{434B90C8-5B4D-456E-AD99-80EF748FDD72}"/>
@@ -14501,7 +16125,7 @@
       </p:grpSp>
       <p:sp useBgFill="1">
         <p:nvSpPr>
-          <p:cNvPr id="46" name="Rectangle 45">
+          <p:cNvPr id="48" name="Rectangle 47">
             <a:extLst>
               <a:ext uri="{FF2B5EF4-FFF2-40B4-BE49-F238E27FC236}">
                 <a16:creationId xmlns:a16="http://schemas.microsoft.com/office/drawing/2014/main" id="{1DB043B4-68C6-45B9-82AC-A5800EADB8DB}"/>
@@ -14575,43 +16199,201 @@
           </a:p>
         </p:txBody>
       </p:sp>
-      <p:pic>
-        <p:nvPicPr>
-          <p:cNvPr id="8" name="Picture Placeholder 7" descr="Data Points Digital background">
+      <p:sp>
+        <p:nvSpPr>
+          <p:cNvPr id="2" name="Title 1">
             <a:extLst>
               <a:ext uri="{FF2B5EF4-FFF2-40B4-BE49-F238E27FC236}">
-                <a16:creationId xmlns:a16="http://schemas.microsoft.com/office/drawing/2014/main" id="{5FED7C55-F545-49A1-90FD-D853A25AB453}"/>
+                <a16:creationId xmlns:a16="http://schemas.microsoft.com/office/drawing/2014/main" id="{4BB30DE0-9ED8-AC63-060D-C820356A11ED}"/>
               </a:ext>
             </a:extLst>
           </p:cNvPr>
-          <p:cNvPicPr>
-            <a:picLocks noGrp="1" noChangeAspect="1"/>
-          </p:cNvPicPr>
+          <p:cNvSpPr>
+            <a:spLocks noGrp="1"/>
+          </p:cNvSpPr>
           <p:nvPr>
-            <p:ph type="pic" sz="quarter" idx="13"/>
+            <p:ph type="ctrTitle"/>
           </p:nvPr>
-        </p:nvPicPr>
-        <p:blipFill>
-          <a:blip r:embed="rId3">
-            <a:extLst>
-              <a:ext uri="{28A0092B-C50C-407E-A947-70E740481C1C}">
-                <a14:useLocalDpi xmlns:a14="http://schemas.microsoft.com/office/drawing/2010/main" val="0"/>
-              </a:ext>
-            </a:extLst>
-          </a:blip>
-          <a:srcRect/>
-          <a:stretch>
-            <a:fillRect/>
-          </a:stretch>
-        </p:blipFill>
-        <p:spPr/>
-      </p:pic>
+        </p:nvSpPr>
+        <p:spPr>
+          <a:xfrm>
+            <a:off x="522128" y="1180539"/>
+            <a:ext cx="3565524" cy="1102487"/>
+          </a:xfrm>
+        </p:spPr>
+        <p:txBody>
+          <a:bodyPr vert="horz" wrap="square" lIns="0" tIns="0" rIns="0" bIns="0" rtlCol="0" anchor="b" anchorCtr="0">
+            <a:normAutofit/>
+          </a:bodyPr>
+          <a:lstStyle/>
+          <a:p>
+            <a:pPr>
+              <a:lnSpc>
+                <a:spcPct val="100000"/>
+              </a:lnSpc>
+            </a:pPr>
+            <a:r>
+              <a:rPr lang="en-US" kern="1200" dirty="0">
+                <a:solidFill>
+                  <a:schemeClr val="tx1"/>
+                </a:solidFill>
+                <a:latin typeface="+mj-lt"/>
+                <a:ea typeface="+mj-ea"/>
+                <a:cs typeface="+mj-cs"/>
+              </a:rPr>
+              <a:t>JAVASCRIT</a:t>
+            </a:r>
+          </a:p>
+        </p:txBody>
+      </p:sp>
       <p:sp>
         <p:nvSpPr>
-          <p:cNvPr id="48" name="Rectangle 47">
+          <p:cNvPr id="3" name="Subtitle 2">
             <a:extLst>
               <a:ext uri="{FF2B5EF4-FFF2-40B4-BE49-F238E27FC236}">
-                <a16:creationId xmlns:a16="http://schemas.microsoft.com/office/drawing/2014/main" id="{3C64A91D-E535-4C24-A0E3-96A3810E3FDC}"/>
+                <a16:creationId xmlns:a16="http://schemas.microsoft.com/office/drawing/2014/main" id="{AF054D6E-A522-7014-C7DE-6E02BEBCA9CF}"/>
+              </a:ext>
+            </a:extLst>
+          </p:cNvPr>
+          <p:cNvSpPr>
+            <a:spLocks noGrp="1"/>
+          </p:cNvSpPr>
+          <p:nvPr>
+            <p:ph type="subTitle" idx="1"/>
+          </p:nvPr>
+        </p:nvSpPr>
+        <p:spPr>
+          <a:xfrm>
+            <a:off x="457998" y="2510855"/>
+            <a:ext cx="3851394" cy="3035530"/>
+          </a:xfrm>
+        </p:spPr>
+        <p:txBody>
+          <a:bodyPr vert="horz" wrap="square" lIns="0" tIns="0" rIns="0" bIns="0" rtlCol="0">
+            <a:noAutofit/>
+          </a:bodyPr>
+          <a:lstStyle/>
+          <a:p>
+            <a:pPr marL="0" indent="0" algn="just">
+              <a:lnSpc>
+                <a:spcPct val="90000"/>
+              </a:lnSpc>
+            </a:pPr>
+            <a:r>
+              <a:rPr lang="en-US" sz="1600" b="0" i="0" kern="1200" dirty="0">
+                <a:effectLst/>
+                <a:latin typeface="+mn-lt"/>
+                <a:ea typeface="+mn-ea"/>
+                <a:cs typeface="+mn-cs"/>
+              </a:rPr>
+              <a:t>JavaScript is a text-based programming language used both on the client-side and server-side that allows you to make web pages interactive. Where HTML and CSS are languages that give structure and style to web pages, JavaScript gives web pages interactive elements that engage a user. Common examples of JavaScript that you might use every day include the search box on Amazon, a news recap video embedded on The New York Times, or refreshing your Twitter feed.  </a:t>
+            </a:r>
+            <a:endParaRPr lang="en-US" sz="1600" kern="1200" dirty="0">
+              <a:latin typeface="+mn-lt"/>
+              <a:ea typeface="+mn-ea"/>
+              <a:cs typeface="+mn-cs"/>
+            </a:endParaRPr>
+          </a:p>
+        </p:txBody>
+      </p:sp>
+      <p:sp>
+        <p:nvSpPr>
+          <p:cNvPr id="50" name="Oval 49">
+            <a:extLst>
+              <a:ext uri="{FF2B5EF4-FFF2-40B4-BE49-F238E27FC236}">
+                <a16:creationId xmlns:a16="http://schemas.microsoft.com/office/drawing/2014/main" id="{7AEC842D-C905-4DEA-B1C3-CA51995C572A}"/>
+              </a:ext>
+              <a:ext uri="{C183D7F6-B498-43B3-948B-1728B52AA6E4}">
+                <adec:decorative xmlns:adec="http://schemas.microsoft.com/office/drawing/2017/decorative" val="1"/>
+              </a:ext>
+            </a:extLst>
+          </p:cNvPr>
+          <p:cNvSpPr>
+            <a:spLocks noGrp="1" noRot="1" noChangeAspect="1" noMove="1" noResize="1" noEditPoints="1" noAdjustHandles="1" noChangeArrowheads="1" noChangeShapeType="1" noTextEdit="1"/>
+          </p:cNvSpPr>
+          <p:nvPr>
+            <p:extLst>
+              <p:ext uri="{386F3935-93C4-4BCD-93E2-E3B085C9AB24}">
+                <p16:designElem xmlns:p16="http://schemas.microsoft.com/office/powerpoint/2015/main" val="1"/>
+              </p:ext>
+            </p:extLst>
+          </p:nvPr>
+        </p:nvSpPr>
+        <p:spPr>
+          <a:xfrm>
+            <a:off x="550863" y="549274"/>
+            <a:ext cx="360000" cy="360000"/>
+          </a:xfrm>
+          <a:prstGeom prst="ellipse">
+            <a:avLst/>
+          </a:prstGeom>
+          <a:gradFill flip="none" rotWithShape="1">
+            <a:gsLst>
+              <a:gs pos="100000">
+                <a:schemeClr val="bg2">
+                  <a:lumMod val="50000"/>
+                  <a:lumOff val="50000"/>
+                </a:schemeClr>
+              </a:gs>
+              <a:gs pos="60000">
+                <a:schemeClr val="bg2"/>
+              </a:gs>
+            </a:gsLst>
+            <a:path path="circle">
+              <a:fillToRect l="100000" b="100000"/>
+            </a:path>
+            <a:tileRect t="-100000" r="-100000"/>
+          </a:gradFill>
+          <a:ln>
+            <a:noFill/>
+          </a:ln>
+          <a:effectLst>
+            <a:innerShdw blurRad="127000" dist="63500" dir="2700000">
+              <a:schemeClr val="accent1">
+                <a:lumMod val="60000"/>
+                <a:lumOff val="40000"/>
+                <a:alpha val="20000"/>
+              </a:schemeClr>
+            </a:innerShdw>
+            <a:softEdge rad="0"/>
+          </a:effectLst>
+        </p:spPr>
+        <p:style>
+          <a:lnRef idx="2">
+            <a:schemeClr val="accent1">
+              <a:shade val="50000"/>
+            </a:schemeClr>
+          </a:lnRef>
+          <a:fillRef idx="1">
+            <a:schemeClr val="accent1"/>
+          </a:fillRef>
+          <a:effectRef idx="0">
+            <a:schemeClr val="accent1"/>
+          </a:effectRef>
+          <a:fontRef idx="minor">
+            <a:schemeClr val="lt1"/>
+          </a:fontRef>
+        </p:style>
+        <p:txBody>
+          <a:bodyPr rot="0" spcFirstLastPara="0" vertOverflow="overflow" horzOverflow="overflow" vert="horz" wrap="square" lIns="91440" tIns="45720" rIns="91440" bIns="45720" numCol="1" spcCol="0" rtlCol="0" fromWordArt="0" anchor="ctr" anchorCtr="0" forceAA="0" compatLnSpc="1">
+            <a:prstTxWarp prst="textNoShape">
+              <a:avLst/>
+            </a:prstTxWarp>
+            <a:noAutofit/>
+          </a:bodyPr>
+          <a:lstStyle/>
+          <a:p>
+            <a:pPr algn="ctr"/>
+            <a:endParaRPr lang="en-US"/>
+          </a:p>
+        </p:txBody>
+      </p:sp>
+      <p:sp>
+        <p:nvSpPr>
+          <p:cNvPr id="52" name="Rectangle 51">
+            <a:extLst>
+              <a:ext uri="{FF2B5EF4-FFF2-40B4-BE49-F238E27FC236}">
+                <a16:creationId xmlns:a16="http://schemas.microsoft.com/office/drawing/2014/main" id="{FE05BC49-0F00-4C85-9AF5-A0CC5B39C8D2}"/>
               </a:ext>
               <a:ext uri="{C183D7F6-B498-43B3-948B-1728B52AA6E4}">
                 <adec:decorative xmlns:adec="http://schemas.microsoft.com/office/drawing/2017/decorative" val="1"/>
@@ -14682,12 +16464,1691 @@
           </a:p>
         </p:txBody>
       </p:sp>
+      <p:grpSp>
+        <p:nvGrpSpPr>
+          <p:cNvPr id="54" name="Group 53">
+            <a:extLst>
+              <a:ext uri="{FF2B5EF4-FFF2-40B4-BE49-F238E27FC236}">
+                <a16:creationId xmlns:a16="http://schemas.microsoft.com/office/drawing/2014/main" id="{9845873E-9C86-4496-87B7-3A6141D7DE63}"/>
+              </a:ext>
+              <a:ext uri="{C183D7F6-B498-43B3-948B-1728B52AA6E4}">
+                <adec:decorative xmlns:adec="http://schemas.microsoft.com/office/drawing/2017/decorative" val="1"/>
+              </a:ext>
+            </a:extLst>
+          </p:cNvPr>
+          <p:cNvGrpSpPr>
+            <a:grpSpLocks noGrp="1" noUngrp="1" noRot="1" noChangeAspect="1" noMove="1" noResize="1"/>
+          </p:cNvGrpSpPr>
+          <p:nvPr>
+            <p:extLst>
+              <p:ext uri="{386F3935-93C4-4BCD-93E2-E3B085C9AB24}">
+                <p16:designElem xmlns:p16="http://schemas.microsoft.com/office/powerpoint/2015/main" val="1"/>
+              </p:ext>
+            </p:extLst>
+          </p:nvPr>
+        </p:nvGrpSpPr>
+        <p:grpSpPr>
+          <a:xfrm>
+            <a:off x="3269384" y="4508500"/>
+            <a:ext cx="1468514" cy="1521012"/>
+            <a:chOff x="5236793" y="2432482"/>
+            <a:chExt cx="1468514" cy="1521012"/>
+          </a:xfrm>
+        </p:grpSpPr>
+        <p:sp>
+          <p:nvSpPr>
+            <p:cNvPr id="55" name="Freeform 5">
+              <a:extLst>
+                <a:ext uri="{FF2B5EF4-FFF2-40B4-BE49-F238E27FC236}">
+                  <a16:creationId xmlns:a16="http://schemas.microsoft.com/office/drawing/2014/main" id="{67B3FE92-6018-4D9B-9B3E-264810BCB42B}"/>
+                </a:ext>
+                <a:ext uri="{C183D7F6-B498-43B3-948B-1728B52AA6E4}">
+                  <adec:decorative xmlns:adec="http://schemas.microsoft.com/office/drawing/2017/decorative" val="1"/>
+                </a:ext>
+              </a:extLst>
+            </p:cNvPr>
+            <p:cNvSpPr>
+              <a:spLocks/>
+            </p:cNvSpPr>
+            <p:nvPr>
+              <p:extLst>
+                <p:ext uri="{386F3935-93C4-4BCD-93E2-E3B085C9AB24}">
+                  <p16:designElem xmlns:p16="http://schemas.microsoft.com/office/powerpoint/2015/main" val="1"/>
+                </p:ext>
+              </p:extLst>
+            </p:nvPr>
+          </p:nvSpPr>
+          <p:spPr bwMode="auto">
+            <a:xfrm rot="1800000">
+              <a:off x="5463135" y="2432482"/>
+              <a:ext cx="1242172" cy="729202"/>
+            </a:xfrm>
+            <a:custGeom>
+              <a:avLst/>
+              <a:gdLst>
+                <a:gd name="T0" fmla="*/ 266 w 540"/>
+                <a:gd name="T1" fmla="*/ 0 h 317"/>
+                <a:gd name="T2" fmla="*/ 0 w 540"/>
+                <a:gd name="T3" fmla="*/ 158 h 317"/>
+                <a:gd name="T4" fmla="*/ 266 w 540"/>
+                <a:gd name="T5" fmla="*/ 317 h 317"/>
+                <a:gd name="T6" fmla="*/ 540 w 540"/>
+                <a:gd name="T7" fmla="*/ 158 h 317"/>
+                <a:gd name="T8" fmla="*/ 266 w 540"/>
+                <a:gd name="T9" fmla="*/ 0 h 317"/>
+              </a:gdLst>
+              <a:ahLst/>
+              <a:cxnLst>
+                <a:cxn ang="0">
+                  <a:pos x="T0" y="T1"/>
+                </a:cxn>
+                <a:cxn ang="0">
+                  <a:pos x="T2" y="T3"/>
+                </a:cxn>
+                <a:cxn ang="0">
+                  <a:pos x="T4" y="T5"/>
+                </a:cxn>
+                <a:cxn ang="0">
+                  <a:pos x="T6" y="T7"/>
+                </a:cxn>
+                <a:cxn ang="0">
+                  <a:pos x="T8" y="T9"/>
+                </a:cxn>
+              </a:cxnLst>
+              <a:rect l="0" t="0" r="r" b="b"/>
+              <a:pathLst>
+                <a:path w="540" h="317">
+                  <a:moveTo>
+                    <a:pt x="266" y="0"/>
+                  </a:moveTo>
+                  <a:lnTo>
+                    <a:pt x="0" y="158"/>
+                  </a:lnTo>
+                  <a:lnTo>
+                    <a:pt x="266" y="317"/>
+                  </a:lnTo>
+                  <a:lnTo>
+                    <a:pt x="540" y="158"/>
+                  </a:lnTo>
+                  <a:lnTo>
+                    <a:pt x="266" y="0"/>
+                  </a:lnTo>
+                  <a:close/>
+                </a:path>
+              </a:pathLst>
+            </a:custGeom>
+            <a:gradFill flip="none" rotWithShape="1">
+              <a:gsLst>
+                <a:gs pos="20000">
+                  <a:schemeClr val="bg2">
+                    <a:lumMod val="90000"/>
+                    <a:lumOff val="10000"/>
+                    <a:alpha val="20000"/>
+                  </a:schemeClr>
+                </a:gs>
+                <a:gs pos="100000">
+                  <a:schemeClr val="accent1">
+                    <a:lumMod val="60000"/>
+                    <a:lumOff val="40000"/>
+                    <a:alpha val="40000"/>
+                  </a:schemeClr>
+                </a:gs>
+              </a:gsLst>
+              <a:lin ang="0" scaled="0"/>
+              <a:tileRect/>
+            </a:gradFill>
+            <a:ln>
+              <a:noFill/>
+            </a:ln>
+            <a:effectLst>
+              <a:innerShdw blurRad="254000">
+                <a:schemeClr val="bg2">
+                  <a:lumMod val="90000"/>
+                  <a:lumOff val="10000"/>
+                </a:schemeClr>
+              </a:innerShdw>
+            </a:effectLst>
+          </p:spPr>
+          <p:style>
+            <a:lnRef idx="2">
+              <a:schemeClr val="accent1">
+                <a:shade val="50000"/>
+              </a:schemeClr>
+            </a:lnRef>
+            <a:fillRef idx="1">
+              <a:schemeClr val="accent1"/>
+            </a:fillRef>
+            <a:effectRef idx="0">
+              <a:schemeClr val="accent1"/>
+            </a:effectRef>
+            <a:fontRef idx="minor">
+              <a:schemeClr val="lt1"/>
+            </a:fontRef>
+          </p:style>
+          <p:txBody>
+            <a:bodyPr rot="0" spcFirstLastPara="0" vertOverflow="overflow" horzOverflow="overflow" vert="horz" wrap="square" lIns="91440" tIns="45720" rIns="91440" bIns="45720" numCol="1" spcCol="0" rtlCol="0" fromWordArt="0" anchor="ctr" anchorCtr="0" forceAA="0" compatLnSpc="1">
+              <a:prstTxWarp prst="textNoShape">
+                <a:avLst/>
+              </a:prstTxWarp>
+              <a:noAutofit/>
+            </a:bodyPr>
+            <a:lstStyle/>
+            <a:p>
+              <a:pPr algn="ctr"/>
+              <a:endParaRPr lang="en-US"/>
+            </a:p>
+          </p:txBody>
+        </p:sp>
+        <p:sp>
+          <p:nvSpPr>
+            <p:cNvPr id="56" name="Freeform 6">
+              <a:extLst>
+                <a:ext uri="{FF2B5EF4-FFF2-40B4-BE49-F238E27FC236}">
+                  <a16:creationId xmlns:a16="http://schemas.microsoft.com/office/drawing/2014/main" id="{6ADEA1A7-349B-4EC9-9458-EBB1E9BFDA36}"/>
+                </a:ext>
+                <a:ext uri="{C183D7F6-B498-43B3-948B-1728B52AA6E4}">
+                  <adec:decorative xmlns:adec="http://schemas.microsoft.com/office/drawing/2017/decorative" val="1"/>
+                </a:ext>
+              </a:extLst>
+            </p:cNvPr>
+            <p:cNvSpPr>
+              <a:spLocks/>
+            </p:cNvSpPr>
+            <p:nvPr>
+              <p:extLst>
+                <p:ext uri="{386F3935-93C4-4BCD-93E2-E3B085C9AB24}">
+                  <p16:designElem xmlns:p16="http://schemas.microsoft.com/office/powerpoint/2015/main" val="1"/>
+                </p:ext>
+              </p:extLst>
+            </p:nvPr>
+          </p:nvSpPr>
+          <p:spPr bwMode="auto">
+            <a:xfrm rot="1800000">
+              <a:off x="5236793" y="2566400"/>
+              <a:ext cx="611884" cy="1076550"/>
+            </a:xfrm>
+            <a:custGeom>
+              <a:avLst/>
+              <a:gdLst>
+                <a:gd name="T0" fmla="*/ 266 w 266"/>
+                <a:gd name="T1" fmla="*/ 468 h 468"/>
+                <a:gd name="T2" fmla="*/ 0 w 266"/>
+                <a:gd name="T3" fmla="*/ 310 h 468"/>
+                <a:gd name="T4" fmla="*/ 0 w 266"/>
+                <a:gd name="T5" fmla="*/ 310 h 468"/>
+                <a:gd name="T6" fmla="*/ 0 w 266"/>
+                <a:gd name="T7" fmla="*/ 0 h 468"/>
+                <a:gd name="T8" fmla="*/ 0 w 266"/>
+                <a:gd name="T9" fmla="*/ 0 h 468"/>
+                <a:gd name="T10" fmla="*/ 266 w 266"/>
+                <a:gd name="T11" fmla="*/ 159 h 468"/>
+                <a:gd name="T12" fmla="*/ 266 w 266"/>
+                <a:gd name="T13" fmla="*/ 468 h 468"/>
+              </a:gdLst>
+              <a:ahLst/>
+              <a:cxnLst>
+                <a:cxn ang="0">
+                  <a:pos x="T0" y="T1"/>
+                </a:cxn>
+                <a:cxn ang="0">
+                  <a:pos x="T2" y="T3"/>
+                </a:cxn>
+                <a:cxn ang="0">
+                  <a:pos x="T4" y="T5"/>
+                </a:cxn>
+                <a:cxn ang="0">
+                  <a:pos x="T6" y="T7"/>
+                </a:cxn>
+                <a:cxn ang="0">
+                  <a:pos x="T8" y="T9"/>
+                </a:cxn>
+                <a:cxn ang="0">
+                  <a:pos x="T10" y="T11"/>
+                </a:cxn>
+                <a:cxn ang="0">
+                  <a:pos x="T12" y="T13"/>
+                </a:cxn>
+              </a:cxnLst>
+              <a:rect l="0" t="0" r="r" b="b"/>
+              <a:pathLst>
+                <a:path w="266" h="468">
+                  <a:moveTo>
+                    <a:pt x="266" y="468"/>
+                  </a:moveTo>
+                  <a:lnTo>
+                    <a:pt x="0" y="310"/>
+                  </a:lnTo>
+                  <a:lnTo>
+                    <a:pt x="0" y="310"/>
+                  </a:lnTo>
+                  <a:lnTo>
+                    <a:pt x="0" y="0"/>
+                  </a:lnTo>
+                  <a:lnTo>
+                    <a:pt x="0" y="0"/>
+                  </a:lnTo>
+                  <a:lnTo>
+                    <a:pt x="266" y="159"/>
+                  </a:lnTo>
+                  <a:lnTo>
+                    <a:pt x="266" y="468"/>
+                  </a:lnTo>
+                  <a:close/>
+                </a:path>
+              </a:pathLst>
+            </a:custGeom>
+            <a:gradFill flip="none" rotWithShape="1">
+              <a:gsLst>
+                <a:gs pos="20000">
+                  <a:schemeClr val="bg2">
+                    <a:lumMod val="90000"/>
+                    <a:lumOff val="10000"/>
+                    <a:alpha val="20000"/>
+                  </a:schemeClr>
+                </a:gs>
+                <a:gs pos="100000">
+                  <a:schemeClr val="accent1">
+                    <a:lumMod val="60000"/>
+                    <a:lumOff val="40000"/>
+                    <a:alpha val="40000"/>
+                  </a:schemeClr>
+                </a:gs>
+              </a:gsLst>
+              <a:lin ang="19800000" scaled="0"/>
+              <a:tileRect/>
+            </a:gradFill>
+            <a:ln>
+              <a:noFill/>
+            </a:ln>
+            <a:effectLst>
+              <a:innerShdw blurRad="254000">
+                <a:schemeClr val="bg2">
+                  <a:lumMod val="90000"/>
+                  <a:lumOff val="10000"/>
+                </a:schemeClr>
+              </a:innerShdw>
+            </a:effectLst>
+          </p:spPr>
+          <p:style>
+            <a:lnRef idx="2">
+              <a:schemeClr val="accent1">
+                <a:shade val="50000"/>
+              </a:schemeClr>
+            </a:lnRef>
+            <a:fillRef idx="1">
+              <a:schemeClr val="accent1"/>
+            </a:fillRef>
+            <a:effectRef idx="0">
+              <a:schemeClr val="accent1"/>
+            </a:effectRef>
+            <a:fontRef idx="minor">
+              <a:schemeClr val="lt1"/>
+            </a:fontRef>
+          </p:style>
+          <p:txBody>
+            <a:bodyPr rot="0" spcFirstLastPara="0" vertOverflow="overflow" horzOverflow="overflow" vert="horz" wrap="square" lIns="91440" tIns="45720" rIns="91440" bIns="45720" numCol="1" spcCol="0" rtlCol="0" fromWordArt="0" anchor="ctr" anchorCtr="0" forceAA="0" compatLnSpc="1">
+              <a:prstTxWarp prst="textNoShape">
+                <a:avLst/>
+              </a:prstTxWarp>
+              <a:noAutofit/>
+            </a:bodyPr>
+            <a:lstStyle/>
+            <a:p>
+              <a:pPr algn="ctr"/>
+              <a:endParaRPr lang="en-US"/>
+            </a:p>
+          </p:txBody>
+        </p:sp>
+        <p:sp>
+          <p:nvSpPr>
+            <p:cNvPr id="57" name="Freeform 8">
+              <a:extLst>
+                <a:ext uri="{FF2B5EF4-FFF2-40B4-BE49-F238E27FC236}">
+                  <a16:creationId xmlns:a16="http://schemas.microsoft.com/office/drawing/2014/main" id="{83BB3CBA-4085-4566-9B1D-656DA46E3B80}"/>
+                </a:ext>
+                <a:ext uri="{C183D7F6-B498-43B3-948B-1728B52AA6E4}">
+                  <adec:decorative xmlns:adec="http://schemas.microsoft.com/office/drawing/2017/decorative" val="1"/>
+                </a:ext>
+              </a:extLst>
+            </p:cNvPr>
+            <p:cNvSpPr>
+              <a:spLocks/>
+            </p:cNvSpPr>
+            <p:nvPr>
+              <p:extLst>
+                <p:ext uri="{386F3935-93C4-4BCD-93E2-E3B085C9AB24}">
+                  <p16:designElem xmlns:p16="http://schemas.microsoft.com/office/powerpoint/2015/main" val="1"/>
+                </p:ext>
+              </p:extLst>
+            </p:nvPr>
+          </p:nvSpPr>
+          <p:spPr bwMode="auto">
+            <a:xfrm rot="1800000">
+              <a:off x="5765469" y="2876944"/>
+              <a:ext cx="630288" cy="1076550"/>
+            </a:xfrm>
+            <a:custGeom>
+              <a:avLst/>
+              <a:gdLst>
+                <a:gd name="T0" fmla="*/ 274 w 274"/>
+                <a:gd name="T1" fmla="*/ 0 h 468"/>
+                <a:gd name="T2" fmla="*/ 274 w 274"/>
+                <a:gd name="T3" fmla="*/ 310 h 468"/>
+                <a:gd name="T4" fmla="*/ 274 w 274"/>
+                <a:gd name="T5" fmla="*/ 310 h 468"/>
+                <a:gd name="T6" fmla="*/ 0 w 274"/>
+                <a:gd name="T7" fmla="*/ 468 h 468"/>
+                <a:gd name="T8" fmla="*/ 0 w 274"/>
+                <a:gd name="T9" fmla="*/ 159 h 468"/>
+                <a:gd name="T10" fmla="*/ 274 w 274"/>
+                <a:gd name="T11" fmla="*/ 0 h 468"/>
+                <a:gd name="T12" fmla="*/ 274 w 274"/>
+                <a:gd name="T13" fmla="*/ 0 h 468"/>
+              </a:gdLst>
+              <a:ahLst/>
+              <a:cxnLst>
+                <a:cxn ang="0">
+                  <a:pos x="T0" y="T1"/>
+                </a:cxn>
+                <a:cxn ang="0">
+                  <a:pos x="T2" y="T3"/>
+                </a:cxn>
+                <a:cxn ang="0">
+                  <a:pos x="T4" y="T5"/>
+                </a:cxn>
+                <a:cxn ang="0">
+                  <a:pos x="T6" y="T7"/>
+                </a:cxn>
+                <a:cxn ang="0">
+                  <a:pos x="T8" y="T9"/>
+                </a:cxn>
+                <a:cxn ang="0">
+                  <a:pos x="T10" y="T11"/>
+                </a:cxn>
+                <a:cxn ang="0">
+                  <a:pos x="T12" y="T13"/>
+                </a:cxn>
+              </a:cxnLst>
+              <a:rect l="0" t="0" r="r" b="b"/>
+              <a:pathLst>
+                <a:path w="274" h="468">
+                  <a:moveTo>
+                    <a:pt x="274" y="0"/>
+                  </a:moveTo>
+                  <a:lnTo>
+                    <a:pt x="274" y="310"/>
+                  </a:lnTo>
+                  <a:lnTo>
+                    <a:pt x="274" y="310"/>
+                  </a:lnTo>
+                  <a:lnTo>
+                    <a:pt x="0" y="468"/>
+                  </a:lnTo>
+                  <a:lnTo>
+                    <a:pt x="0" y="159"/>
+                  </a:lnTo>
+                  <a:lnTo>
+                    <a:pt x="274" y="0"/>
+                  </a:lnTo>
+                  <a:lnTo>
+                    <a:pt x="274" y="0"/>
+                  </a:lnTo>
+                  <a:close/>
+                </a:path>
+              </a:pathLst>
+            </a:custGeom>
+            <a:gradFill flip="none" rotWithShape="1">
+              <a:gsLst>
+                <a:gs pos="20000">
+                  <a:schemeClr val="bg2">
+                    <a:lumMod val="90000"/>
+                    <a:lumOff val="10000"/>
+                    <a:alpha val="20000"/>
+                  </a:schemeClr>
+                </a:gs>
+                <a:gs pos="100000">
+                  <a:schemeClr val="accent1">
+                    <a:lumMod val="40000"/>
+                    <a:lumOff val="60000"/>
+                    <a:alpha val="60000"/>
+                  </a:schemeClr>
+                </a:gs>
+              </a:gsLst>
+              <a:lin ang="18000000" scaled="0"/>
+              <a:tileRect/>
+            </a:gradFill>
+            <a:ln>
+              <a:noFill/>
+            </a:ln>
+            <a:effectLst>
+              <a:innerShdw blurRad="508000">
+                <a:schemeClr val="accent1">
+                  <a:lumMod val="60000"/>
+                  <a:lumOff val="40000"/>
+                  <a:alpha val="40000"/>
+                </a:schemeClr>
+              </a:innerShdw>
+            </a:effectLst>
+          </p:spPr>
+          <p:style>
+            <a:lnRef idx="2">
+              <a:schemeClr val="accent1">
+                <a:shade val="50000"/>
+              </a:schemeClr>
+            </a:lnRef>
+            <a:fillRef idx="1">
+              <a:schemeClr val="accent1"/>
+            </a:fillRef>
+            <a:effectRef idx="0">
+              <a:schemeClr val="accent1"/>
+            </a:effectRef>
+            <a:fontRef idx="minor">
+              <a:schemeClr val="lt1"/>
+            </a:fontRef>
+          </p:style>
+          <p:txBody>
+            <a:bodyPr rot="0" spcFirstLastPara="0" vertOverflow="overflow" horzOverflow="overflow" vert="horz" wrap="square" lIns="91440" tIns="45720" rIns="91440" bIns="45720" numCol="1" spcCol="0" rtlCol="0" fromWordArt="0" anchor="ctr" anchorCtr="0" forceAA="0" compatLnSpc="1">
+              <a:prstTxWarp prst="textNoShape">
+                <a:avLst/>
+              </a:prstTxWarp>
+              <a:noAutofit/>
+            </a:bodyPr>
+            <a:lstStyle/>
+            <a:p>
+              <a:pPr algn="ctr"/>
+              <a:endParaRPr lang="en-US"/>
+            </a:p>
+          </p:txBody>
+        </p:sp>
+      </p:grpSp>
+      <p:pic>
+        <p:nvPicPr>
+          <p:cNvPr id="12" name="Picture Placeholder 11" descr="Logo&#10;&#10;Description automatically generated">
+            <a:extLst>
+              <a:ext uri="{FF2B5EF4-FFF2-40B4-BE49-F238E27FC236}">
+                <a16:creationId xmlns:a16="http://schemas.microsoft.com/office/drawing/2014/main" id="{2DF1861E-86CA-E8E0-D34A-6A766FAC1C25}"/>
+              </a:ext>
+            </a:extLst>
+          </p:cNvPr>
+          <p:cNvPicPr>
+            <a:picLocks noGrp="1" noChangeAspect="1"/>
+          </p:cNvPicPr>
+          <p:nvPr>
+            <p:ph type="pic" sz="quarter" idx="16"/>
+          </p:nvPr>
+        </p:nvPicPr>
+        <p:blipFill rotWithShape="1">
+          <a:blip r:embed="rId2"/>
+          <a:srcRect t="16502" r="-1" b="-1"/>
+          <a:stretch/>
+        </p:blipFill>
+        <p:spPr>
+          <a:xfrm>
+            <a:off x="4743451" y="549275"/>
+            <a:ext cx="6897687" cy="5759451"/>
+          </a:xfrm>
+          <a:custGeom>
+            <a:avLst/>
+            <a:gdLst/>
+            <a:ahLst/>
+            <a:cxnLst/>
+            <a:rect l="l" t="t" r="r" b="b"/>
+            <a:pathLst>
+              <a:path w="6897687" h="5759451">
+                <a:moveTo>
+                  <a:pt x="0" y="0"/>
+                </a:moveTo>
+                <a:lnTo>
+                  <a:pt x="6897687" y="0"/>
+                </a:lnTo>
+                <a:lnTo>
+                  <a:pt x="6897687" y="5759451"/>
+                </a:lnTo>
+                <a:lnTo>
+                  <a:pt x="0" y="5759451"/>
+                </a:lnTo>
+                <a:close/>
+              </a:path>
+            </a:pathLst>
+          </a:custGeom>
+        </p:spPr>
+      </p:pic>
       <p:sp>
         <p:nvSpPr>
-          <p:cNvPr id="50" name="Rectangle 49">
+          <p:cNvPr id="6" name="Date Placeholder 5">
             <a:extLst>
               <a:ext uri="{FF2B5EF4-FFF2-40B4-BE49-F238E27FC236}">
-                <a16:creationId xmlns:a16="http://schemas.microsoft.com/office/drawing/2014/main" id="{26FC4867-BA3E-4F8E-AB23-684F34DF3D31}"/>
+                <a16:creationId xmlns:a16="http://schemas.microsoft.com/office/drawing/2014/main" id="{9A07685C-B29C-17FF-E76A-EFC8A5998B7D}"/>
+              </a:ext>
+            </a:extLst>
+          </p:cNvPr>
+          <p:cNvSpPr>
+            <a:spLocks noGrp="1"/>
+          </p:cNvSpPr>
+          <p:nvPr>
+            <p:ph type="dt" sz="half" idx="10"/>
+          </p:nvPr>
+        </p:nvSpPr>
+        <p:spPr>
+          <a:xfrm>
+            <a:off x="550863" y="6507212"/>
+            <a:ext cx="2628900" cy="153888"/>
+          </a:xfrm>
+        </p:spPr>
+        <p:txBody>
+          <a:bodyPr vert="horz" wrap="square" lIns="0" tIns="0" rIns="0" bIns="0" rtlCol="0" anchor="ctr">
+            <a:normAutofit/>
+          </a:bodyPr>
+          <a:lstStyle/>
+          <a:p>
+            <a:pPr>
+              <a:spcAft>
+                <a:spcPts val="600"/>
+              </a:spcAft>
+            </a:pPr>
+            <a:r>
+              <a:rPr lang="en-US">
+                <a:solidFill>
+                  <a:schemeClr val="tx1">
+                    <a:alpha val="80000"/>
+                  </a:schemeClr>
+                </a:solidFill>
+              </a:rPr>
+              <a:t>Tuesday, February 2, 20XX</a:t>
+            </a:r>
+          </a:p>
+        </p:txBody>
+      </p:sp>
+      <p:sp>
+        <p:nvSpPr>
+          <p:cNvPr id="7" name="Footer Placeholder 6">
+            <a:extLst>
+              <a:ext uri="{FF2B5EF4-FFF2-40B4-BE49-F238E27FC236}">
+                <a16:creationId xmlns:a16="http://schemas.microsoft.com/office/drawing/2014/main" id="{D98404F2-7AED-4867-1EE4-982FC33ABED4}"/>
+              </a:ext>
+            </a:extLst>
+          </p:cNvPr>
+          <p:cNvSpPr>
+            <a:spLocks noGrp="1"/>
+          </p:cNvSpPr>
+          <p:nvPr>
+            <p:ph type="ftr" sz="quarter" idx="11"/>
+          </p:nvPr>
+        </p:nvSpPr>
+        <p:spPr>
+          <a:xfrm>
+            <a:off x="3359150" y="6507212"/>
+            <a:ext cx="6379210" cy="153888"/>
+          </a:xfrm>
+        </p:spPr>
+        <p:txBody>
+          <a:bodyPr vert="horz" wrap="square" lIns="0" tIns="0" rIns="0" bIns="0" rtlCol="0" anchor="ctr">
+            <a:normAutofit/>
+          </a:bodyPr>
+          <a:lstStyle/>
+          <a:p>
+            <a:pPr>
+              <a:spcAft>
+                <a:spcPts val="600"/>
+              </a:spcAft>
+            </a:pPr>
+            <a:r>
+              <a:rPr lang="en-US" kern="1200">
+                <a:solidFill>
+                  <a:schemeClr val="tx1">
+                    <a:alpha val="80000"/>
+                  </a:schemeClr>
+                </a:solidFill>
+                <a:latin typeface="+mn-lt"/>
+                <a:ea typeface="+mn-ea"/>
+                <a:cs typeface="+mn-cs"/>
+              </a:rPr>
+              <a:t>Sample Footer Text</a:t>
+            </a:r>
+          </a:p>
+        </p:txBody>
+      </p:sp>
+      <p:sp>
+        <p:nvSpPr>
+          <p:cNvPr id="8" name="Slide Number Placeholder 7">
+            <a:extLst>
+              <a:ext uri="{FF2B5EF4-FFF2-40B4-BE49-F238E27FC236}">
+                <a16:creationId xmlns:a16="http://schemas.microsoft.com/office/drawing/2014/main" id="{3227BD3A-86ED-0ADA-6498-1DE4C8572184}"/>
+              </a:ext>
+            </a:extLst>
+          </p:cNvPr>
+          <p:cNvSpPr>
+            <a:spLocks noGrp="1"/>
+          </p:cNvSpPr>
+          <p:nvPr>
+            <p:ph type="sldNum" sz="quarter" idx="12"/>
+          </p:nvPr>
+        </p:nvSpPr>
+        <p:spPr>
+          <a:xfrm>
+            <a:off x="9948863" y="6507212"/>
+            <a:ext cx="1692274" cy="153888"/>
+          </a:xfrm>
+        </p:spPr>
+        <p:txBody>
+          <a:bodyPr vert="horz" wrap="square" lIns="0" tIns="0" rIns="0" bIns="0" rtlCol="0" anchor="ctr">
+            <a:normAutofit/>
+          </a:bodyPr>
+          <a:lstStyle/>
+          <a:p>
+            <a:pPr>
+              <a:spcAft>
+                <a:spcPts val="600"/>
+              </a:spcAft>
+            </a:pPr>
+            <a:fld id="{DBA1B0FB-D917-4C8C-928F-313BD683BF39}" type="slidenum">
+              <a:rPr lang="en-US" smtClean="0">
+                <a:solidFill>
+                  <a:schemeClr val="tx1">
+                    <a:alpha val="80000"/>
+                  </a:schemeClr>
+                </a:solidFill>
+              </a:rPr>
+              <a:pPr>
+                <a:spcAft>
+                  <a:spcPts val="600"/>
+                </a:spcAft>
+              </a:pPr>
+              <a:t>6</a:t>
+            </a:fld>
+            <a:endParaRPr lang="en-US">
+              <a:solidFill>
+                <a:schemeClr val="tx1">
+                  <a:alpha val="80000"/>
+                </a:schemeClr>
+              </a:solidFill>
+            </a:endParaRPr>
+          </a:p>
+        </p:txBody>
+      </p:sp>
+    </p:spTree>
+    <p:extLst>
+      <p:ext uri="{BB962C8B-B14F-4D97-AF65-F5344CB8AC3E}">
+        <p14:creationId xmlns:p14="http://schemas.microsoft.com/office/powerpoint/2010/main" val="3470323023"/>
+      </p:ext>
+    </p:extLst>
+  </p:cSld>
+  <p:clrMapOvr>
+    <a:masterClrMapping/>
+  </p:clrMapOvr>
+</p:sld>
+</file>
+
+<file path=ppt/slides/slide7.xml><?xml version="1.0" encoding="utf-8"?>
+<p:sld xmlns:a="http://schemas.openxmlformats.org/drawingml/2006/main" xmlns:r="http://schemas.openxmlformats.org/officeDocument/2006/relationships" xmlns:p="http://schemas.openxmlformats.org/presentationml/2006/main">
+  <p:cSld>
+    <p:bg>
+      <p:bgPr>
+        <a:solidFill>
+          <a:schemeClr val="bg2"/>
+        </a:solidFill>
+        <a:effectLst/>
+      </p:bgPr>
+    </p:bg>
+    <p:spTree>
+      <p:nvGrpSpPr>
+        <p:cNvPr id="1" name=""/>
+        <p:cNvGrpSpPr/>
+        <p:nvPr/>
+      </p:nvGrpSpPr>
+      <p:grpSpPr>
+        <a:xfrm>
+          <a:off x="0" y="0"/>
+          <a:ext cx="0" cy="0"/>
+          <a:chOff x="0" y="0"/>
+          <a:chExt cx="0" cy="0"/>
+        </a:xfrm>
+      </p:grpSpPr>
+      <p:sp>
+        <p:nvSpPr>
+          <p:cNvPr id="40" name="Freeform: Shape 14">
+            <a:extLst>
+              <a:ext uri="{FF2B5EF4-FFF2-40B4-BE49-F238E27FC236}">
+                <a16:creationId xmlns:a16="http://schemas.microsoft.com/office/drawing/2014/main" id="{82184FF4-7029-4ED7-813A-192E60608764}"/>
+              </a:ext>
+              <a:ext uri="{C183D7F6-B498-43B3-948B-1728B52AA6E4}">
+                <adec:decorative xmlns:adec="http://schemas.microsoft.com/office/drawing/2017/decorative" val="1"/>
+              </a:ext>
+            </a:extLst>
+          </p:cNvPr>
+          <p:cNvSpPr>
+            <a:spLocks noGrp="1" noRot="1" noChangeAspect="1" noMove="1" noResize="1" noEditPoints="1" noAdjustHandles="1" noChangeArrowheads="1" noChangeShapeType="1" noTextEdit="1"/>
+          </p:cNvSpPr>
+          <p:nvPr>
+            <p:extLst>
+              <p:ext uri="{386F3935-93C4-4BCD-93E2-E3B085C9AB24}">
+                <p16:designElem xmlns:p16="http://schemas.microsoft.com/office/powerpoint/2015/main" val="1"/>
+              </p:ext>
+            </p:extLst>
+          </p:nvPr>
+        </p:nvSpPr>
+        <p:spPr>
+          <a:xfrm rot="2700000">
+            <a:off x="612445" y="481888"/>
+            <a:ext cx="1080000" cy="1262947"/>
+          </a:xfrm>
+          <a:custGeom>
+            <a:avLst/>
+            <a:gdLst/>
+            <a:ahLst/>
+            <a:cxnLst/>
+            <a:rect l="l" t="t" r="r" b="b"/>
+            <a:pathLst>
+              <a:path w="1080000" h="1262947">
+                <a:moveTo>
+                  <a:pt x="540000" y="0"/>
+                </a:moveTo>
+                <a:lnTo>
+                  <a:pt x="1064374" y="931034"/>
+                </a:lnTo>
+                <a:lnTo>
+                  <a:pt x="1069029" y="938533"/>
+                </a:lnTo>
+                <a:cubicBezTo>
+                  <a:pt x="1076223" y="956109"/>
+                  <a:pt x="1080000" y="974307"/>
+                  <a:pt x="1080000" y="992947"/>
+                </a:cubicBezTo>
+                <a:cubicBezTo>
+                  <a:pt x="1080000" y="1142064"/>
+                  <a:pt x="838234" y="1262947"/>
+                  <a:pt x="540000" y="1262947"/>
+                </a:cubicBezTo>
+                <a:cubicBezTo>
+                  <a:pt x="241766" y="1262947"/>
+                  <a:pt x="0" y="1142064"/>
+                  <a:pt x="0" y="992947"/>
+                </a:cubicBezTo>
+                <a:cubicBezTo>
+                  <a:pt x="0" y="974307"/>
+                  <a:pt x="3778" y="956109"/>
+                  <a:pt x="10971" y="938533"/>
+                </a:cubicBezTo>
+                <a:lnTo>
+                  <a:pt x="15626" y="931034"/>
+                </a:lnTo>
+                <a:lnTo>
+                  <a:pt x="540000" y="0"/>
+                </a:lnTo>
+                <a:close/>
+              </a:path>
+            </a:pathLst>
+          </a:custGeom>
+          <a:gradFill>
+            <a:gsLst>
+              <a:gs pos="60000">
+                <a:schemeClr val="bg2">
+                  <a:lumMod val="90000"/>
+                  <a:lumOff val="10000"/>
+                </a:schemeClr>
+              </a:gs>
+              <a:gs pos="30000">
+                <a:schemeClr val="bg2">
+                  <a:lumMod val="90000"/>
+                  <a:lumOff val="10000"/>
+                </a:schemeClr>
+              </a:gs>
+              <a:gs pos="40000">
+                <a:schemeClr val="bg2">
+                  <a:lumMod val="75000"/>
+                  <a:lumOff val="25000"/>
+                </a:schemeClr>
+              </a:gs>
+              <a:gs pos="100000">
+                <a:schemeClr val="bg2"/>
+              </a:gs>
+            </a:gsLst>
+            <a:lin ang="600000" scaled="0"/>
+          </a:gradFill>
+          <a:ln>
+            <a:noFill/>
+          </a:ln>
+          <a:effectLst>
+            <a:innerShdw blurRad="254000" dist="101600" dir="2700000">
+              <a:schemeClr val="accent1">
+                <a:lumMod val="60000"/>
+                <a:lumOff val="40000"/>
+                <a:alpha val="40000"/>
+              </a:schemeClr>
+            </a:innerShdw>
+          </a:effectLst>
+        </p:spPr>
+        <p:style>
+          <a:lnRef idx="2">
+            <a:schemeClr val="accent1">
+              <a:shade val="50000"/>
+            </a:schemeClr>
+          </a:lnRef>
+          <a:fillRef idx="1">
+            <a:schemeClr val="accent1"/>
+          </a:fillRef>
+          <a:effectRef idx="0">
+            <a:schemeClr val="accent1"/>
+          </a:effectRef>
+          <a:fontRef idx="minor">
+            <a:schemeClr val="lt1"/>
+          </a:fontRef>
+        </p:style>
+        <p:txBody>
+          <a:bodyPr rot="0" spcFirstLastPara="0" vertOverflow="overflow" horzOverflow="overflow" vert="horz" wrap="square" lIns="91440" tIns="45720" rIns="91440" bIns="45720" numCol="1" spcCol="0" rtlCol="0" fromWordArt="0" anchor="ctr" anchorCtr="0" forceAA="0" compatLnSpc="1">
+            <a:prstTxWarp prst="textNoShape">
+              <a:avLst/>
+            </a:prstTxWarp>
+            <a:noAutofit/>
+          </a:bodyPr>
+          <a:lstStyle/>
+          <a:p>
+            <a:pPr algn="ctr"/>
+            <a:endParaRPr lang="en-US"/>
+          </a:p>
+        </p:txBody>
+      </p:sp>
+      <p:sp>
+        <p:nvSpPr>
+          <p:cNvPr id="41" name="Oval 16">
+            <a:extLst>
+              <a:ext uri="{FF2B5EF4-FFF2-40B4-BE49-F238E27FC236}">
+                <a16:creationId xmlns:a16="http://schemas.microsoft.com/office/drawing/2014/main" id="{AAA7AB09-557C-41AD-9113-FF9F68FA1035}"/>
+              </a:ext>
+              <a:ext uri="{C183D7F6-B498-43B3-948B-1728B52AA6E4}">
+                <adec:decorative xmlns:adec="http://schemas.microsoft.com/office/drawing/2017/decorative" val="1"/>
+              </a:ext>
+            </a:extLst>
+          </p:cNvPr>
+          <p:cNvSpPr>
+            <a:spLocks noGrp="1" noRot="1" noChangeAspect="1" noMove="1" noResize="1" noEditPoints="1" noAdjustHandles="1" noChangeArrowheads="1" noChangeShapeType="1" noTextEdit="1"/>
+          </p:cNvSpPr>
+          <p:nvPr>
+            <p:extLst>
+              <p:ext uri="{386F3935-93C4-4BCD-93E2-E3B085C9AB24}">
+                <p16:designElem xmlns:p16="http://schemas.microsoft.com/office/powerpoint/2015/main" val="1"/>
+              </p:ext>
+            </p:extLst>
+          </p:nvPr>
+        </p:nvSpPr>
+        <p:spPr>
+          <a:xfrm rot="8100000">
+            <a:off x="626845" y="828962"/>
+            <a:ext cx="540000" cy="1080000"/>
+          </a:xfrm>
+          <a:prstGeom prst="ellipse">
+            <a:avLst/>
+          </a:prstGeom>
+          <a:gradFill>
+            <a:gsLst>
+              <a:gs pos="100000">
+                <a:schemeClr val="bg2">
+                  <a:lumMod val="90000"/>
+                  <a:lumOff val="10000"/>
+                </a:schemeClr>
+              </a:gs>
+              <a:gs pos="50000">
+                <a:schemeClr val="bg2">
+                  <a:lumMod val="95000"/>
+                  <a:lumOff val="5000"/>
+                </a:schemeClr>
+              </a:gs>
+            </a:gsLst>
+            <a:lin ang="5400000" scaled="0"/>
+          </a:gradFill>
+          <a:ln>
+            <a:noFill/>
+          </a:ln>
+          <a:effectLst>
+            <a:innerShdw blurRad="1270000" dist="2540000">
+              <a:schemeClr val="accent1">
+                <a:lumMod val="60000"/>
+                <a:lumOff val="40000"/>
+                <a:alpha val="0"/>
+              </a:schemeClr>
+            </a:innerShdw>
+          </a:effectLst>
+        </p:spPr>
+        <p:style>
+          <a:lnRef idx="2">
+            <a:schemeClr val="accent1">
+              <a:shade val="50000"/>
+            </a:schemeClr>
+          </a:lnRef>
+          <a:fillRef idx="1">
+            <a:schemeClr val="accent1"/>
+          </a:fillRef>
+          <a:effectRef idx="0">
+            <a:schemeClr val="accent1"/>
+          </a:effectRef>
+          <a:fontRef idx="minor">
+            <a:schemeClr val="lt1"/>
+          </a:fontRef>
+        </p:style>
+        <p:txBody>
+          <a:bodyPr rot="0" spcFirstLastPara="0" vertOverflow="overflow" horzOverflow="overflow" vert="horz" wrap="square" lIns="91440" tIns="45720" rIns="91440" bIns="45720" numCol="1" spcCol="0" rtlCol="0" fromWordArt="0" anchor="ctr" anchorCtr="0" forceAA="0" compatLnSpc="1">
+            <a:prstTxWarp prst="textNoShape">
+              <a:avLst/>
+            </a:prstTxWarp>
+            <a:noAutofit/>
+          </a:bodyPr>
+          <a:lstStyle/>
+          <a:p>
+            <a:pPr algn="ctr"/>
+            <a:endParaRPr lang="en-US"/>
+          </a:p>
+        </p:txBody>
+      </p:sp>
+      <p:sp>
+        <p:nvSpPr>
+          <p:cNvPr id="42" name="Oval 18">
+            <a:extLst>
+              <a:ext uri="{FF2B5EF4-FFF2-40B4-BE49-F238E27FC236}">
+                <a16:creationId xmlns:a16="http://schemas.microsoft.com/office/drawing/2014/main" id="{EF99ECAA-1F11-4937-BBA6-51935AB44C9D}"/>
+              </a:ext>
+              <a:ext uri="{C183D7F6-B498-43B3-948B-1728B52AA6E4}">
+                <adec:decorative xmlns:adec="http://schemas.microsoft.com/office/drawing/2017/decorative" val="1"/>
+              </a:ext>
+            </a:extLst>
+          </p:cNvPr>
+          <p:cNvSpPr>
+            <a:spLocks noGrp="1" noRot="1" noChangeAspect="1" noMove="1" noResize="1" noEditPoints="1" noAdjustHandles="1" noChangeArrowheads="1" noChangeShapeType="1" noTextEdit="1"/>
+          </p:cNvSpPr>
+          <p:nvPr>
+            <p:extLst>
+              <p:ext uri="{386F3935-93C4-4BCD-93E2-E3B085C9AB24}">
+                <p16:designElem xmlns:p16="http://schemas.microsoft.com/office/powerpoint/2015/main" val="1"/>
+              </p:ext>
+            </p:extLst>
+          </p:nvPr>
+        </p:nvSpPr>
+        <p:spPr>
+          <a:xfrm>
+            <a:off x="1800802" y="2472855"/>
+            <a:ext cx="360000" cy="360000"/>
+          </a:xfrm>
+          <a:prstGeom prst="ellipse">
+            <a:avLst/>
+          </a:prstGeom>
+          <a:gradFill flip="none" rotWithShape="1">
+            <a:gsLst>
+              <a:gs pos="100000">
+                <a:schemeClr val="bg2">
+                  <a:lumMod val="50000"/>
+                  <a:lumOff val="50000"/>
+                </a:schemeClr>
+              </a:gs>
+              <a:gs pos="60000">
+                <a:schemeClr val="bg2"/>
+              </a:gs>
+            </a:gsLst>
+            <a:path path="circle">
+              <a:fillToRect l="100000" b="100000"/>
+            </a:path>
+            <a:tileRect t="-100000" r="-100000"/>
+          </a:gradFill>
+          <a:ln>
+            <a:noFill/>
+          </a:ln>
+          <a:effectLst>
+            <a:innerShdw blurRad="127000" dist="63500" dir="2700000">
+              <a:schemeClr val="accent1">
+                <a:lumMod val="60000"/>
+                <a:lumOff val="40000"/>
+                <a:alpha val="20000"/>
+              </a:schemeClr>
+            </a:innerShdw>
+            <a:softEdge rad="0"/>
+          </a:effectLst>
+        </p:spPr>
+        <p:style>
+          <a:lnRef idx="2">
+            <a:schemeClr val="accent1">
+              <a:shade val="50000"/>
+            </a:schemeClr>
+          </a:lnRef>
+          <a:fillRef idx="1">
+            <a:schemeClr val="accent1"/>
+          </a:fillRef>
+          <a:effectRef idx="0">
+            <a:schemeClr val="accent1"/>
+          </a:effectRef>
+          <a:fontRef idx="minor">
+            <a:schemeClr val="lt1"/>
+          </a:fontRef>
+        </p:style>
+        <p:txBody>
+          <a:bodyPr rot="0" spcFirstLastPara="0" vertOverflow="overflow" horzOverflow="overflow" vert="horz" wrap="square" lIns="91440" tIns="45720" rIns="91440" bIns="45720" numCol="1" spcCol="0" rtlCol="0" fromWordArt="0" anchor="ctr" anchorCtr="0" forceAA="0" compatLnSpc="1">
+            <a:prstTxWarp prst="textNoShape">
+              <a:avLst/>
+            </a:prstTxWarp>
+            <a:noAutofit/>
+          </a:bodyPr>
+          <a:lstStyle/>
+          <a:p>
+            <a:pPr algn="ctr"/>
+            <a:endParaRPr lang="en-US"/>
+          </a:p>
+        </p:txBody>
+      </p:sp>
+      <p:grpSp>
+        <p:nvGrpSpPr>
+          <p:cNvPr id="43" name="Group 20">
+            <a:extLst>
+              <a:ext uri="{FF2B5EF4-FFF2-40B4-BE49-F238E27FC236}">
+                <a16:creationId xmlns:a16="http://schemas.microsoft.com/office/drawing/2014/main" id="{79DE9FAB-6BBA-4CFE-B67D-77B47F01ECA4}"/>
+              </a:ext>
+              <a:ext uri="{C183D7F6-B498-43B3-948B-1728B52AA6E4}">
+                <adec:decorative xmlns:adec="http://schemas.microsoft.com/office/drawing/2017/decorative" val="1"/>
+              </a:ext>
+            </a:extLst>
+          </p:cNvPr>
+          <p:cNvGrpSpPr>
+            <a:grpSpLocks noGrp="1" noUngrp="1" noRot="1" noChangeAspect="1" noMove="1" noResize="1"/>
+          </p:cNvGrpSpPr>
+          <p:nvPr>
+            <p:extLst>
+              <p:ext uri="{386F3935-93C4-4BCD-93E2-E3B085C9AB24}">
+                <p16:designElem xmlns:p16="http://schemas.microsoft.com/office/powerpoint/2015/main" val="1"/>
+              </p:ext>
+            </p:extLst>
+          </p:nvPr>
+        </p:nvGrpSpPr>
+        <p:grpSpPr>
+          <a:xfrm>
+            <a:off x="1329952" y="4524379"/>
+            <a:ext cx="1980001" cy="1363916"/>
+            <a:chOff x="4879602" y="3781429"/>
+            <a:chExt cx="1980001" cy="1363916"/>
+          </a:xfrm>
+        </p:grpSpPr>
+        <p:sp>
+          <p:nvSpPr>
+            <p:cNvPr id="44" name="Freeform: Shape 21">
+              <a:extLst>
+                <a:ext uri="{FF2B5EF4-FFF2-40B4-BE49-F238E27FC236}">
+                  <a16:creationId xmlns:a16="http://schemas.microsoft.com/office/drawing/2014/main" id="{79FAC916-D9BB-4794-81B4-7C47C67E850D}"/>
+                </a:ext>
+                <a:ext uri="{C183D7F6-B498-43B3-948B-1728B52AA6E4}">
+                  <adec:decorative xmlns:adec="http://schemas.microsoft.com/office/drawing/2017/decorative" val="1"/>
+                </a:ext>
+              </a:extLst>
+            </p:cNvPr>
+            <p:cNvSpPr>
+              <a:spLocks noChangeAspect="1"/>
+            </p:cNvSpPr>
+            <p:nvPr>
+              <p:extLst>
+                <p:ext uri="{386F3935-93C4-4BCD-93E2-E3B085C9AB24}">
+                  <p16:designElem xmlns:p16="http://schemas.microsoft.com/office/powerpoint/2015/main" val="1"/>
+                </p:ext>
+              </p:extLst>
+            </p:nvPr>
+          </p:nvSpPr>
+          <p:spPr>
+            <a:xfrm rot="18900000" flipV="1">
+              <a:off x="5005634" y="4191206"/>
+              <a:ext cx="1853969" cy="926985"/>
+            </a:xfrm>
+            <a:custGeom>
+              <a:avLst/>
+              <a:gdLst>
+                <a:gd name="connsiteX0" fmla="*/ 1329373 w 2658746"/>
+                <a:gd name="connsiteY0" fmla="*/ 0 h 1329373"/>
+                <a:gd name="connsiteX1" fmla="*/ 2658746 w 2658746"/>
+                <a:gd name="connsiteY1" fmla="*/ 1329373 h 1329373"/>
+                <a:gd name="connsiteX2" fmla="*/ 1994059 w 2658746"/>
+                <a:gd name="connsiteY2" fmla="*/ 1329373 h 1329373"/>
+                <a:gd name="connsiteX3" fmla="*/ 1329373 w 2658746"/>
+                <a:gd name="connsiteY3" fmla="*/ 664687 h 1329373"/>
+                <a:gd name="connsiteX4" fmla="*/ 664687 w 2658746"/>
+                <a:gd name="connsiteY4" fmla="*/ 1329373 h 1329373"/>
+                <a:gd name="connsiteX5" fmla="*/ 0 w 2658746"/>
+                <a:gd name="connsiteY5" fmla="*/ 1329373 h 1329373"/>
+                <a:gd name="connsiteX6" fmla="*/ 1329373 w 2658746"/>
+                <a:gd name="connsiteY6" fmla="*/ 0 h 1329373"/>
+              </a:gdLst>
+              <a:ahLst/>
+              <a:cxnLst>
+                <a:cxn ang="0">
+                  <a:pos x="connsiteX0" y="connsiteY0"/>
+                </a:cxn>
+                <a:cxn ang="0">
+                  <a:pos x="connsiteX1" y="connsiteY1"/>
+                </a:cxn>
+                <a:cxn ang="0">
+                  <a:pos x="connsiteX2" y="connsiteY2"/>
+                </a:cxn>
+                <a:cxn ang="0">
+                  <a:pos x="connsiteX3" y="connsiteY3"/>
+                </a:cxn>
+                <a:cxn ang="0">
+                  <a:pos x="connsiteX4" y="connsiteY4"/>
+                </a:cxn>
+                <a:cxn ang="0">
+                  <a:pos x="connsiteX5" y="connsiteY5"/>
+                </a:cxn>
+                <a:cxn ang="0">
+                  <a:pos x="connsiteX6" y="connsiteY6"/>
+                </a:cxn>
+              </a:cxnLst>
+              <a:rect l="l" t="t" r="r" b="b"/>
+              <a:pathLst>
+                <a:path w="2658746" h="1329373">
+                  <a:moveTo>
+                    <a:pt x="1329373" y="0"/>
+                  </a:moveTo>
+                  <a:cubicBezTo>
+                    <a:pt x="2063565" y="0"/>
+                    <a:pt x="2658746" y="595181"/>
+                    <a:pt x="2658746" y="1329373"/>
+                  </a:cubicBezTo>
+                  <a:lnTo>
+                    <a:pt x="1994059" y="1329373"/>
+                  </a:lnTo>
+                  <a:cubicBezTo>
+                    <a:pt x="1994059" y="962277"/>
+                    <a:pt x="1696469" y="664687"/>
+                    <a:pt x="1329373" y="664687"/>
+                  </a:cubicBezTo>
+                  <a:cubicBezTo>
+                    <a:pt x="962277" y="664687"/>
+                    <a:pt x="664687" y="962277"/>
+                    <a:pt x="664687" y="1329373"/>
+                  </a:cubicBezTo>
+                  <a:lnTo>
+                    <a:pt x="0" y="1329373"/>
+                  </a:lnTo>
+                  <a:cubicBezTo>
+                    <a:pt x="0" y="595181"/>
+                    <a:pt x="595181" y="0"/>
+                    <a:pt x="1329373" y="0"/>
+                  </a:cubicBezTo>
+                  <a:close/>
+                </a:path>
+              </a:pathLst>
+            </a:custGeom>
+            <a:solidFill>
+              <a:schemeClr val="bg2"/>
+            </a:solidFill>
+            <a:ln>
+              <a:noFill/>
+            </a:ln>
+            <a:effectLst>
+              <a:innerShdw blurRad="254000" dist="50800" dir="16200000">
+                <a:schemeClr val="accent1">
+                  <a:lumMod val="40000"/>
+                  <a:lumOff val="60000"/>
+                  <a:alpha val="40000"/>
+                </a:schemeClr>
+              </a:innerShdw>
+            </a:effectLst>
+          </p:spPr>
+          <p:style>
+            <a:lnRef idx="2">
+              <a:schemeClr val="accent1">
+                <a:shade val="50000"/>
+              </a:schemeClr>
+            </a:lnRef>
+            <a:fillRef idx="1">
+              <a:schemeClr val="accent1"/>
+            </a:fillRef>
+            <a:effectRef idx="0">
+              <a:schemeClr val="accent1"/>
+            </a:effectRef>
+            <a:fontRef idx="minor">
+              <a:schemeClr val="lt1"/>
+            </a:fontRef>
+          </p:style>
+          <p:txBody>
+            <a:bodyPr rtlCol="0" anchor="ctr"/>
+            <a:lstStyle/>
+            <a:p>
+              <a:pPr algn="ctr"/>
+              <a:endParaRPr lang="en-US"/>
+            </a:p>
+          </p:txBody>
+        </p:sp>
+        <p:sp>
+          <p:nvSpPr>
+            <p:cNvPr id="45" name="Freeform: Shape 22">
+              <a:extLst>
+                <a:ext uri="{FF2B5EF4-FFF2-40B4-BE49-F238E27FC236}">
+                  <a16:creationId xmlns:a16="http://schemas.microsoft.com/office/drawing/2014/main" id="{B5CA2231-7A65-4D16-8400-A210CC41DB73}"/>
+                </a:ext>
+                <a:ext uri="{C183D7F6-B498-43B3-948B-1728B52AA6E4}">
+                  <adec:decorative xmlns:adec="http://schemas.microsoft.com/office/drawing/2017/decorative" val="1"/>
+                </a:ext>
+              </a:extLst>
+            </p:cNvPr>
+            <p:cNvSpPr>
+              <a:spLocks noChangeAspect="1"/>
+            </p:cNvSpPr>
+            <p:nvPr>
+              <p:extLst>
+                <p:ext uri="{386F3935-93C4-4BCD-93E2-E3B085C9AB24}">
+                  <p16:designElem xmlns:p16="http://schemas.microsoft.com/office/powerpoint/2015/main" val="1"/>
+                </p:ext>
+              </p:extLst>
+            </p:nvPr>
+          </p:nvSpPr>
+          <p:spPr>
+            <a:xfrm rot="18900000" flipV="1">
+              <a:off x="4957101" y="4052255"/>
+              <a:ext cx="1853969" cy="1093090"/>
+            </a:xfrm>
+            <a:custGeom>
+              <a:avLst/>
+              <a:gdLst>
+                <a:gd name="connsiteX0" fmla="*/ 1329373 w 2658746"/>
+                <a:gd name="connsiteY0" fmla="*/ 0 h 1329373"/>
+                <a:gd name="connsiteX1" fmla="*/ 2658746 w 2658746"/>
+                <a:gd name="connsiteY1" fmla="*/ 1329373 h 1329373"/>
+                <a:gd name="connsiteX2" fmla="*/ 1994059 w 2658746"/>
+                <a:gd name="connsiteY2" fmla="*/ 1329373 h 1329373"/>
+                <a:gd name="connsiteX3" fmla="*/ 1329373 w 2658746"/>
+                <a:gd name="connsiteY3" fmla="*/ 664687 h 1329373"/>
+                <a:gd name="connsiteX4" fmla="*/ 664687 w 2658746"/>
+                <a:gd name="connsiteY4" fmla="*/ 1329373 h 1329373"/>
+                <a:gd name="connsiteX5" fmla="*/ 0 w 2658746"/>
+                <a:gd name="connsiteY5" fmla="*/ 1329373 h 1329373"/>
+                <a:gd name="connsiteX6" fmla="*/ 1329373 w 2658746"/>
+                <a:gd name="connsiteY6" fmla="*/ 0 h 1329373"/>
+              </a:gdLst>
+              <a:ahLst/>
+              <a:cxnLst>
+                <a:cxn ang="0">
+                  <a:pos x="connsiteX0" y="connsiteY0"/>
+                </a:cxn>
+                <a:cxn ang="0">
+                  <a:pos x="connsiteX1" y="connsiteY1"/>
+                </a:cxn>
+                <a:cxn ang="0">
+                  <a:pos x="connsiteX2" y="connsiteY2"/>
+                </a:cxn>
+                <a:cxn ang="0">
+                  <a:pos x="connsiteX3" y="connsiteY3"/>
+                </a:cxn>
+                <a:cxn ang="0">
+                  <a:pos x="connsiteX4" y="connsiteY4"/>
+                </a:cxn>
+                <a:cxn ang="0">
+                  <a:pos x="connsiteX5" y="connsiteY5"/>
+                </a:cxn>
+                <a:cxn ang="0">
+                  <a:pos x="connsiteX6" y="connsiteY6"/>
+                </a:cxn>
+              </a:cxnLst>
+              <a:rect l="l" t="t" r="r" b="b"/>
+              <a:pathLst>
+                <a:path w="2658746" h="1329373">
+                  <a:moveTo>
+                    <a:pt x="1329373" y="0"/>
+                  </a:moveTo>
+                  <a:cubicBezTo>
+                    <a:pt x="2063565" y="0"/>
+                    <a:pt x="2658746" y="595181"/>
+                    <a:pt x="2658746" y="1329373"/>
+                  </a:cubicBezTo>
+                  <a:lnTo>
+                    <a:pt x="1994059" y="1329373"/>
+                  </a:lnTo>
+                  <a:cubicBezTo>
+                    <a:pt x="1994059" y="962277"/>
+                    <a:pt x="1696469" y="664687"/>
+                    <a:pt x="1329373" y="664687"/>
+                  </a:cubicBezTo>
+                  <a:cubicBezTo>
+                    <a:pt x="962277" y="664687"/>
+                    <a:pt x="664687" y="962277"/>
+                    <a:pt x="664687" y="1329373"/>
+                  </a:cubicBezTo>
+                  <a:lnTo>
+                    <a:pt x="0" y="1329373"/>
+                  </a:lnTo>
+                  <a:cubicBezTo>
+                    <a:pt x="0" y="595181"/>
+                    <a:pt x="595181" y="0"/>
+                    <a:pt x="1329373" y="0"/>
+                  </a:cubicBezTo>
+                  <a:close/>
+                </a:path>
+              </a:pathLst>
+            </a:custGeom>
+            <a:solidFill>
+              <a:schemeClr val="bg2">
+                <a:lumMod val="50000"/>
+                <a:lumOff val="50000"/>
+                <a:alpha val="40000"/>
+              </a:schemeClr>
+            </a:solidFill>
+            <a:ln>
+              <a:noFill/>
+            </a:ln>
+            <a:effectLst>
+              <a:softEdge rad="190500"/>
+            </a:effectLst>
+          </p:spPr>
+          <p:style>
+            <a:lnRef idx="2">
+              <a:schemeClr val="accent1">
+                <a:shade val="50000"/>
+              </a:schemeClr>
+            </a:lnRef>
+            <a:fillRef idx="1">
+              <a:schemeClr val="accent1"/>
+            </a:fillRef>
+            <a:effectRef idx="0">
+              <a:schemeClr val="accent1"/>
+            </a:effectRef>
+            <a:fontRef idx="minor">
+              <a:schemeClr val="lt1"/>
+            </a:fontRef>
+          </p:style>
+          <p:txBody>
+            <a:bodyPr rtlCol="0" anchor="ctr"/>
+            <a:lstStyle/>
+            <a:p>
+              <a:pPr algn="ctr"/>
+              <a:endParaRPr lang="en-US">
+                <a:solidFill>
+                  <a:schemeClr val="tx1"/>
+                </a:solidFill>
+              </a:endParaRPr>
+            </a:p>
+          </p:txBody>
+        </p:sp>
+        <p:sp>
+          <p:nvSpPr>
+            <p:cNvPr id="46" name="Oval 23">
+              <a:extLst>
+                <a:ext uri="{FF2B5EF4-FFF2-40B4-BE49-F238E27FC236}">
+                  <a16:creationId xmlns:a16="http://schemas.microsoft.com/office/drawing/2014/main" id="{4B089C8C-B82B-4704-88E2-E857A5E21529}"/>
+                </a:ext>
+                <a:ext uri="{C183D7F6-B498-43B3-948B-1728B52AA6E4}">
+                  <adec:decorative xmlns:adec="http://schemas.microsoft.com/office/drawing/2017/decorative" val="1"/>
+                </a:ext>
+              </a:extLst>
+            </p:cNvPr>
+            <p:cNvSpPr/>
+            <p:nvPr>
+              <p:extLst>
+                <p:ext uri="{386F3935-93C4-4BCD-93E2-E3B085C9AB24}">
+                  <p16:designElem xmlns:p16="http://schemas.microsoft.com/office/powerpoint/2015/main" val="1"/>
+                </p:ext>
+              </p:extLst>
+            </p:nvPr>
+          </p:nvSpPr>
+          <p:spPr>
+            <a:xfrm rot="13500000" flipV="1">
+              <a:off x="6040374" y="3601683"/>
+              <a:ext cx="107098" cy="466589"/>
+            </a:xfrm>
+            <a:prstGeom prst="ellipse">
+              <a:avLst/>
+            </a:prstGeom>
+            <a:solidFill>
+              <a:schemeClr val="bg2">
+                <a:lumMod val="90000"/>
+                <a:lumOff val="10000"/>
+              </a:schemeClr>
+            </a:solidFill>
+            <a:ln>
+              <a:noFill/>
+            </a:ln>
+            <a:effectLst>
+              <a:innerShdw blurRad="63500" dist="2540000">
+                <a:schemeClr val="accent1">
+                  <a:lumMod val="60000"/>
+                  <a:lumOff val="40000"/>
+                  <a:alpha val="0"/>
+                </a:schemeClr>
+              </a:innerShdw>
+            </a:effectLst>
+          </p:spPr>
+          <p:style>
+            <a:lnRef idx="2">
+              <a:schemeClr val="accent1">
+                <a:shade val="50000"/>
+              </a:schemeClr>
+            </a:lnRef>
+            <a:fillRef idx="1">
+              <a:schemeClr val="accent1"/>
+            </a:fillRef>
+            <a:effectRef idx="0">
+              <a:schemeClr val="accent1"/>
+            </a:effectRef>
+            <a:fontRef idx="minor">
+              <a:schemeClr val="lt1"/>
+            </a:fontRef>
+          </p:style>
+          <p:txBody>
+            <a:bodyPr rot="0" spcFirstLastPara="0" vertOverflow="overflow" horzOverflow="overflow" vert="horz" wrap="square" lIns="91440" tIns="45720" rIns="91440" bIns="45720" numCol="1" spcCol="0" rtlCol="0" fromWordArt="0" anchor="ctr" anchorCtr="0" forceAA="0" compatLnSpc="1">
+              <a:prstTxWarp prst="textNoShape">
+                <a:avLst/>
+              </a:prstTxWarp>
+              <a:noAutofit/>
+            </a:bodyPr>
+            <a:lstStyle/>
+            <a:p>
+              <a:pPr algn="ctr"/>
+              <a:endParaRPr lang="en-US"/>
+            </a:p>
+          </p:txBody>
+        </p:sp>
+        <p:sp>
+          <p:nvSpPr>
+            <p:cNvPr id="47" name="Oval 24">
+              <a:extLst>
+                <a:ext uri="{FF2B5EF4-FFF2-40B4-BE49-F238E27FC236}">
+                  <a16:creationId xmlns:a16="http://schemas.microsoft.com/office/drawing/2014/main" id="{434B90C8-5B4D-456E-AD99-80EF748FDD72}"/>
+                </a:ext>
+                <a:ext uri="{C183D7F6-B498-43B3-948B-1728B52AA6E4}">
+                  <adec:decorative xmlns:adec="http://schemas.microsoft.com/office/drawing/2017/decorative" val="1"/>
+                </a:ext>
+              </a:extLst>
+            </p:cNvPr>
+            <p:cNvSpPr/>
+            <p:nvPr>
+              <p:extLst>
+                <p:ext uri="{386F3935-93C4-4BCD-93E2-E3B085C9AB24}">
+                  <p16:designElem xmlns:p16="http://schemas.microsoft.com/office/powerpoint/2015/main" val="1"/>
+                </p:ext>
+              </p:extLst>
+            </p:nvPr>
+          </p:nvSpPr>
+          <p:spPr>
+            <a:xfrm rot="13500000" flipV="1">
+              <a:off x="5059348" y="4582709"/>
+              <a:ext cx="107098" cy="466589"/>
+            </a:xfrm>
+            <a:prstGeom prst="ellipse">
+              <a:avLst/>
+            </a:prstGeom>
+            <a:solidFill>
+              <a:schemeClr val="bg2">
+                <a:lumMod val="90000"/>
+                <a:lumOff val="10000"/>
+              </a:schemeClr>
+            </a:solidFill>
+            <a:ln>
+              <a:noFill/>
+            </a:ln>
+            <a:effectLst>
+              <a:innerShdw blurRad="63500" dist="2540000">
+                <a:schemeClr val="accent1">
+                  <a:lumMod val="60000"/>
+                  <a:lumOff val="40000"/>
+                  <a:alpha val="0"/>
+                </a:schemeClr>
+              </a:innerShdw>
+            </a:effectLst>
+          </p:spPr>
+          <p:style>
+            <a:lnRef idx="2">
+              <a:schemeClr val="accent1">
+                <a:shade val="50000"/>
+              </a:schemeClr>
+            </a:lnRef>
+            <a:fillRef idx="1">
+              <a:schemeClr val="accent1"/>
+            </a:fillRef>
+            <a:effectRef idx="0">
+              <a:schemeClr val="accent1"/>
+            </a:effectRef>
+            <a:fontRef idx="minor">
+              <a:schemeClr val="lt1"/>
+            </a:fontRef>
+          </p:style>
+          <p:txBody>
+            <a:bodyPr rot="0" spcFirstLastPara="0" vertOverflow="overflow" horzOverflow="overflow" vert="horz" wrap="square" lIns="91440" tIns="45720" rIns="91440" bIns="45720" numCol="1" spcCol="0" rtlCol="0" fromWordArt="0" anchor="ctr" anchorCtr="0" forceAA="0" compatLnSpc="1">
+              <a:prstTxWarp prst="textNoShape">
+                <a:avLst/>
+              </a:prstTxWarp>
+              <a:noAutofit/>
+            </a:bodyPr>
+            <a:lstStyle/>
+            <a:p>
+              <a:pPr algn="ctr"/>
+              <a:endParaRPr lang="en-US"/>
+            </a:p>
+          </p:txBody>
+        </p:sp>
+      </p:grpSp>
+      <p:sp useBgFill="1">
+        <p:nvSpPr>
+          <p:cNvPr id="48" name="Rectangle 26">
+            <a:extLst>
+              <a:ext uri="{FF2B5EF4-FFF2-40B4-BE49-F238E27FC236}">
+                <a16:creationId xmlns:a16="http://schemas.microsoft.com/office/drawing/2014/main" id="{1DB043B4-68C6-45B9-82AC-A5800EADB8DB}"/>
+              </a:ext>
+              <a:ext uri="{C183D7F6-B498-43B3-948B-1728B52AA6E4}">
+                <adec:decorative xmlns:adec="http://schemas.microsoft.com/office/drawing/2017/decorative" val="1"/>
+              </a:ext>
+            </a:extLst>
+          </p:cNvPr>
+          <p:cNvSpPr>
+            <a:spLocks noGrp="1" noRot="1" noChangeAspect="1" noMove="1" noResize="1" noEditPoints="1" noAdjustHandles="1" noChangeArrowheads="1" noChangeShapeType="1" noTextEdit="1"/>
+          </p:cNvSpPr>
+          <p:nvPr>
+            <p:extLst>
+              <p:ext uri="{386F3935-93C4-4BCD-93E2-E3B085C9AB24}">
+                <p16:designElem xmlns:p16="http://schemas.microsoft.com/office/powerpoint/2015/main" val="1"/>
+              </p:ext>
+            </p:extLst>
+          </p:nvPr>
+        </p:nvSpPr>
+        <p:spPr>
+          <a:xfrm>
+            <a:off x="0" y="0"/>
+            <a:ext cx="12192000" cy="6858000"/>
+          </a:xfrm>
+          <a:prstGeom prst="rect">
+            <a:avLst/>
+          </a:prstGeom>
+          <a:ln w="12700" cap="flat" cmpd="sng" algn="ctr">
+            <a:noFill/>
+            <a:prstDash val="solid"/>
+            <a:miter lim="800000"/>
+          </a:ln>
+          <a:effectLst/>
+          <a:extLst>
+            <a:ext uri="{91240B29-F687-4F45-9708-019B960494DF}">
+              <a14:hiddenLine xmlns:a14="http://schemas.microsoft.com/office/drawing/2010/main" w="12700" cap="flat" cmpd="sng" algn="ctr">
+                <a:solidFill>
+                  <a:schemeClr val="accent1">
+                    <a:shade val="50000"/>
+                  </a:schemeClr>
+                </a:solidFill>
+                <a:prstDash val="solid"/>
+                <a:miter lim="800000"/>
+              </a14:hiddenLine>
+            </a:ext>
+          </a:extLst>
+        </p:spPr>
+        <p:style>
+          <a:lnRef idx="2">
+            <a:schemeClr val="accent1">
+              <a:shade val="50000"/>
+            </a:schemeClr>
+          </a:lnRef>
+          <a:fillRef idx="1">
+            <a:schemeClr val="accent1"/>
+          </a:fillRef>
+          <a:effectRef idx="0">
+            <a:schemeClr val="accent1"/>
+          </a:effectRef>
+          <a:fontRef idx="minor">
+            <a:schemeClr val="lt1"/>
+          </a:fontRef>
+        </p:style>
+        <p:txBody>
+          <a:bodyPr rtlCol="0" anchor="ctr"/>
+          <a:lstStyle/>
+          <a:p>
+            <a:pPr algn="ctr"/>
+            <a:endParaRPr lang="en-US"/>
+          </a:p>
+        </p:txBody>
+      </p:sp>
+      <p:pic>
+        <p:nvPicPr>
+          <p:cNvPr id="10" name="Picture Placeholder 9" descr="Graphical user interface&#10;&#10;Description automatically generated with low confidence">
+            <a:extLst>
+              <a:ext uri="{FF2B5EF4-FFF2-40B4-BE49-F238E27FC236}">
+                <a16:creationId xmlns:a16="http://schemas.microsoft.com/office/drawing/2014/main" id="{89F98E77-7E20-8244-6BC4-A30A71141A3C}"/>
+              </a:ext>
+            </a:extLst>
+          </p:cNvPr>
+          <p:cNvPicPr>
+            <a:picLocks noGrp="1" noChangeAspect="1"/>
+          </p:cNvPicPr>
+          <p:nvPr>
+            <p:ph type="pic" sz="quarter" idx="16"/>
+          </p:nvPr>
+        </p:nvPicPr>
+        <p:blipFill rotWithShape="1">
+          <a:blip r:embed="rId2"/>
+          <a:srcRect l="8385" r="8505" b="1"/>
+          <a:stretch/>
+        </p:blipFill>
+        <p:spPr>
+          <a:xfrm>
+            <a:off x="20" y="1"/>
+            <a:ext cx="12191980" cy="6858000"/>
+          </a:xfrm>
+          <a:custGeom>
+            <a:avLst/>
+            <a:gdLst/>
+            <a:ahLst/>
+            <a:cxnLst/>
+            <a:rect l="l" t="t" r="r" b="b"/>
+            <a:pathLst>
+              <a:path w="12192000" h="6858000">
+                <a:moveTo>
+                  <a:pt x="0" y="0"/>
+                </a:moveTo>
+                <a:lnTo>
+                  <a:pt x="12192000" y="0"/>
+                </a:lnTo>
+                <a:lnTo>
+                  <a:pt x="12192000" y="6858000"/>
+                </a:lnTo>
+                <a:lnTo>
+                  <a:pt x="0" y="6858000"/>
+                </a:lnTo>
+                <a:close/>
+              </a:path>
+            </a:pathLst>
+          </a:custGeom>
+        </p:spPr>
+      </p:pic>
+      <p:sp>
+        <p:nvSpPr>
+          <p:cNvPr id="49" name="Rectangle 28">
+            <a:extLst>
+              <a:ext uri="{FF2B5EF4-FFF2-40B4-BE49-F238E27FC236}">
+                <a16:creationId xmlns:a16="http://schemas.microsoft.com/office/drawing/2014/main" id="{AD4EA4DF-0E7C-4098-86F6-7D0ACAEFC0BF}"/>
               </a:ext>
               <a:ext uri="{C183D7F6-B498-43B3-948B-1728B52AA6E4}">
                 <adec:decorative xmlns:adec="http://schemas.microsoft.com/office/drawing/2017/decorative" val="1"/>
@@ -14707,8 +18168,8 @@
         </p:nvSpPr>
         <p:spPr>
           <a:xfrm rot="10800000">
-            <a:off x="0" y="-3"/>
-            <a:ext cx="9000000" cy="6857998"/>
+            <a:off x="0" y="0"/>
+            <a:ext cx="7859713" cy="6857998"/>
           </a:xfrm>
           <a:prstGeom prst="rect">
             <a:avLst/>
@@ -14760,10 +18221,10 @@
       </p:sp>
       <p:sp>
         <p:nvSpPr>
-          <p:cNvPr id="15" name="Title 14">
+          <p:cNvPr id="2" name="Title 1">
             <a:extLst>
               <a:ext uri="{FF2B5EF4-FFF2-40B4-BE49-F238E27FC236}">
-                <a16:creationId xmlns:a16="http://schemas.microsoft.com/office/drawing/2014/main" id="{40F1DF5B-353A-4270-8C10-6A1509441174}"/>
+                <a16:creationId xmlns:a16="http://schemas.microsoft.com/office/drawing/2014/main" id="{E6E8F4AE-BABE-55CA-55A9-2C6737D1CA74}"/>
               </a:ext>
             </a:extLst>
           </p:cNvPr>
@@ -14776,8 +18237,8 @@
         </p:nvSpPr>
         <p:spPr>
           <a:xfrm>
-            <a:off x="550862" y="549275"/>
-            <a:ext cx="11317049" cy="1145514"/>
+            <a:off x="550864" y="549275"/>
+            <a:ext cx="3565524" cy="2887174"/>
           </a:xfrm>
         </p:spPr>
         <p:txBody>
@@ -14786,32 +18247,107 @@
           </a:bodyPr>
           <a:lstStyle/>
           <a:p>
-            <a:pPr algn="ctr">
+            <a:pPr>
               <a:lnSpc>
                 <a:spcPct val="100000"/>
               </a:lnSpc>
             </a:pPr>
             <a:r>
-              <a:rPr lang="en-US" dirty="0"/>
-              <a:t>WEB DEVELOPMENT</a:t>
-            </a:r>
-            <a:endParaRPr lang="en-US" sz="6400" kern="1200" dirty="0">
-              <a:solidFill>
-                <a:schemeClr val="tx1"/>
-              </a:solidFill>
-              <a:latin typeface="+mj-lt"/>
-              <a:ea typeface="+mj-ea"/>
-              <a:cs typeface="+mj-cs"/>
-            </a:endParaRPr>
+              <a:rPr lang="en-US" kern="1200">
+                <a:solidFill>
+                  <a:schemeClr val="tx1"/>
+                </a:solidFill>
+                <a:latin typeface="+mj-lt"/>
+                <a:ea typeface="+mj-ea"/>
+                <a:cs typeface="+mj-cs"/>
+              </a:rPr>
+              <a:t>Random Password Generator</a:t>
+            </a:r>
           </a:p>
         </p:txBody>
       </p:sp>
       <p:sp>
         <p:nvSpPr>
-          <p:cNvPr id="4" name="Slide Number Placeholder 3">
+          <p:cNvPr id="50" name="Rectangle 30">
             <a:extLst>
               <a:ext uri="{FF2B5EF4-FFF2-40B4-BE49-F238E27FC236}">
-                <a16:creationId xmlns:a16="http://schemas.microsoft.com/office/drawing/2014/main" id="{E1E7D98D-6710-41D2-B258-E1A1059D29F8}"/>
+                <a16:creationId xmlns:a16="http://schemas.microsoft.com/office/drawing/2014/main" id="{FE05BC49-0F00-4C85-9AF5-A0CC5B39C8D2}"/>
+              </a:ext>
+              <a:ext uri="{C183D7F6-B498-43B3-948B-1728B52AA6E4}">
+                <adec:decorative xmlns:adec="http://schemas.microsoft.com/office/drawing/2017/decorative" val="1"/>
+              </a:ext>
+            </a:extLst>
+          </p:cNvPr>
+          <p:cNvSpPr>
+            <a:spLocks noGrp="1" noRot="1" noChangeAspect="1" noMove="1" noResize="1" noEditPoints="1" noAdjustHandles="1" noChangeArrowheads="1" noChangeShapeType="1" noTextEdit="1"/>
+          </p:cNvSpPr>
+          <p:nvPr>
+            <p:extLst>
+              <p:ext uri="{386F3935-93C4-4BCD-93E2-E3B085C9AB24}">
+                <p16:designElem xmlns:p16="http://schemas.microsoft.com/office/powerpoint/2015/main" val="1"/>
+              </p:ext>
+            </p:extLst>
+          </p:nvPr>
+        </p:nvSpPr>
+        <p:spPr>
+          <a:xfrm>
+            <a:off x="0" y="5773729"/>
+            <a:ext cx="12192000" cy="1084271"/>
+          </a:xfrm>
+          <a:prstGeom prst="rect">
+            <a:avLst/>
+          </a:prstGeom>
+          <a:gradFill flip="none" rotWithShape="1">
+            <a:gsLst>
+              <a:gs pos="90000">
+                <a:schemeClr val="bg2">
+                  <a:alpha val="60000"/>
+                </a:schemeClr>
+              </a:gs>
+              <a:gs pos="28000">
+                <a:schemeClr val="bg2">
+                  <a:alpha val="0"/>
+                </a:schemeClr>
+              </a:gs>
+            </a:gsLst>
+            <a:lin ang="5400000" scaled="0"/>
+            <a:tileRect/>
+          </a:gradFill>
+          <a:ln>
+            <a:noFill/>
+          </a:ln>
+        </p:spPr>
+        <p:style>
+          <a:lnRef idx="2">
+            <a:schemeClr val="accent1">
+              <a:shade val="50000"/>
+            </a:schemeClr>
+          </a:lnRef>
+          <a:fillRef idx="1">
+            <a:schemeClr val="accent1"/>
+          </a:fillRef>
+          <a:effectRef idx="0">
+            <a:schemeClr val="accent1"/>
+          </a:effectRef>
+          <a:fontRef idx="minor">
+            <a:schemeClr val="lt1"/>
+          </a:fontRef>
+        </p:style>
+        <p:txBody>
+          <a:bodyPr rtlCol="0" anchor="ctr"/>
+          <a:lstStyle/>
+          <a:p>
+            <a:pPr algn="ctr"/>
+            <a:endParaRPr lang="en-US"/>
+          </a:p>
+        </p:txBody>
+      </p:sp>
+      <p:sp>
+        <p:nvSpPr>
+          <p:cNvPr id="3" name="Subtitle 2">
+            <a:extLst>
+              <a:ext uri="{FF2B5EF4-FFF2-40B4-BE49-F238E27FC236}">
+                <a16:creationId xmlns:a16="http://schemas.microsoft.com/office/drawing/2014/main" id="{376160DB-7643-CFBD-7B00-CA4C5852BDA3}"/>
               </a:ext>
             </a:extLst>
           </p:cNvPr>
@@ -14819,166 +18355,114 @@
             <a:spLocks noGrp="1"/>
           </p:cNvSpPr>
           <p:nvPr>
-            <p:ph type="sldNum" sz="quarter" idx="12"/>
+            <p:ph type="subTitle" idx="1"/>
           </p:nvPr>
         </p:nvSpPr>
-        <p:spPr/>
+        <p:spPr>
+          <a:xfrm>
+            <a:off x="550863" y="3569007"/>
+            <a:ext cx="3565525" cy="2523817"/>
+          </a:xfrm>
+        </p:spPr>
         <p:txBody>
-          <a:bodyPr/>
+          <a:bodyPr vert="horz" wrap="square" lIns="0" tIns="0" rIns="0" bIns="0" rtlCol="0">
+            <a:normAutofit/>
+          </a:bodyPr>
           <a:lstStyle/>
           <a:p>
-            <a:fld id="{DBA1B0FB-D917-4C8C-928F-313BD683BF39}" type="slidenum">
-              <a:rPr lang="en-US" smtClean="0"/>
-              <a:t>4</a:t>
-            </a:fld>
-            <a:endParaRPr lang="en-US"/>
+            <a:pPr marL="0" indent="0">
+              <a:lnSpc>
+                <a:spcPct val="90000"/>
+              </a:lnSpc>
+            </a:pPr>
+            <a:r>
+              <a:rPr lang="en-US" sz="1700" kern="1200" dirty="0">
+                <a:latin typeface="+mn-lt"/>
+                <a:ea typeface="+mn-ea"/>
+                <a:cs typeface="+mn-cs"/>
+              </a:rPr>
+              <a:t>This is a basic </a:t>
+            </a:r>
+            <a:r>
+              <a:rPr lang="en-US" sz="1700" dirty="0"/>
+              <a:t>MOOC</a:t>
+            </a:r>
+            <a:r>
+              <a:rPr lang="en-US" sz="1700" kern="1200" dirty="0">
+                <a:latin typeface="+mn-lt"/>
+                <a:ea typeface="+mn-ea"/>
+                <a:cs typeface="+mn-cs"/>
+              </a:rPr>
+              <a:t> seminar project which is a random password generator which use HTML, CSS and JavaScript.</a:t>
+            </a:r>
+          </a:p>
+          <a:p>
+            <a:pPr marL="0" indent="0">
+              <a:lnSpc>
+                <a:spcPct val="90000"/>
+              </a:lnSpc>
+            </a:pPr>
+            <a:r>
+              <a:rPr lang="en-US" sz="1700" kern="1200" dirty="0">
+                <a:latin typeface="+mn-lt"/>
+                <a:ea typeface="+mn-ea"/>
+                <a:cs typeface="+mn-cs"/>
+              </a:rPr>
+              <a:t>And </a:t>
+            </a:r>
+            <a:r>
+              <a:rPr lang="en-US" sz="1700" kern="1200" dirty="0" err="1">
+                <a:latin typeface="+mn-lt"/>
+                <a:ea typeface="+mn-ea"/>
+                <a:cs typeface="+mn-cs"/>
+              </a:rPr>
+              <a:t>Math.random</a:t>
+            </a:r>
+            <a:r>
+              <a:rPr lang="en-US" sz="1700" dirty="0"/>
+              <a:t>() libraries </a:t>
+            </a:r>
+            <a:r>
+              <a:rPr lang="en-US" sz="1700" kern="1200" dirty="0">
+                <a:latin typeface="+mn-lt"/>
+                <a:ea typeface="+mn-ea"/>
+                <a:cs typeface="+mn-cs"/>
+              </a:rPr>
+              <a:t>for the algo of generating randomize characters</a:t>
+            </a:r>
+            <a:r>
+              <a:rPr lang="en-US" sz="1700" dirty="0"/>
+              <a:t>.</a:t>
+            </a:r>
+            <a:endParaRPr lang="en-US" sz="1700" kern="1200" dirty="0">
+              <a:latin typeface="+mn-lt"/>
+              <a:ea typeface="+mn-ea"/>
+              <a:cs typeface="+mn-cs"/>
+            </a:endParaRPr>
+          </a:p>
+          <a:p>
+            <a:pPr marL="0" indent="0">
+              <a:lnSpc>
+                <a:spcPct val="90000"/>
+              </a:lnSpc>
+            </a:pPr>
+            <a:r>
+              <a:rPr lang="en-US" sz="1700" kern="1200" dirty="0">
+                <a:latin typeface="+mn-lt"/>
+                <a:ea typeface="+mn-ea"/>
+                <a:cs typeface="+mn-cs"/>
+              </a:rPr>
+              <a:t>And other CSS function to make it more interactive and functionable.</a:t>
+            </a:r>
           </a:p>
         </p:txBody>
       </p:sp>
       <p:sp>
         <p:nvSpPr>
-          <p:cNvPr id="5" name="TextBox 4">
+          <p:cNvPr id="8" name="Slide Number Placeholder 7">
             <a:extLst>
               <a:ext uri="{FF2B5EF4-FFF2-40B4-BE49-F238E27FC236}">
-                <a16:creationId xmlns:a16="http://schemas.microsoft.com/office/drawing/2014/main" id="{1F38A935-6002-7D44-750D-C9B145BEA1B4}"/>
-              </a:ext>
-            </a:extLst>
-          </p:cNvPr>
-          <p:cNvSpPr txBox="1"/>
-          <p:nvPr/>
-        </p:nvSpPr>
-        <p:spPr>
-          <a:xfrm>
-            <a:off x="550861" y="1941720"/>
-            <a:ext cx="11090275" cy="3785652"/>
-          </a:xfrm>
-          <a:prstGeom prst="rect">
-            <a:avLst/>
-          </a:prstGeom>
-          <a:noFill/>
-        </p:spPr>
-        <p:txBody>
-          <a:bodyPr wrap="square" rtlCol="0">
-            <a:spAutoFit/>
-          </a:bodyPr>
-          <a:lstStyle/>
-          <a:p>
-            <a:pPr algn="just"/>
-            <a:r>
-              <a:rPr lang="en-US" sz="2400" b="1" i="0" dirty="0">
-                <a:effectLst/>
-                <a:latin typeface="urw-din"/>
-              </a:rPr>
-              <a:t>Web development</a:t>
-            </a:r>
-            <a:r>
-              <a:rPr lang="en-US" sz="2400" b="0" i="0" dirty="0">
-                <a:effectLst/>
-                <a:latin typeface="urw-din"/>
-              </a:rPr>
-              <a:t> refers to the building, creating, and maintaining of websites. It includes aspects such as web design, web publishing, web programming, and database management. It is the creation of an application that works over the internet i.e. websites.</a:t>
-            </a:r>
-          </a:p>
-          <a:p>
-            <a:pPr algn="just"/>
-            <a:r>
-              <a:rPr lang="en-US" sz="2400" dirty="0">
-                <a:latin typeface="urw-din"/>
-              </a:rPr>
-              <a:t>It is the work involved in developing a website for the internet (world wide web) or an intranet(a private network).</a:t>
-            </a:r>
-          </a:p>
-          <a:p>
-            <a:pPr algn="just"/>
-            <a:r>
-              <a:rPr lang="en-US" sz="2400" dirty="0">
-                <a:latin typeface="urw-din"/>
-              </a:rPr>
-              <a:t>Web development can range from developing a simple page of plain text to complex web applications, electronic businesses , and network social network services.</a:t>
-            </a:r>
-          </a:p>
-          <a:p>
-            <a:pPr algn="just"/>
-            <a:r>
-              <a:rPr lang="en-US" sz="2400" dirty="0">
-                <a:latin typeface="urw-din"/>
-              </a:rPr>
-              <a:t>A more comprehensive list of tasks to which web development commonly refers, may include web engineering, web design, web content development.</a:t>
-            </a:r>
-          </a:p>
-        </p:txBody>
-      </p:sp>
-    </p:spTree>
-    <p:extLst>
-      <p:ext uri="{BB962C8B-B14F-4D97-AF65-F5344CB8AC3E}">
-        <p14:creationId xmlns:p14="http://schemas.microsoft.com/office/powerpoint/2010/main" val="560021826"/>
-      </p:ext>
-    </p:extLst>
-  </p:cSld>
-  <p:clrMapOvr>
-    <a:masterClrMapping/>
-  </p:clrMapOvr>
-</p:sld>
-</file>
-
-<file path=ppt/slides/slide5.xml><?xml version="1.0" encoding="utf-8"?>
-<p:sld xmlns:a="http://schemas.openxmlformats.org/drawingml/2006/main" xmlns:r="http://schemas.openxmlformats.org/officeDocument/2006/relationships" xmlns:p="http://schemas.openxmlformats.org/presentationml/2006/main">
-  <p:cSld>
-    <p:spTree>
-      <p:nvGrpSpPr>
-        <p:cNvPr id="1" name=""/>
-        <p:cNvGrpSpPr/>
-        <p:nvPr/>
-      </p:nvGrpSpPr>
-      <p:grpSpPr>
-        <a:xfrm>
-          <a:off x="0" y="0"/>
-          <a:ext cx="0" cy="0"/>
-          <a:chOff x="0" y="0"/>
-          <a:chExt cx="0" cy="0"/>
-        </a:xfrm>
-      </p:grpSpPr>
-      <p:sp>
-        <p:nvSpPr>
-          <p:cNvPr id="14" name="Title 13">
-            <a:extLst>
-              <a:ext uri="{FF2B5EF4-FFF2-40B4-BE49-F238E27FC236}">
-                <a16:creationId xmlns:a16="http://schemas.microsoft.com/office/drawing/2014/main" id="{C15EE852-24F1-4643-8082-AB45CFF2BA10}"/>
-              </a:ext>
-            </a:extLst>
-          </p:cNvPr>
-          <p:cNvSpPr>
-            <a:spLocks noGrp="1"/>
-          </p:cNvSpPr>
-          <p:nvPr>
-            <p:ph type="title"/>
-          </p:nvPr>
-        </p:nvSpPr>
-        <p:spPr>
-          <a:xfrm>
-            <a:off x="861530" y="656632"/>
-            <a:ext cx="4674279" cy="592495"/>
-          </a:xfrm>
-        </p:spPr>
-        <p:txBody>
-          <a:bodyPr>
-            <a:normAutofit/>
-          </a:bodyPr>
-          <a:lstStyle/>
-          <a:p>
-            <a:r>
-              <a:rPr lang="en-US" dirty="0"/>
-              <a:t>WHAT IS HTML?</a:t>
-            </a:r>
-          </a:p>
-        </p:txBody>
-      </p:sp>
-      <p:sp>
-        <p:nvSpPr>
-          <p:cNvPr id="21" name="Slide Number Placeholder 20">
-            <a:extLst>
-              <a:ext uri="{FF2B5EF4-FFF2-40B4-BE49-F238E27FC236}">
-                <a16:creationId xmlns:a16="http://schemas.microsoft.com/office/drawing/2014/main" id="{1C563B34-DD53-4FB1-B8C2-8914E01C6365}"/>
+                <a16:creationId xmlns:a16="http://schemas.microsoft.com/office/drawing/2014/main" id="{0EB175C0-E761-276B-394E-BDB5D28761CE}"/>
               </a:ext>
             </a:extLst>
           </p:cNvPr>
@@ -14996,185 +18480,36 @@
           </a:xfrm>
         </p:spPr>
         <p:txBody>
-          <a:bodyPr/>
+          <a:bodyPr vert="horz" wrap="square" lIns="0" tIns="0" rIns="0" bIns="0" rtlCol="0" anchor="ctr">
+            <a:normAutofit/>
+          </a:bodyPr>
           <a:lstStyle/>
           <a:p>
+            <a:pPr>
+              <a:spcAft>
+                <a:spcPts val="600"/>
+              </a:spcAft>
+            </a:pPr>
             <a:fld id="{DBA1B0FB-D917-4C8C-928F-313BD683BF39}" type="slidenum">
-              <a:rPr lang="en-US" smtClean="0"/>
-              <a:pPr/>
-              <a:t>5</a:t>
-            </a:fld>
-            <a:endParaRPr lang="en-US"/>
-          </a:p>
-        </p:txBody>
-      </p:sp>
-      <p:pic>
-        <p:nvPicPr>
-          <p:cNvPr id="9" name="Picture Placeholder 8" descr="Text, icon&#10;&#10;Description automatically generated with medium confidence">
-            <a:extLst>
-              <a:ext uri="{FF2B5EF4-FFF2-40B4-BE49-F238E27FC236}">
-                <a16:creationId xmlns:a16="http://schemas.microsoft.com/office/drawing/2014/main" id="{E5C434A8-7C7F-EA3D-6CAA-BB345C28481E}"/>
-              </a:ext>
-            </a:extLst>
-          </p:cNvPr>
-          <p:cNvPicPr>
-            <a:picLocks noGrp="1" noChangeAspect="1"/>
-          </p:cNvPicPr>
-          <p:nvPr>
-            <p:ph type="pic" sz="quarter" idx="13"/>
-          </p:nvPr>
-        </p:nvPicPr>
-        <p:blipFill>
-          <a:blip r:embed="rId2"/>
-          <a:srcRect/>
-          <a:stretch>
-            <a:fillRect/>
-          </a:stretch>
-        </p:blipFill>
-        <p:spPr>
-          <a:xfrm>
-            <a:off x="6198082" y="656632"/>
-            <a:ext cx="5132388" cy="5132388"/>
-          </a:xfrm>
-        </p:spPr>
-      </p:pic>
-      <p:sp>
-        <p:nvSpPr>
-          <p:cNvPr id="11" name="Content Placeholder 10">
-            <a:extLst>
-              <a:ext uri="{FF2B5EF4-FFF2-40B4-BE49-F238E27FC236}">
-                <a16:creationId xmlns:a16="http://schemas.microsoft.com/office/drawing/2014/main" id="{46275194-E37E-8B65-CC91-C3AB838C2E83}"/>
-              </a:ext>
-            </a:extLst>
-          </p:cNvPr>
-          <p:cNvSpPr>
-            <a:spLocks noGrp="1"/>
-          </p:cNvSpPr>
-          <p:nvPr>
-            <p:ph sz="quarter" idx="15"/>
-          </p:nvPr>
-        </p:nvSpPr>
-        <p:spPr>
-          <a:xfrm>
-            <a:off x="307909" y="1404485"/>
-            <a:ext cx="5355771" cy="5780087"/>
-          </a:xfrm>
-        </p:spPr>
-        <p:txBody>
-          <a:bodyPr/>
-          <a:lstStyle/>
-          <a:p>
-            <a:pPr marL="342900" indent="-342900" algn="just">
-              <a:buFont typeface="Arial" panose="020B0604020202020204" pitchFamily="34" charset="0"/>
-              <a:buChar char="•"/>
-            </a:pPr>
-            <a:r>
-              <a:rPr lang="en-US" sz="1600" dirty="0">
+              <a:rPr lang="en-US" smtClean="0">
                 <a:solidFill>
-                  <a:schemeClr val="tx1"/>
+                  <a:schemeClr val="tx1">
+                    <a:alpha val="80000"/>
+                  </a:schemeClr>
                 </a:solidFill>
               </a:rPr>
-              <a:t>The </a:t>
-            </a:r>
-            <a:r>
-              <a:rPr lang="en-US" sz="1600" b="1" dirty="0" err="1">
-                <a:solidFill>
-                  <a:schemeClr val="tx1"/>
-                </a:solidFill>
-              </a:rPr>
-              <a:t>HyperText</a:t>
-            </a:r>
-            <a:r>
-              <a:rPr lang="en-US" sz="1600" b="1" dirty="0">
-                <a:solidFill>
-                  <a:schemeClr val="tx1"/>
-                </a:solidFill>
-              </a:rPr>
-              <a:t> Markup Language</a:t>
-            </a:r>
-            <a:r>
-              <a:rPr lang="en-US" sz="1600" dirty="0">
-                <a:solidFill>
-                  <a:schemeClr val="tx1"/>
-                </a:solidFill>
-              </a:rPr>
-              <a:t> or </a:t>
-            </a:r>
-            <a:r>
-              <a:rPr lang="en-US" sz="1600" b="1" dirty="0">
-                <a:solidFill>
-                  <a:schemeClr val="tx1"/>
-                </a:solidFill>
-              </a:rPr>
-              <a:t>HTML</a:t>
-            </a:r>
-            <a:r>
-              <a:rPr lang="en-US" sz="1600" dirty="0">
-                <a:solidFill>
-                  <a:schemeClr val="tx1"/>
-                </a:solidFill>
-              </a:rPr>
-              <a:t> is the standard markup language for documents designed to be displayed in a web browser. It can be assisted by technologies such as Cascading Style Sheets (CSS) and scripting languages such as </a:t>
-            </a:r>
-            <a:r>
-              <a:rPr lang="en-US" sz="1600" dirty="0" err="1">
-                <a:solidFill>
-                  <a:schemeClr val="tx1"/>
-                </a:solidFill>
-              </a:rPr>
-              <a:t>Javascript</a:t>
-            </a:r>
-            <a:r>
-              <a:rPr lang="en-US" sz="1600" dirty="0">
-                <a:solidFill>
-                  <a:schemeClr val="tx1"/>
-                </a:solidFill>
-              </a:rPr>
-              <a:t>.</a:t>
-            </a:r>
-          </a:p>
-          <a:p>
-            <a:pPr marL="342900" indent="-342900" algn="just">
-              <a:buFont typeface="Arial" panose="020B0604020202020204" pitchFamily="34" charset="0"/>
-              <a:buChar char="•"/>
-            </a:pPr>
-            <a:r>
-              <a:rPr lang="en-US" sz="1600" dirty="0">
-                <a:solidFill>
-                  <a:schemeClr val="tx1"/>
-                </a:solidFill>
-              </a:rPr>
-              <a:t>Web browsers receive HTML documents from a web server or from local storage and render the documents into multimedia web pages. HTML describes the structure of a web page semantically and originally included cues for the appearance of the document.</a:t>
-            </a:r>
-          </a:p>
-          <a:p>
-            <a:pPr marL="342900" indent="-342900" algn="just">
-              <a:buFont typeface="Arial" panose="020B0604020202020204" pitchFamily="34" charset="0"/>
-              <a:buChar char="•"/>
-            </a:pPr>
-            <a:r>
-              <a:rPr lang="en-US" sz="1600" dirty="0">
-                <a:solidFill>
-                  <a:schemeClr val="tx1"/>
-                </a:solidFill>
-              </a:rPr>
-              <a:t>HTML elements are the building blocks of HTML pages. With HTML constructs, images and other objects such as interactive forms may be embedded into the rendered page. HTML provides a means to create structured documents by denoting structural semantics for text such as headings, paragraphs, lists, links, quotes and other items</a:t>
-            </a:r>
-            <a:endParaRPr lang="en-US" sz="1600" b="0" i="0" dirty="0">
+              <a:pPr>
+                <a:spcAft>
+                  <a:spcPts val="600"/>
+                </a:spcAft>
+              </a:pPr>
+              <a:t>7</a:t>
+            </a:fld>
+            <a:endParaRPr lang="en-US">
               <a:solidFill>
-                <a:schemeClr val="tx1"/>
-              </a:solidFill>
-              <a:effectLst/>
-              <a:latin typeface="Bahnschrift SemiBold SemiConden" panose="020B0502040204020203" pitchFamily="34" charset="0"/>
-              <a:ea typeface="Yu Gothic Medium" panose="020B0500000000000000" pitchFamily="34" charset="-128"/>
-              <a:cs typeface="Adobe Hebrew" panose="02040503050201020203" pitchFamily="18" charset="-79"/>
-            </a:endParaRPr>
-          </a:p>
-          <a:p>
-            <a:pPr algn="just"/>
-            <a:endParaRPr lang="en-IN" sz="1600" dirty="0">
-              <a:solidFill>
-                <a:schemeClr val="tx1"/>
+                <a:schemeClr val="tx1">
+                  <a:alpha val="80000"/>
+                </a:schemeClr>
               </a:solidFill>
             </a:endParaRPr>
           </a:p>
@@ -15183,773 +18518,280 @@
     </p:spTree>
     <p:extLst>
       <p:ext uri="{BB962C8B-B14F-4D97-AF65-F5344CB8AC3E}">
-        <p14:creationId xmlns:p14="http://schemas.microsoft.com/office/powerpoint/2010/main" val="395518310"/>
+        <p14:creationId xmlns:p14="http://schemas.microsoft.com/office/powerpoint/2010/main" val="2050604259"/>
       </p:ext>
     </p:extLst>
   </p:cSld>
   <p:clrMapOvr>
     <a:masterClrMapping/>
   </p:clrMapOvr>
-</p:sld>
-</file>
-
-<file path=ppt/slides/slide6.xml><?xml version="1.0" encoding="utf-8"?>
-<p:sld xmlns:a="http://schemas.openxmlformats.org/drawingml/2006/main" xmlns:r="http://schemas.openxmlformats.org/officeDocument/2006/relationships" xmlns:p="http://schemas.openxmlformats.org/presentationml/2006/main">
-  <p:cSld>
-    <p:spTree>
-      <p:nvGrpSpPr>
-        <p:cNvPr id="1" name=""/>
-        <p:cNvGrpSpPr/>
-        <p:nvPr/>
-      </p:nvGrpSpPr>
-      <p:grpSpPr>
-        <a:xfrm>
-          <a:off x="0" y="0"/>
-          <a:ext cx="0" cy="0"/>
-          <a:chOff x="0" y="0"/>
-          <a:chExt cx="0" cy="0"/>
-        </a:xfrm>
-      </p:grpSpPr>
-      <p:sp>
-        <p:nvSpPr>
-          <p:cNvPr id="7" name="Slide Number Placeholder 6">
-            <a:extLst>
-              <a:ext uri="{FF2B5EF4-FFF2-40B4-BE49-F238E27FC236}">
-                <a16:creationId xmlns:a16="http://schemas.microsoft.com/office/drawing/2014/main" id="{41ABB9E1-4734-6897-353E-F87E2EC64BD1}"/>
-              </a:ext>
-            </a:extLst>
-          </p:cNvPr>
-          <p:cNvSpPr>
-            <a:spLocks noGrp="1"/>
-          </p:cNvSpPr>
-          <p:nvPr>
-            <p:ph type="sldNum" sz="quarter" idx="12"/>
-          </p:nvPr>
-        </p:nvSpPr>
-        <p:spPr/>
-        <p:txBody>
-          <a:bodyPr/>
-          <a:lstStyle/>
-          <a:p>
-            <a:fld id="{DBA1B0FB-D917-4C8C-928F-313BD683BF39}" type="slidenum">
-              <a:rPr lang="en-US" smtClean="0"/>
-              <a:t>6</a:t>
-            </a:fld>
-            <a:endParaRPr lang="en-US"/>
-          </a:p>
-        </p:txBody>
-      </p:sp>
-      <p:sp>
-        <p:nvSpPr>
-          <p:cNvPr id="12" name="Picture Placeholder 3">
-            <a:extLst>
-              <a:ext uri="{FF2B5EF4-FFF2-40B4-BE49-F238E27FC236}">
-                <a16:creationId xmlns:a16="http://schemas.microsoft.com/office/drawing/2014/main" id="{10CB9D1D-0995-FBFC-0A08-EE27FF3B8447}"/>
-              </a:ext>
-            </a:extLst>
-          </p:cNvPr>
-          <p:cNvSpPr txBox="1">
-            <a:spLocks/>
-          </p:cNvSpPr>
-          <p:nvPr/>
-        </p:nvSpPr>
-        <p:spPr>
-          <a:xfrm>
-            <a:off x="8219677" y="2681648"/>
-            <a:ext cx="2290180" cy="2259650"/>
-          </a:xfrm>
-          <a:custGeom>
-            <a:avLst/>
-            <a:gdLst>
-              <a:gd name="connsiteX0" fmla="*/ 2566194 w 5132388"/>
-              <a:gd name="connsiteY0" fmla="*/ 0 h 5132388"/>
-              <a:gd name="connsiteX1" fmla="*/ 5132388 w 5132388"/>
-              <a:gd name="connsiteY1" fmla="*/ 2566194 h 5132388"/>
-              <a:gd name="connsiteX2" fmla="*/ 2566194 w 5132388"/>
-              <a:gd name="connsiteY2" fmla="*/ 5132388 h 5132388"/>
-              <a:gd name="connsiteX3" fmla="*/ 0 w 5132388"/>
-              <a:gd name="connsiteY3" fmla="*/ 2566194 h 5132388"/>
-              <a:gd name="connsiteX4" fmla="*/ 2566194 w 5132388"/>
-              <a:gd name="connsiteY4" fmla="*/ 0 h 5132388"/>
-            </a:gdLst>
-            <a:ahLst/>
-            <a:cxnLst>
-              <a:cxn ang="0">
-                <a:pos x="connsiteX0" y="connsiteY0"/>
-              </a:cxn>
-              <a:cxn ang="0">
-                <a:pos x="connsiteX1" y="connsiteY1"/>
-              </a:cxn>
-              <a:cxn ang="0">
-                <a:pos x="connsiteX2" y="connsiteY2"/>
-              </a:cxn>
-              <a:cxn ang="0">
-                <a:pos x="connsiteX3" y="connsiteY3"/>
-              </a:cxn>
-              <a:cxn ang="0">
-                <a:pos x="connsiteX4" y="connsiteY4"/>
-              </a:cxn>
-            </a:cxnLst>
-            <a:rect l="l" t="t" r="r" b="b"/>
-            <a:pathLst>
-              <a:path w="5132388" h="5132388">
-                <a:moveTo>
-                  <a:pt x="2566194" y="0"/>
-                </a:moveTo>
-                <a:cubicBezTo>
-                  <a:pt x="3983464" y="0"/>
-                  <a:pt x="5132388" y="1148924"/>
-                  <a:pt x="5132388" y="2566194"/>
-                </a:cubicBezTo>
-                <a:cubicBezTo>
-                  <a:pt x="5132388" y="3983464"/>
-                  <a:pt x="3983464" y="5132388"/>
-                  <a:pt x="2566194" y="5132388"/>
-                </a:cubicBezTo>
-                <a:cubicBezTo>
-                  <a:pt x="1148924" y="5132388"/>
-                  <a:pt x="0" y="3983464"/>
-                  <a:pt x="0" y="2566194"/>
-                </a:cubicBezTo>
-                <a:cubicBezTo>
-                  <a:pt x="0" y="1148924"/>
-                  <a:pt x="1148924" y="0"/>
-                  <a:pt x="2566194" y="0"/>
-                </a:cubicBezTo>
-                <a:close/>
-              </a:path>
-            </a:pathLst>
-          </a:custGeom>
-          <a:solidFill>
-            <a:schemeClr val="accent5"/>
-          </a:solidFill>
-        </p:spPr>
-        <p:txBody>
-          <a:bodyPr vert="horz" wrap="square" lIns="0" tIns="0" rIns="0" bIns="0" rtlCol="0">
-            <a:noAutofit/>
-          </a:bodyPr>
-          <a:lstStyle/>
-          <a:p>
-            <a:endParaRPr lang="en-IN" dirty="0"/>
-          </a:p>
-        </p:txBody>
-      </p:sp>
-      <p:sp>
-        <p:nvSpPr>
-          <p:cNvPr id="13" name="Picture Placeholder 3">
-            <a:extLst>
-              <a:ext uri="{FF2B5EF4-FFF2-40B4-BE49-F238E27FC236}">
-                <a16:creationId xmlns:a16="http://schemas.microsoft.com/office/drawing/2014/main" id="{30ABEF61-9605-264F-40F3-A278CB91E3E2}"/>
-              </a:ext>
-            </a:extLst>
-          </p:cNvPr>
-          <p:cNvSpPr txBox="1">
-            <a:spLocks/>
-          </p:cNvSpPr>
-          <p:nvPr/>
-        </p:nvSpPr>
-        <p:spPr>
-          <a:xfrm>
-            <a:off x="4950910" y="4283341"/>
-            <a:ext cx="2290180" cy="2259650"/>
-          </a:xfrm>
-          <a:custGeom>
-            <a:avLst/>
-            <a:gdLst>
-              <a:gd name="connsiteX0" fmla="*/ 2566194 w 5132388"/>
-              <a:gd name="connsiteY0" fmla="*/ 0 h 5132388"/>
-              <a:gd name="connsiteX1" fmla="*/ 5132388 w 5132388"/>
-              <a:gd name="connsiteY1" fmla="*/ 2566194 h 5132388"/>
-              <a:gd name="connsiteX2" fmla="*/ 2566194 w 5132388"/>
-              <a:gd name="connsiteY2" fmla="*/ 5132388 h 5132388"/>
-              <a:gd name="connsiteX3" fmla="*/ 0 w 5132388"/>
-              <a:gd name="connsiteY3" fmla="*/ 2566194 h 5132388"/>
-              <a:gd name="connsiteX4" fmla="*/ 2566194 w 5132388"/>
-              <a:gd name="connsiteY4" fmla="*/ 0 h 5132388"/>
-            </a:gdLst>
-            <a:ahLst/>
-            <a:cxnLst>
-              <a:cxn ang="0">
-                <a:pos x="connsiteX0" y="connsiteY0"/>
-              </a:cxn>
-              <a:cxn ang="0">
-                <a:pos x="connsiteX1" y="connsiteY1"/>
-              </a:cxn>
-              <a:cxn ang="0">
-                <a:pos x="connsiteX2" y="connsiteY2"/>
-              </a:cxn>
-              <a:cxn ang="0">
-                <a:pos x="connsiteX3" y="connsiteY3"/>
-              </a:cxn>
-              <a:cxn ang="0">
-                <a:pos x="connsiteX4" y="connsiteY4"/>
-              </a:cxn>
-            </a:cxnLst>
-            <a:rect l="l" t="t" r="r" b="b"/>
-            <a:pathLst>
-              <a:path w="5132388" h="5132388">
-                <a:moveTo>
-                  <a:pt x="2566194" y="0"/>
-                </a:moveTo>
-                <a:cubicBezTo>
-                  <a:pt x="3983464" y="0"/>
-                  <a:pt x="5132388" y="1148924"/>
-                  <a:pt x="5132388" y="2566194"/>
-                </a:cubicBezTo>
-                <a:cubicBezTo>
-                  <a:pt x="5132388" y="3983464"/>
-                  <a:pt x="3983464" y="5132388"/>
-                  <a:pt x="2566194" y="5132388"/>
-                </a:cubicBezTo>
-                <a:cubicBezTo>
-                  <a:pt x="1148924" y="5132388"/>
-                  <a:pt x="0" y="3983464"/>
-                  <a:pt x="0" y="2566194"/>
-                </a:cubicBezTo>
-                <a:cubicBezTo>
-                  <a:pt x="0" y="1148924"/>
-                  <a:pt x="1148924" y="0"/>
-                  <a:pt x="2566194" y="0"/>
-                </a:cubicBezTo>
-                <a:close/>
-              </a:path>
-            </a:pathLst>
-          </a:custGeom>
-          <a:solidFill>
-            <a:schemeClr val="accent5"/>
-          </a:solidFill>
-        </p:spPr>
-      </p:sp>
-      <p:sp>
-        <p:nvSpPr>
-          <p:cNvPr id="15" name="Picture Placeholder 3">
-            <a:extLst>
-              <a:ext uri="{FF2B5EF4-FFF2-40B4-BE49-F238E27FC236}">
-                <a16:creationId xmlns:a16="http://schemas.microsoft.com/office/drawing/2014/main" id="{DCADB934-B3E3-7CE4-45AD-9B7C7DB07B64}"/>
-              </a:ext>
-            </a:extLst>
-          </p:cNvPr>
-          <p:cNvSpPr txBox="1">
-            <a:spLocks/>
-          </p:cNvSpPr>
-          <p:nvPr/>
-        </p:nvSpPr>
-        <p:spPr>
-          <a:xfrm>
-            <a:off x="4950910" y="1551112"/>
-            <a:ext cx="2290180" cy="2259650"/>
-          </a:xfrm>
-          <a:custGeom>
-            <a:avLst/>
-            <a:gdLst>
-              <a:gd name="connsiteX0" fmla="*/ 2566194 w 5132388"/>
-              <a:gd name="connsiteY0" fmla="*/ 0 h 5132388"/>
-              <a:gd name="connsiteX1" fmla="*/ 5132388 w 5132388"/>
-              <a:gd name="connsiteY1" fmla="*/ 2566194 h 5132388"/>
-              <a:gd name="connsiteX2" fmla="*/ 2566194 w 5132388"/>
-              <a:gd name="connsiteY2" fmla="*/ 5132388 h 5132388"/>
-              <a:gd name="connsiteX3" fmla="*/ 0 w 5132388"/>
-              <a:gd name="connsiteY3" fmla="*/ 2566194 h 5132388"/>
-              <a:gd name="connsiteX4" fmla="*/ 2566194 w 5132388"/>
-              <a:gd name="connsiteY4" fmla="*/ 0 h 5132388"/>
-            </a:gdLst>
-            <a:ahLst/>
-            <a:cxnLst>
-              <a:cxn ang="0">
-                <a:pos x="connsiteX0" y="connsiteY0"/>
-              </a:cxn>
-              <a:cxn ang="0">
-                <a:pos x="connsiteX1" y="connsiteY1"/>
-              </a:cxn>
-              <a:cxn ang="0">
-                <a:pos x="connsiteX2" y="connsiteY2"/>
-              </a:cxn>
-              <a:cxn ang="0">
-                <a:pos x="connsiteX3" y="connsiteY3"/>
-              </a:cxn>
-              <a:cxn ang="0">
-                <a:pos x="connsiteX4" y="connsiteY4"/>
-              </a:cxn>
-            </a:cxnLst>
-            <a:rect l="l" t="t" r="r" b="b"/>
-            <a:pathLst>
-              <a:path w="5132388" h="5132388">
-                <a:moveTo>
-                  <a:pt x="2566194" y="0"/>
-                </a:moveTo>
-                <a:cubicBezTo>
-                  <a:pt x="3983464" y="0"/>
-                  <a:pt x="5132388" y="1148924"/>
-                  <a:pt x="5132388" y="2566194"/>
-                </a:cubicBezTo>
-                <a:cubicBezTo>
-                  <a:pt x="5132388" y="3983464"/>
-                  <a:pt x="3983464" y="5132388"/>
-                  <a:pt x="2566194" y="5132388"/>
-                </a:cubicBezTo>
-                <a:cubicBezTo>
-                  <a:pt x="1148924" y="5132388"/>
-                  <a:pt x="0" y="3983464"/>
-                  <a:pt x="0" y="2566194"/>
-                </a:cubicBezTo>
-                <a:cubicBezTo>
-                  <a:pt x="0" y="1148924"/>
-                  <a:pt x="1148924" y="0"/>
-                  <a:pt x="2566194" y="0"/>
-                </a:cubicBezTo>
-                <a:close/>
-              </a:path>
-            </a:pathLst>
-          </a:custGeom>
-          <a:solidFill>
-            <a:schemeClr val="accent5"/>
-          </a:solidFill>
-        </p:spPr>
-        <p:txBody>
-          <a:bodyPr vert="horz" wrap="square" lIns="0" tIns="0" rIns="0" bIns="0" rtlCol="0">
-            <a:noAutofit/>
-          </a:bodyPr>
-          <a:lstStyle/>
-          <a:p>
-            <a:endParaRPr lang="en-US" dirty="0"/>
-          </a:p>
-          <a:p>
-            <a:endParaRPr lang="en-US" dirty="0"/>
-          </a:p>
-          <a:p>
-            <a:endParaRPr lang="en-US" dirty="0"/>
-          </a:p>
-          <a:p>
-            <a:endParaRPr lang="en-US" dirty="0"/>
-          </a:p>
-          <a:p>
-            <a:pPr algn="ctr"/>
-            <a:r>
-              <a:rPr lang="en-US" dirty="0"/>
-              <a:t>HTML ELEMENTS</a:t>
-            </a:r>
-            <a:endParaRPr lang="en-IN" dirty="0"/>
-          </a:p>
-        </p:txBody>
-      </p:sp>
-      <p:sp>
-        <p:nvSpPr>
-          <p:cNvPr id="31" name="Picture Placeholder 3">
-            <a:extLst>
-              <a:ext uri="{FF2B5EF4-FFF2-40B4-BE49-F238E27FC236}">
-                <a16:creationId xmlns:a16="http://schemas.microsoft.com/office/drawing/2014/main" id="{A87B84E8-76F5-E6B5-E726-01F527DC6900}"/>
-              </a:ext>
-            </a:extLst>
-          </p:cNvPr>
-          <p:cNvSpPr txBox="1">
-            <a:spLocks/>
-          </p:cNvSpPr>
-          <p:nvPr/>
-        </p:nvSpPr>
-        <p:spPr>
-          <a:xfrm>
-            <a:off x="1598311" y="2681648"/>
-            <a:ext cx="2290180" cy="2259650"/>
-          </a:xfrm>
-          <a:custGeom>
-            <a:avLst/>
-            <a:gdLst>
-              <a:gd name="connsiteX0" fmla="*/ 2566194 w 5132388"/>
-              <a:gd name="connsiteY0" fmla="*/ 0 h 5132388"/>
-              <a:gd name="connsiteX1" fmla="*/ 5132388 w 5132388"/>
-              <a:gd name="connsiteY1" fmla="*/ 2566194 h 5132388"/>
-              <a:gd name="connsiteX2" fmla="*/ 2566194 w 5132388"/>
-              <a:gd name="connsiteY2" fmla="*/ 5132388 h 5132388"/>
-              <a:gd name="connsiteX3" fmla="*/ 0 w 5132388"/>
-              <a:gd name="connsiteY3" fmla="*/ 2566194 h 5132388"/>
-              <a:gd name="connsiteX4" fmla="*/ 2566194 w 5132388"/>
-              <a:gd name="connsiteY4" fmla="*/ 0 h 5132388"/>
-            </a:gdLst>
-            <a:ahLst/>
-            <a:cxnLst>
-              <a:cxn ang="0">
-                <a:pos x="connsiteX0" y="connsiteY0"/>
-              </a:cxn>
-              <a:cxn ang="0">
-                <a:pos x="connsiteX1" y="connsiteY1"/>
-              </a:cxn>
-              <a:cxn ang="0">
-                <a:pos x="connsiteX2" y="connsiteY2"/>
-              </a:cxn>
-              <a:cxn ang="0">
-                <a:pos x="connsiteX3" y="connsiteY3"/>
-              </a:cxn>
-              <a:cxn ang="0">
-                <a:pos x="connsiteX4" y="connsiteY4"/>
-              </a:cxn>
-            </a:cxnLst>
-            <a:rect l="l" t="t" r="r" b="b"/>
-            <a:pathLst>
-              <a:path w="5132388" h="5132388">
-                <a:moveTo>
-                  <a:pt x="2566194" y="0"/>
-                </a:moveTo>
-                <a:cubicBezTo>
-                  <a:pt x="3983464" y="0"/>
-                  <a:pt x="5132388" y="1148924"/>
-                  <a:pt x="5132388" y="2566194"/>
-                </a:cubicBezTo>
-                <a:cubicBezTo>
-                  <a:pt x="5132388" y="3983464"/>
-                  <a:pt x="3983464" y="5132388"/>
-                  <a:pt x="2566194" y="5132388"/>
-                </a:cubicBezTo>
-                <a:cubicBezTo>
-                  <a:pt x="1148924" y="5132388"/>
-                  <a:pt x="0" y="3983464"/>
-                  <a:pt x="0" y="2566194"/>
-                </a:cubicBezTo>
-                <a:cubicBezTo>
-                  <a:pt x="0" y="1148924"/>
-                  <a:pt x="1148924" y="0"/>
-                  <a:pt x="2566194" y="0"/>
-                </a:cubicBezTo>
-                <a:close/>
-              </a:path>
-            </a:pathLst>
-          </a:custGeom>
-          <a:solidFill>
-            <a:schemeClr val="accent5"/>
-          </a:solidFill>
-        </p:spPr>
-        <p:txBody>
-          <a:bodyPr vert="horz" wrap="square" lIns="0" tIns="0" rIns="0" bIns="0" rtlCol="0">
-            <a:noAutofit/>
-          </a:bodyPr>
-          <a:lstStyle/>
-          <a:p>
-            <a:endParaRPr lang="en-IN" dirty="0"/>
-          </a:p>
-        </p:txBody>
-      </p:sp>
-      <p:sp>
-        <p:nvSpPr>
-          <p:cNvPr id="32" name="TextBox 31">
-            <a:extLst>
-              <a:ext uri="{FF2B5EF4-FFF2-40B4-BE49-F238E27FC236}">
-                <a16:creationId xmlns:a16="http://schemas.microsoft.com/office/drawing/2014/main" id="{16ACC216-10F2-0810-FE62-6D711E2875D1}"/>
-              </a:ext>
-            </a:extLst>
-          </p:cNvPr>
-          <p:cNvSpPr txBox="1"/>
-          <p:nvPr/>
-        </p:nvSpPr>
-        <p:spPr>
-          <a:xfrm>
-            <a:off x="1514478" y="3626807"/>
-            <a:ext cx="2260362" cy="369332"/>
-          </a:xfrm>
-          <a:prstGeom prst="rect">
-            <a:avLst/>
-          </a:prstGeom>
-          <a:noFill/>
-        </p:spPr>
-        <p:txBody>
-          <a:bodyPr wrap="square" rtlCol="0">
-            <a:spAutoFit/>
-          </a:bodyPr>
-          <a:lstStyle/>
-          <a:p>
-            <a:pPr algn="ctr"/>
-            <a:r>
-              <a:rPr lang="en-US" dirty="0"/>
-              <a:t>HTML ATTRIBUTES</a:t>
-            </a:r>
-            <a:endParaRPr lang="en-IN" dirty="0"/>
-          </a:p>
-        </p:txBody>
-      </p:sp>
-      <p:sp>
-        <p:nvSpPr>
-          <p:cNvPr id="35" name="TextBox 34">
-            <a:extLst>
-              <a:ext uri="{FF2B5EF4-FFF2-40B4-BE49-F238E27FC236}">
-                <a16:creationId xmlns:a16="http://schemas.microsoft.com/office/drawing/2014/main" id="{AD810722-6502-B0B0-A91E-530F575D73DF}"/>
-              </a:ext>
-            </a:extLst>
-          </p:cNvPr>
-          <p:cNvSpPr txBox="1"/>
-          <p:nvPr/>
-        </p:nvSpPr>
-        <p:spPr>
-          <a:xfrm>
-            <a:off x="8333328" y="3626807"/>
-            <a:ext cx="2260361" cy="369332"/>
-          </a:xfrm>
-          <a:prstGeom prst="rect">
-            <a:avLst/>
-          </a:prstGeom>
-          <a:noFill/>
-        </p:spPr>
-        <p:txBody>
-          <a:bodyPr wrap="square" rtlCol="0">
-            <a:spAutoFit/>
-          </a:bodyPr>
-          <a:lstStyle/>
-          <a:p>
-            <a:pPr algn="ctr"/>
-            <a:r>
-              <a:rPr lang="en-US" dirty="0"/>
-              <a:t>HTML DOCUMENTS</a:t>
-            </a:r>
-            <a:endParaRPr lang="en-IN" dirty="0"/>
-          </a:p>
-        </p:txBody>
-      </p:sp>
-      <p:sp>
-        <p:nvSpPr>
-          <p:cNvPr id="36" name="TextBox 35">
-            <a:extLst>
-              <a:ext uri="{FF2B5EF4-FFF2-40B4-BE49-F238E27FC236}">
-                <a16:creationId xmlns:a16="http://schemas.microsoft.com/office/drawing/2014/main" id="{105AEACB-8AFA-A08C-5BE9-F111B6C2E7DC}"/>
-              </a:ext>
-            </a:extLst>
-          </p:cNvPr>
-          <p:cNvSpPr txBox="1"/>
-          <p:nvPr/>
-        </p:nvSpPr>
-        <p:spPr>
-          <a:xfrm>
-            <a:off x="4950910" y="5228500"/>
-            <a:ext cx="2290180" cy="369332"/>
-          </a:xfrm>
-          <a:prstGeom prst="rect">
-            <a:avLst/>
-          </a:prstGeom>
-          <a:noFill/>
-        </p:spPr>
-        <p:txBody>
-          <a:bodyPr wrap="square" rtlCol="0">
-            <a:spAutoFit/>
-          </a:bodyPr>
-          <a:lstStyle/>
-          <a:p>
-            <a:pPr algn="ctr"/>
-            <a:r>
-              <a:rPr lang="en-US" dirty="0"/>
-              <a:t>HTML HEADING</a:t>
-            </a:r>
-            <a:endParaRPr lang="en-IN" dirty="0"/>
-          </a:p>
-        </p:txBody>
-      </p:sp>
-      <p:sp>
-        <p:nvSpPr>
-          <p:cNvPr id="38" name="TextBox 37">
-            <a:extLst>
-              <a:ext uri="{FF2B5EF4-FFF2-40B4-BE49-F238E27FC236}">
-                <a16:creationId xmlns:a16="http://schemas.microsoft.com/office/drawing/2014/main" id="{B7918EED-48B9-F939-AC85-BB7EB2D44F8F}"/>
-              </a:ext>
-            </a:extLst>
-          </p:cNvPr>
-          <p:cNvSpPr txBox="1"/>
-          <p:nvPr/>
-        </p:nvSpPr>
-        <p:spPr>
-          <a:xfrm>
-            <a:off x="2036329" y="156625"/>
-            <a:ext cx="8100680" cy="923330"/>
-          </a:xfrm>
-          <a:prstGeom prst="rect">
-            <a:avLst/>
-          </a:prstGeom>
-          <a:noFill/>
-        </p:spPr>
-        <p:txBody>
-          <a:bodyPr wrap="none" rtlCol="0">
-            <a:spAutoFit/>
-          </a:bodyPr>
-          <a:lstStyle/>
-          <a:p>
-            <a:pPr algn="ctr"/>
-            <a:r>
-              <a:rPr lang="en-US" sz="5400" b="1" dirty="0"/>
-              <a:t>SOME TERMS IN HTML</a:t>
-            </a:r>
-            <a:endParaRPr lang="en-IN" sz="5400" b="1" dirty="0"/>
-          </a:p>
-        </p:txBody>
-      </p:sp>
-    </p:spTree>
-    <p:extLst>
-      <p:ext uri="{BB962C8B-B14F-4D97-AF65-F5344CB8AC3E}">
-        <p14:creationId xmlns:p14="http://schemas.microsoft.com/office/powerpoint/2010/main" val="2064417718"/>
-      </p:ext>
-    </p:extLst>
-  </p:cSld>
-  <p:clrMapOvr>
-    <a:masterClrMapping/>
-  </p:clrMapOvr>
-</p:sld>
-</file>
-
-<file path=ppt/slides/slide7.xml><?xml version="1.0" encoding="utf-8"?>
-<p:sld xmlns:a="http://schemas.openxmlformats.org/drawingml/2006/main" xmlns:r="http://schemas.openxmlformats.org/officeDocument/2006/relationships" xmlns:p="http://schemas.openxmlformats.org/presentationml/2006/main">
-  <p:cSld>
-    <p:spTree>
-      <p:nvGrpSpPr>
-        <p:cNvPr id="1" name=""/>
-        <p:cNvGrpSpPr/>
-        <p:nvPr/>
-      </p:nvGrpSpPr>
-      <p:grpSpPr>
-        <a:xfrm>
-          <a:off x="0" y="0"/>
-          <a:ext cx="0" cy="0"/>
-          <a:chOff x="0" y="0"/>
-          <a:chExt cx="0" cy="0"/>
-        </a:xfrm>
-      </p:grpSpPr>
-      <p:sp>
-        <p:nvSpPr>
-          <p:cNvPr id="11" name="Title 10">
-            <a:extLst>
-              <a:ext uri="{FF2B5EF4-FFF2-40B4-BE49-F238E27FC236}">
-                <a16:creationId xmlns:a16="http://schemas.microsoft.com/office/drawing/2014/main" id="{581E8936-2270-47FE-94A4-398CB123EF90}"/>
-              </a:ext>
-            </a:extLst>
-          </p:cNvPr>
-          <p:cNvSpPr>
-            <a:spLocks noGrp="1"/>
-          </p:cNvSpPr>
-          <p:nvPr>
-            <p:ph type="title"/>
-          </p:nvPr>
-        </p:nvSpPr>
-        <p:spPr>
-          <a:xfrm>
-            <a:off x="550863" y="4508500"/>
-            <a:ext cx="4500562" cy="1562959"/>
-          </a:xfrm>
-        </p:spPr>
-        <p:txBody>
-          <a:bodyPr/>
-          <a:lstStyle/>
-          <a:p>
-            <a:pPr algn="ctr"/>
-            <a:r>
-              <a:rPr lang="en-US" dirty="0"/>
-              <a:t>PROJECT</a:t>
-            </a:r>
-          </a:p>
-        </p:txBody>
-      </p:sp>
-      <p:sp>
-        <p:nvSpPr>
-          <p:cNvPr id="13" name="Content Placeholder 12">
-            <a:extLst>
-              <a:ext uri="{FF2B5EF4-FFF2-40B4-BE49-F238E27FC236}">
-                <a16:creationId xmlns:a16="http://schemas.microsoft.com/office/drawing/2014/main" id="{C0287FEC-3826-4868-8D93-52429C6156F5}"/>
-              </a:ext>
-            </a:extLst>
-          </p:cNvPr>
-          <p:cNvSpPr>
-            <a:spLocks noGrp="1"/>
-          </p:cNvSpPr>
-          <p:nvPr>
-            <p:ph sz="quarter" idx="15"/>
-          </p:nvPr>
-        </p:nvSpPr>
-        <p:spPr>
-          <a:xfrm>
-            <a:off x="5262411" y="4508500"/>
-            <a:ext cx="6221412" cy="1563688"/>
-          </a:xfrm>
-        </p:spPr>
-        <p:txBody>
-          <a:bodyPr>
-            <a:normAutofit/>
-          </a:bodyPr>
-          <a:lstStyle/>
-          <a:p>
-            <a:r>
-              <a:rPr lang="en-US" dirty="0"/>
-              <a:t>This is a trial project to show what I am learn till now from this web development course. I will further improve this project with the progress in my web development course.</a:t>
-            </a:r>
-          </a:p>
-          <a:p>
-            <a:endParaRPr lang="en-US" dirty="0"/>
-          </a:p>
-        </p:txBody>
-      </p:sp>
-      <p:sp>
-        <p:nvSpPr>
-          <p:cNvPr id="6" name="Slide Number Placeholder 5">
-            <a:extLst>
-              <a:ext uri="{FF2B5EF4-FFF2-40B4-BE49-F238E27FC236}">
-                <a16:creationId xmlns:a16="http://schemas.microsoft.com/office/drawing/2014/main" id="{9ED907F8-C614-4D59-A03F-BF9CD5E35703}"/>
-              </a:ext>
-            </a:extLst>
-          </p:cNvPr>
-          <p:cNvSpPr>
-            <a:spLocks noGrp="1"/>
-          </p:cNvSpPr>
-          <p:nvPr>
-            <p:ph type="sldNum" sz="quarter" idx="12"/>
-          </p:nvPr>
-        </p:nvSpPr>
-        <p:spPr>
-          <a:xfrm>
-            <a:off x="9948863" y="6507212"/>
-            <a:ext cx="1692274" cy="153888"/>
-          </a:xfrm>
-        </p:spPr>
-        <p:txBody>
-          <a:bodyPr/>
-          <a:lstStyle/>
-          <a:p>
-            <a:fld id="{DBA1B0FB-D917-4C8C-928F-313BD683BF39}" type="slidenum">
-              <a:rPr lang="en-US" smtClean="0"/>
-              <a:pPr/>
-              <a:t>7</a:t>
-            </a:fld>
-            <a:endParaRPr lang="en-US"/>
-          </a:p>
-        </p:txBody>
-      </p:sp>
-      <p:pic>
-        <p:nvPicPr>
-          <p:cNvPr id="5" name="Picture Placeholder 4">
-            <a:extLst>
-              <a:ext uri="{FF2B5EF4-FFF2-40B4-BE49-F238E27FC236}">
-                <a16:creationId xmlns:a16="http://schemas.microsoft.com/office/drawing/2014/main" id="{D6816CF2-4483-990D-5911-B5D289F136F7}"/>
-              </a:ext>
-            </a:extLst>
-          </p:cNvPr>
-          <p:cNvPicPr>
-            <a:picLocks noGrp="1" noChangeAspect="1"/>
-          </p:cNvPicPr>
-          <p:nvPr>
-            <p:ph type="pic" sz="quarter" idx="13"/>
-          </p:nvPr>
-        </p:nvPicPr>
-        <p:blipFill rotWithShape="1">
-          <a:blip r:embed="rId3"/>
-          <a:srcRect t="-1249" b="18874"/>
-          <a:stretch/>
-        </p:blipFill>
-        <p:spPr>
-          <a:xfrm>
-            <a:off x="0" y="0"/>
-            <a:ext cx="12192000" cy="3776472"/>
-          </a:xfrm>
-        </p:spPr>
-      </p:pic>
-    </p:spTree>
-    <p:extLst>
-      <p:ext uri="{BB962C8B-B14F-4D97-AF65-F5344CB8AC3E}">
-        <p14:creationId xmlns:p14="http://schemas.microsoft.com/office/powerpoint/2010/main" val="3521561301"/>
-      </p:ext>
-    </p:extLst>
-  </p:cSld>
-  <p:clrMapOvr>
-    <a:masterClrMapping/>
-  </p:clrMapOvr>
+  <p:timing>
+    <p:tnLst>
+      <p:par>
+        <p:cTn id="1" dur="indefinite" restart="never" nodeType="tmRoot">
+          <p:childTnLst>
+            <p:seq concurrent="1" nextAc="seek">
+              <p:cTn id="2" dur="indefinite" nodeType="mainSeq">
+                <p:childTnLst>
+                  <p:par>
+                    <p:cTn id="3" fill="hold">
+                      <p:stCondLst>
+                        <p:cond delay="indefinite"/>
+                        <p:cond evt="onBegin" delay="0">
+                          <p:tn val="2"/>
+                        </p:cond>
+                      </p:stCondLst>
+                      <p:childTnLst>
+                        <p:par>
+                          <p:cTn id="4" fill="hold">
+                            <p:stCondLst>
+                              <p:cond delay="0"/>
+                            </p:stCondLst>
+                            <p:childTnLst>
+                              <p:par>
+                                <p:cTn id="5" presetID="10" presetClass="entr" presetSubtype="0" fill="hold" grpId="0" nodeType="withEffect">
+                                  <p:stCondLst>
+                                    <p:cond delay="2000"/>
+                                  </p:stCondLst>
+                                  <p:iterate type="lt">
+                                    <p:tmPct val="10000"/>
+                                  </p:iterate>
+                                  <p:childTnLst>
+                                    <p:set>
+                                      <p:cBhvr>
+                                        <p:cTn id="6" dur="1" fill="hold">
+                                          <p:stCondLst>
+                                            <p:cond delay="0"/>
+                                          </p:stCondLst>
+                                        </p:cTn>
+                                        <p:tgtEl>
+                                          <p:spTgt spid="3">
+                                            <p:txEl>
+                                              <p:pRg st="0" end="0"/>
+                                            </p:txEl>
+                                          </p:spTgt>
+                                        </p:tgtEl>
+                                        <p:attrNameLst>
+                                          <p:attrName>style.visibility</p:attrName>
+                                        </p:attrNameLst>
+                                      </p:cBhvr>
+                                      <p:to>
+                                        <p:strVal val="visible"/>
+                                      </p:to>
+                                    </p:set>
+                                    <p:animEffect transition="in" filter="fade">
+                                      <p:cBhvr>
+                                        <p:cTn id="7" dur="400"/>
+                                        <p:tgtEl>
+                                          <p:spTgt spid="3">
+                                            <p:txEl>
+                                              <p:pRg st="0" end="0"/>
+                                            </p:txEl>
+                                          </p:spTgt>
+                                        </p:tgtEl>
+                                      </p:cBhvr>
+                                    </p:animEffect>
+                                  </p:childTnLst>
+                                </p:cTn>
+                              </p:par>
+                              <p:par>
+                                <p:cTn id="8" presetID="10" presetClass="entr" presetSubtype="0" fill="hold" grpId="0" nodeType="withEffect">
+                                  <p:stCondLst>
+                                    <p:cond delay="1000"/>
+                                  </p:stCondLst>
+                                  <p:iterate type="lt">
+                                    <p:tmPct val="10000"/>
+                                  </p:iterate>
+                                  <p:childTnLst>
+                                    <p:set>
+                                      <p:cBhvr>
+                                        <p:cTn id="9" dur="1" fill="hold">
+                                          <p:stCondLst>
+                                            <p:cond delay="0"/>
+                                          </p:stCondLst>
+                                        </p:cTn>
+                                        <p:tgtEl>
+                                          <p:spTgt spid="2"/>
+                                        </p:tgtEl>
+                                        <p:attrNameLst>
+                                          <p:attrName>style.visibility</p:attrName>
+                                        </p:attrNameLst>
+                                      </p:cBhvr>
+                                      <p:to>
+                                        <p:strVal val="visible"/>
+                                      </p:to>
+                                    </p:set>
+                                    <p:animEffect transition="in" filter="fade">
+                                      <p:cBhvr>
+                                        <p:cTn id="10" dur="400"/>
+                                        <p:tgtEl>
+                                          <p:spTgt spid="2"/>
+                                        </p:tgtEl>
+                                      </p:cBhvr>
+                                    </p:animEffect>
+                                  </p:childTnLst>
+                                </p:cTn>
+                              </p:par>
+                            </p:childTnLst>
+                          </p:cTn>
+                        </p:par>
+                      </p:childTnLst>
+                    </p:cTn>
+                  </p:par>
+                  <p:par>
+                    <p:cTn id="11" fill="hold">
+                      <p:stCondLst>
+                        <p:cond delay="indefinite"/>
+                      </p:stCondLst>
+                      <p:childTnLst>
+                        <p:par>
+                          <p:cTn id="12" fill="hold">
+                            <p:stCondLst>
+                              <p:cond delay="0"/>
+                            </p:stCondLst>
+                            <p:childTnLst>
+                              <p:par>
+                                <p:cTn id="13" presetID="10" presetClass="entr" presetSubtype="0" fill="hold" grpId="0" nodeType="clickEffect">
+                                  <p:stCondLst>
+                                    <p:cond delay="2000"/>
+                                  </p:stCondLst>
+                                  <p:iterate type="lt">
+                                    <p:tmPct val="10000"/>
+                                  </p:iterate>
+                                  <p:childTnLst>
+                                    <p:set>
+                                      <p:cBhvr>
+                                        <p:cTn id="14" dur="1" fill="hold">
+                                          <p:stCondLst>
+                                            <p:cond delay="0"/>
+                                          </p:stCondLst>
+                                        </p:cTn>
+                                        <p:tgtEl>
+                                          <p:spTgt spid="3">
+                                            <p:txEl>
+                                              <p:pRg st="1" end="1"/>
+                                            </p:txEl>
+                                          </p:spTgt>
+                                        </p:tgtEl>
+                                        <p:attrNameLst>
+                                          <p:attrName>style.visibility</p:attrName>
+                                        </p:attrNameLst>
+                                      </p:cBhvr>
+                                      <p:to>
+                                        <p:strVal val="visible"/>
+                                      </p:to>
+                                    </p:set>
+                                    <p:animEffect transition="in" filter="fade">
+                                      <p:cBhvr>
+                                        <p:cTn id="15" dur="400"/>
+                                        <p:tgtEl>
+                                          <p:spTgt spid="3">
+                                            <p:txEl>
+                                              <p:pRg st="1" end="1"/>
+                                            </p:txEl>
+                                          </p:spTgt>
+                                        </p:tgtEl>
+                                      </p:cBhvr>
+                                    </p:animEffect>
+                                  </p:childTnLst>
+                                </p:cTn>
+                              </p:par>
+                            </p:childTnLst>
+                          </p:cTn>
+                        </p:par>
+                      </p:childTnLst>
+                    </p:cTn>
+                  </p:par>
+                  <p:par>
+                    <p:cTn id="16" fill="hold">
+                      <p:stCondLst>
+                        <p:cond delay="indefinite"/>
+                      </p:stCondLst>
+                      <p:childTnLst>
+                        <p:par>
+                          <p:cTn id="17" fill="hold">
+                            <p:stCondLst>
+                              <p:cond delay="0"/>
+                            </p:stCondLst>
+                            <p:childTnLst>
+                              <p:par>
+                                <p:cTn id="18" presetID="10" presetClass="entr" presetSubtype="0" fill="hold" grpId="0" nodeType="clickEffect">
+                                  <p:stCondLst>
+                                    <p:cond delay="2000"/>
+                                  </p:stCondLst>
+                                  <p:iterate type="lt">
+                                    <p:tmPct val="10000"/>
+                                  </p:iterate>
+                                  <p:childTnLst>
+                                    <p:set>
+                                      <p:cBhvr>
+                                        <p:cTn id="19" dur="1" fill="hold">
+                                          <p:stCondLst>
+                                            <p:cond delay="0"/>
+                                          </p:stCondLst>
+                                        </p:cTn>
+                                        <p:tgtEl>
+                                          <p:spTgt spid="3">
+                                            <p:txEl>
+                                              <p:pRg st="2" end="2"/>
+                                            </p:txEl>
+                                          </p:spTgt>
+                                        </p:tgtEl>
+                                        <p:attrNameLst>
+                                          <p:attrName>style.visibility</p:attrName>
+                                        </p:attrNameLst>
+                                      </p:cBhvr>
+                                      <p:to>
+                                        <p:strVal val="visible"/>
+                                      </p:to>
+                                    </p:set>
+                                    <p:animEffect transition="in" filter="fade">
+                                      <p:cBhvr>
+                                        <p:cTn id="20" dur="400"/>
+                                        <p:tgtEl>
+                                          <p:spTgt spid="3">
+                                            <p:txEl>
+                                              <p:pRg st="2" end="2"/>
+                                            </p:txEl>
+                                          </p:spTgt>
+                                        </p:tgtEl>
+                                      </p:cBhvr>
+                                    </p:animEffect>
+                                  </p:childTnLst>
+                                </p:cTn>
+                              </p:par>
+                            </p:childTnLst>
+                          </p:cTn>
+                        </p:par>
+                      </p:childTnLst>
+                    </p:cTn>
+                  </p:par>
+                </p:childTnLst>
+              </p:cTn>
+              <p:prevCondLst>
+                <p:cond evt="onPrev" delay="0">
+                  <p:tgtEl>
+                    <p:sldTgt/>
+                  </p:tgtEl>
+                </p:cond>
+              </p:prevCondLst>
+              <p:nextCondLst>
+                <p:cond evt="onNext" delay="0">
+                  <p:tgtEl>
+                    <p:sldTgt/>
+                  </p:tgtEl>
+                </p:cond>
+              </p:nextCondLst>
+            </p:seq>
+          </p:childTnLst>
+        </p:cTn>
+      </p:par>
+    </p:tnLst>
+    <p:bldLst>
+      <p:bldP spid="2" grpId="0"/>
+      <p:bldP spid="3" grpId="0" build="p"/>
+    </p:bldLst>
+  </p:timing>
 </p:sld>
 </file>
 
@@ -16971,25 +19813,6 @@
 </file>
 
 <file path=customXml/item1.xml><?xml version="1.0" encoding="utf-8"?>
-<p:properties xmlns:p="http://schemas.microsoft.com/office/2006/metadata/properties" xmlns:xsi="http://www.w3.org/2001/XMLSchema-instance" xmlns:pc="http://schemas.microsoft.com/office/infopath/2007/PartnerControls">
-  <documentManagement>
-    <_ip_UnifiedCompliancePolicyUIAction xmlns="http://schemas.microsoft.com/sharepoint/v3" xsi:nil="true"/>
-    <Image xmlns="71af3243-3dd4-4a8d-8c0d-dd76da1f02a5">
-      <Url xsi:nil="true"/>
-      <Description xsi:nil="true"/>
-    </Image>
-    <Status xmlns="71af3243-3dd4-4a8d-8c0d-dd76da1f02a5">Not started</Status>
-    <_ip_UnifiedCompliancePolicyProperties xmlns="http://schemas.microsoft.com/sharepoint/v3" xsi:nil="true"/>
-    <lcf76f155ced4ddcb4097134ff3c332f xmlns="71af3243-3dd4-4a8d-8c0d-dd76da1f02a5">
-      <Terms xmlns="http://schemas.microsoft.com/office/infopath/2007/PartnerControls"/>
-    </lcf76f155ced4ddcb4097134ff3c332f>
-    <TaxCatchAll xmlns="230e9df3-be65-4c73-a93b-d1236ebd677e"/>
-    <MediaServiceKeyPoints xmlns="71af3243-3dd4-4a8d-8c0d-dd76da1f02a5" xsi:nil="true"/>
-  </documentManagement>
-</p:properties>
-</file>
-
-<file path=customXml/item2.xml><?xml version="1.0" encoding="utf-8"?>
 <ct:contentTypeSchema xmlns:ct="http://schemas.microsoft.com/office/2006/metadata/contentType" xmlns:ma="http://schemas.microsoft.com/office/2006/metadata/properties/metaAttributes" ct:_="" ma:_="" ma:contentTypeName="Document" ma:contentTypeID="0x01010079F111ED35F8CC479449609E8A0923A6" ma:contentTypeVersion="18" ma:contentTypeDescription="Create a new document." ma:contentTypeScope="" ma:versionID="22a266b9fa9a230c5a512669d8b298c3">
   <xsd:schema xmlns:xsd="http://www.w3.org/2001/XMLSchema" xmlns:xs="http://www.w3.org/2001/XMLSchema" xmlns:p="http://schemas.microsoft.com/office/2006/metadata/properties" xmlns:ns1="http://schemas.microsoft.com/sharepoint/v3" xmlns:ns2="71af3243-3dd4-4a8d-8c0d-dd76da1f02a5" xmlns:ns3="16c05727-aa75-4e4a-9b5f-8a80a1165891" xmlns:ns4="230e9df3-be65-4c73-a93b-d1236ebd677e" targetNamespace="http://schemas.microsoft.com/office/2006/metadata/properties" ma:root="true" ma:fieldsID="eddc33fff6b14141ee5c74a0d29ea6a1" ns1:_="" ns2:_="" ns3:_="" ns4:_="">
     <xsd:import namespace="http://schemas.microsoft.com/sharepoint/v3"/>
@@ -17265,6 +20088,25 @@
 </ct:contentTypeSchema>
 </file>
 
+<file path=customXml/item2.xml><?xml version="1.0" encoding="utf-8"?>
+<p:properties xmlns:p="http://schemas.microsoft.com/office/2006/metadata/properties" xmlns:xsi="http://www.w3.org/2001/XMLSchema-instance" xmlns:pc="http://schemas.microsoft.com/office/infopath/2007/PartnerControls">
+  <documentManagement>
+    <_ip_UnifiedCompliancePolicyUIAction xmlns="http://schemas.microsoft.com/sharepoint/v3" xsi:nil="true"/>
+    <Image xmlns="71af3243-3dd4-4a8d-8c0d-dd76da1f02a5">
+      <Url xsi:nil="true"/>
+      <Description xsi:nil="true"/>
+    </Image>
+    <Status xmlns="71af3243-3dd4-4a8d-8c0d-dd76da1f02a5">Not started</Status>
+    <_ip_UnifiedCompliancePolicyProperties xmlns="http://schemas.microsoft.com/sharepoint/v3" xsi:nil="true"/>
+    <lcf76f155ced4ddcb4097134ff3c332f xmlns="71af3243-3dd4-4a8d-8c0d-dd76da1f02a5">
+      <Terms xmlns="http://schemas.microsoft.com/office/infopath/2007/PartnerControls"/>
+    </lcf76f155ced4ddcb4097134ff3c332f>
+    <TaxCatchAll xmlns="230e9df3-be65-4c73-a93b-d1236ebd677e"/>
+    <MediaServiceKeyPoints xmlns="71af3243-3dd4-4a8d-8c0d-dd76da1f02a5" xsi:nil="true"/>
+  </documentManagement>
+</p:properties>
+</file>
+
 <file path=customXml/item3.xml><?xml version="1.0" encoding="utf-8"?>
 <?mso-contentType ?>
 <FormTemplates xmlns="http://schemas.microsoft.com/sharepoint/v3/contenttype/forms">
@@ -17275,18 +20117,6 @@
 </file>
 
 <file path=customXml/itemProps1.xml><?xml version="1.0" encoding="utf-8"?>
-<ds:datastoreItem xmlns:ds="http://schemas.openxmlformats.org/officeDocument/2006/customXml" ds:itemID="{50811A92-D464-4AC4-A396-BA73B10CEEAC}">
-  <ds:schemaRefs>
-    <ds:schemaRef ds:uri="http://schemas.microsoft.com/office/2006/metadata/properties"/>
-    <ds:schemaRef ds:uri="http://schemas.microsoft.com/office/infopath/2007/PartnerControls"/>
-    <ds:schemaRef ds:uri="http://schemas.microsoft.com/sharepoint/v3"/>
-    <ds:schemaRef ds:uri="71af3243-3dd4-4a8d-8c0d-dd76da1f02a5"/>
-    <ds:schemaRef ds:uri="230e9df3-be65-4c73-a93b-d1236ebd677e"/>
-  </ds:schemaRefs>
-</ds:datastoreItem>
-</file>
-
-<file path=customXml/itemProps2.xml><?xml version="1.0" encoding="utf-8"?>
 <ds:datastoreItem xmlns:ds="http://schemas.openxmlformats.org/officeDocument/2006/customXml" ds:itemID="{DE4876F9-7AE1-498D-B8FE-1E3AD703D2AF}">
   <ds:schemaRefs>
     <ds:schemaRef ds:uri="http://schemas.microsoft.com/office/2006/metadata/contentType"/>
@@ -17307,6 +20137,18 @@
 </ds:datastoreItem>
 </file>
 
+<file path=customXml/itemProps2.xml><?xml version="1.0" encoding="utf-8"?>
+<ds:datastoreItem xmlns:ds="http://schemas.openxmlformats.org/officeDocument/2006/customXml" ds:itemID="{50811A92-D464-4AC4-A396-BA73B10CEEAC}">
+  <ds:schemaRefs>
+    <ds:schemaRef ds:uri="http://schemas.microsoft.com/office/2006/metadata/properties"/>
+    <ds:schemaRef ds:uri="http://schemas.microsoft.com/office/infopath/2007/PartnerControls"/>
+    <ds:schemaRef ds:uri="http://schemas.microsoft.com/sharepoint/v3"/>
+    <ds:schemaRef ds:uri="71af3243-3dd4-4a8d-8c0d-dd76da1f02a5"/>
+    <ds:schemaRef ds:uri="230e9df3-be65-4c73-a93b-d1236ebd677e"/>
+  </ds:schemaRefs>
+</ds:datastoreItem>
+</file>
+
 <file path=customXml/itemProps3.xml><?xml version="1.0" encoding="utf-8"?>
 <ds:datastoreItem xmlns:ds="http://schemas.openxmlformats.org/officeDocument/2006/customXml" ds:itemID="{904751AB-E840-446F-8D49-E697067EC887}">
   <ds:schemaRefs>

--- a/Web Development.pptx
+++ b/Web Development.pptx
@@ -18114,7 +18114,7 @@
         </p:blipFill>
         <p:spPr>
           <a:xfrm>
-            <a:off x="20" y="1"/>
+            <a:off x="-2" y="0"/>
             <a:ext cx="12191980" cy="6858000"/>
           </a:xfrm>
           <a:custGeom>
@@ -18253,7 +18253,7 @@
               </a:lnSpc>
             </a:pPr>
             <a:r>
-              <a:rPr lang="en-US" kern="1200">
+              <a:rPr lang="en-US" kern="1200" dirty="0">
                 <a:solidFill>
                   <a:schemeClr val="tx1"/>
                 </a:solidFill>
@@ -18366,7 +18366,7 @@
         </p:spPr>
         <p:txBody>
           <a:bodyPr vert="horz" wrap="square" lIns="0" tIns="0" rIns="0" bIns="0" rtlCol="0">
-            <a:normAutofit/>
+            <a:normAutofit fontScale="92500" lnSpcReduction="20000"/>
           </a:bodyPr>
           <a:lstStyle/>
           <a:p>
@@ -18377,6 +18377,9 @@
             </a:pPr>
             <a:r>
               <a:rPr lang="en-US" sz="1700" kern="1200" dirty="0">
+                <a:solidFill>
+                  <a:srgbClr val="FFFFFF"/>
+                </a:solidFill>
                 <a:latin typeface="+mn-lt"/>
                 <a:ea typeface="+mn-ea"/>
                 <a:cs typeface="+mn-cs"/>
@@ -18384,11 +18387,18 @@
               <a:t>This is a basic </a:t>
             </a:r>
             <a:r>
-              <a:rPr lang="en-US" sz="1700" dirty="0"/>
+              <a:rPr lang="en-US" sz="1700" dirty="0">
+                <a:solidFill>
+                  <a:srgbClr val="FFFFFF"/>
+                </a:solidFill>
+              </a:rPr>
               <a:t>MOOC</a:t>
             </a:r>
             <a:r>
               <a:rPr lang="en-US" sz="1700" kern="1200" dirty="0">
+                <a:solidFill>
+                  <a:srgbClr val="FFFFFF"/>
+                </a:solidFill>
                 <a:latin typeface="+mn-lt"/>
                 <a:ea typeface="+mn-ea"/>
                 <a:cs typeface="+mn-cs"/>
@@ -18404,6 +18414,9 @@
             </a:pPr>
             <a:r>
               <a:rPr lang="en-US" sz="1700" kern="1200" dirty="0">
+                <a:solidFill>
+                  <a:srgbClr val="FFFFFF"/>
+                </a:solidFill>
                 <a:latin typeface="+mn-lt"/>
                 <a:ea typeface="+mn-ea"/>
                 <a:cs typeface="+mn-cs"/>
@@ -18412,6 +18425,9 @@
             </a:r>
             <a:r>
               <a:rPr lang="en-US" sz="1700" kern="1200" dirty="0" err="1">
+                <a:solidFill>
+                  <a:srgbClr val="FFFFFF"/>
+                </a:solidFill>
                 <a:latin typeface="+mn-lt"/>
                 <a:ea typeface="+mn-ea"/>
                 <a:cs typeface="+mn-cs"/>
@@ -18419,11 +18435,18 @@
               <a:t>Math.random</a:t>
             </a:r>
             <a:r>
-              <a:rPr lang="en-US" sz="1700" dirty="0"/>
+              <a:rPr lang="en-US" sz="1700" dirty="0">
+                <a:solidFill>
+                  <a:srgbClr val="FFFFFF"/>
+                </a:solidFill>
+              </a:rPr>
               <a:t>() libraries </a:t>
             </a:r>
             <a:r>
               <a:rPr lang="en-US" sz="1700" kern="1200" dirty="0">
+                <a:solidFill>
+                  <a:srgbClr val="FFFFFF"/>
+                </a:solidFill>
                 <a:latin typeface="+mn-lt"/>
                 <a:ea typeface="+mn-ea"/>
                 <a:cs typeface="+mn-cs"/>
@@ -18431,13 +18454,17 @@
               <a:t>for the algo of generating randomize characters</a:t>
             </a:r>
             <a:r>
-              <a:rPr lang="en-US" sz="1700" dirty="0"/>
+              <a:rPr lang="en-US" sz="1700" dirty="0">
+                <a:solidFill>
+                  <a:srgbClr val="FFFFFF"/>
+                </a:solidFill>
+              </a:rPr>
               <a:t>.</a:t>
             </a:r>
             <a:endParaRPr lang="en-US" sz="1700" kern="1200" dirty="0">
-              <a:latin typeface="+mn-lt"/>
-              <a:ea typeface="+mn-ea"/>
-              <a:cs typeface="+mn-cs"/>
+              <a:solidFill>
+                <a:srgbClr val="FFFFFF"/>
+              </a:solidFill>
             </a:endParaRPr>
           </a:p>
           <a:p>
@@ -18448,11 +18475,37 @@
             </a:pPr>
             <a:r>
               <a:rPr lang="en-US" sz="1700" kern="1200" dirty="0">
+                <a:solidFill>
+                  <a:srgbClr val="FFFFFF"/>
+                </a:solidFill>
                 <a:latin typeface="+mn-lt"/>
                 <a:ea typeface="+mn-ea"/>
                 <a:cs typeface="+mn-cs"/>
               </a:rPr>
               <a:t>And other CSS function to make it more interactive and functionable.</a:t>
+            </a:r>
+          </a:p>
+          <a:p>
+            <a:pPr marL="0" indent="0">
+              <a:lnSpc>
+                <a:spcPct val="90000"/>
+              </a:lnSpc>
+            </a:pPr>
+            <a:r>
+              <a:rPr lang="en-US" sz="1700" dirty="0" err="1">
+                <a:solidFill>
+                  <a:srgbClr val="FFFFFF"/>
+                </a:solidFill>
+              </a:rPr>
+              <a:t>Github</a:t>
+            </a:r>
+            <a:r>
+              <a:rPr lang="en-US" sz="1700" dirty="0">
+                <a:solidFill>
+                  <a:srgbClr val="FFFFFF"/>
+                </a:solidFill>
+              </a:rPr>
+              <a:t> link : https://github.com/devanshrautela/web-development</a:t>
             </a:r>
           </a:p>
         </p:txBody>
@@ -18752,6 +18805,70 @@
                                           <p:spTgt spid="3">
                                             <p:txEl>
                                               <p:pRg st="2" end="2"/>
+                                            </p:txEl>
+                                          </p:spTgt>
+                                        </p:tgtEl>
+                                      </p:cBhvr>
+                                    </p:animEffect>
+                                  </p:childTnLst>
+                                </p:cTn>
+                              </p:par>
+                            </p:childTnLst>
+                          </p:cTn>
+                        </p:par>
+                      </p:childTnLst>
+                    </p:cTn>
+                  </p:par>
+                  <p:par>
+                    <p:cTn id="21" fill="hold">
+                      <p:stCondLst>
+                        <p:cond delay="indefinite"/>
+                      </p:stCondLst>
+                      <p:childTnLst>
+                        <p:par>
+                          <p:cTn id="22" fill="hold">
+                            <p:stCondLst>
+                              <p:cond delay="0"/>
+                            </p:stCondLst>
+                            <p:childTnLst>
+                              <p:par>
+                                <p:cTn id="23" presetID="10" presetClass="entr" presetSubtype="0" fill="hold" grpId="0" nodeType="clickEffect">
+                                  <p:stCondLst>
+                                    <p:cond delay="2000"/>
+                                  </p:stCondLst>
+                                  <p:iterate type="lt">
+                                    <p:tmPct val="10000"/>
+                                  </p:iterate>
+                                  <p:childTnLst>
+                                    <p:set>
+                                      <p:cBhvr>
+                                        <p:cTn id="24" dur="1" fill="hold">
+                                          <p:stCondLst>
+                                            <p:cond delay="0"/>
+                                          </p:stCondLst>
+                                        </p:cTn>
+                                        <p:tgtEl>
+                                          <p:spTgt spid="3">
+                                            <p:txEl>
+                                              <p:pRg st="3" end="3"/>
+                                            </p:txEl>
+                                          </p:spTgt>
+                                        </p:tgtEl>
+                                        <p:attrNameLst>
+                                          <p:attrName>style.visibility</p:attrName>
+                                        </p:attrNameLst>
+                                      </p:cBhvr>
+                                      <p:to>
+                                        <p:strVal val="visible"/>
+                                      </p:to>
+                                    </p:set>
+                                    <p:animEffect transition="in" filter="fade">
+                                      <p:cBhvr>
+                                        <p:cTn id="25" dur="400"/>
+                                        <p:tgtEl>
+                                          <p:spTgt spid="3">
+                                            <p:txEl>
+                                              <p:pRg st="3" end="3"/>
                                             </p:txEl>
                                           </p:spTgt>
                                         </p:tgtEl>
@@ -19813,6 +19930,25 @@
 </file>
 
 <file path=customXml/item1.xml><?xml version="1.0" encoding="utf-8"?>
+<p:properties xmlns:p="http://schemas.microsoft.com/office/2006/metadata/properties" xmlns:xsi="http://www.w3.org/2001/XMLSchema-instance" xmlns:pc="http://schemas.microsoft.com/office/infopath/2007/PartnerControls">
+  <documentManagement>
+    <_ip_UnifiedCompliancePolicyUIAction xmlns="http://schemas.microsoft.com/sharepoint/v3" xsi:nil="true"/>
+    <Image xmlns="71af3243-3dd4-4a8d-8c0d-dd76da1f02a5">
+      <Url xsi:nil="true"/>
+      <Description xsi:nil="true"/>
+    </Image>
+    <Status xmlns="71af3243-3dd4-4a8d-8c0d-dd76da1f02a5">Not started</Status>
+    <_ip_UnifiedCompliancePolicyProperties xmlns="http://schemas.microsoft.com/sharepoint/v3" xsi:nil="true"/>
+    <lcf76f155ced4ddcb4097134ff3c332f xmlns="71af3243-3dd4-4a8d-8c0d-dd76da1f02a5">
+      <Terms xmlns="http://schemas.microsoft.com/office/infopath/2007/PartnerControls"/>
+    </lcf76f155ced4ddcb4097134ff3c332f>
+    <TaxCatchAll xmlns="230e9df3-be65-4c73-a93b-d1236ebd677e"/>
+    <MediaServiceKeyPoints xmlns="71af3243-3dd4-4a8d-8c0d-dd76da1f02a5" xsi:nil="true"/>
+  </documentManagement>
+</p:properties>
+</file>
+
+<file path=customXml/item2.xml><?xml version="1.0" encoding="utf-8"?>
 <ct:contentTypeSchema xmlns:ct="http://schemas.microsoft.com/office/2006/metadata/contentType" xmlns:ma="http://schemas.microsoft.com/office/2006/metadata/properties/metaAttributes" ct:_="" ma:_="" ma:contentTypeName="Document" ma:contentTypeID="0x01010079F111ED35F8CC479449609E8A0923A6" ma:contentTypeVersion="18" ma:contentTypeDescription="Create a new document." ma:contentTypeScope="" ma:versionID="22a266b9fa9a230c5a512669d8b298c3">
   <xsd:schema xmlns:xsd="http://www.w3.org/2001/XMLSchema" xmlns:xs="http://www.w3.org/2001/XMLSchema" xmlns:p="http://schemas.microsoft.com/office/2006/metadata/properties" xmlns:ns1="http://schemas.microsoft.com/sharepoint/v3" xmlns:ns2="71af3243-3dd4-4a8d-8c0d-dd76da1f02a5" xmlns:ns3="16c05727-aa75-4e4a-9b5f-8a80a1165891" xmlns:ns4="230e9df3-be65-4c73-a93b-d1236ebd677e" targetNamespace="http://schemas.microsoft.com/office/2006/metadata/properties" ma:root="true" ma:fieldsID="eddc33fff6b14141ee5c74a0d29ea6a1" ns1:_="" ns2:_="" ns3:_="" ns4:_="">
     <xsd:import namespace="http://schemas.microsoft.com/sharepoint/v3"/>
@@ -20088,25 +20224,6 @@
 </ct:contentTypeSchema>
 </file>
 
-<file path=customXml/item2.xml><?xml version="1.0" encoding="utf-8"?>
-<p:properties xmlns:p="http://schemas.microsoft.com/office/2006/metadata/properties" xmlns:xsi="http://www.w3.org/2001/XMLSchema-instance" xmlns:pc="http://schemas.microsoft.com/office/infopath/2007/PartnerControls">
-  <documentManagement>
-    <_ip_UnifiedCompliancePolicyUIAction xmlns="http://schemas.microsoft.com/sharepoint/v3" xsi:nil="true"/>
-    <Image xmlns="71af3243-3dd4-4a8d-8c0d-dd76da1f02a5">
-      <Url xsi:nil="true"/>
-      <Description xsi:nil="true"/>
-    </Image>
-    <Status xmlns="71af3243-3dd4-4a8d-8c0d-dd76da1f02a5">Not started</Status>
-    <_ip_UnifiedCompliancePolicyProperties xmlns="http://schemas.microsoft.com/sharepoint/v3" xsi:nil="true"/>
-    <lcf76f155ced4ddcb4097134ff3c332f xmlns="71af3243-3dd4-4a8d-8c0d-dd76da1f02a5">
-      <Terms xmlns="http://schemas.microsoft.com/office/infopath/2007/PartnerControls"/>
-    </lcf76f155ced4ddcb4097134ff3c332f>
-    <TaxCatchAll xmlns="230e9df3-be65-4c73-a93b-d1236ebd677e"/>
-    <MediaServiceKeyPoints xmlns="71af3243-3dd4-4a8d-8c0d-dd76da1f02a5" xsi:nil="true"/>
-  </documentManagement>
-</p:properties>
-</file>
-
 <file path=customXml/item3.xml><?xml version="1.0" encoding="utf-8"?>
 <?mso-contentType ?>
 <FormTemplates xmlns="http://schemas.microsoft.com/sharepoint/v3/contenttype/forms">
@@ -20117,6 +20234,18 @@
 </file>
 
 <file path=customXml/itemProps1.xml><?xml version="1.0" encoding="utf-8"?>
+<ds:datastoreItem xmlns:ds="http://schemas.openxmlformats.org/officeDocument/2006/customXml" ds:itemID="{50811A92-D464-4AC4-A396-BA73B10CEEAC}">
+  <ds:schemaRefs>
+    <ds:schemaRef ds:uri="http://schemas.microsoft.com/office/2006/metadata/properties"/>
+    <ds:schemaRef ds:uri="http://schemas.microsoft.com/office/infopath/2007/PartnerControls"/>
+    <ds:schemaRef ds:uri="http://schemas.microsoft.com/sharepoint/v3"/>
+    <ds:schemaRef ds:uri="71af3243-3dd4-4a8d-8c0d-dd76da1f02a5"/>
+    <ds:schemaRef ds:uri="230e9df3-be65-4c73-a93b-d1236ebd677e"/>
+  </ds:schemaRefs>
+</ds:datastoreItem>
+</file>
+
+<file path=customXml/itemProps2.xml><?xml version="1.0" encoding="utf-8"?>
 <ds:datastoreItem xmlns:ds="http://schemas.openxmlformats.org/officeDocument/2006/customXml" ds:itemID="{DE4876F9-7AE1-498D-B8FE-1E3AD703D2AF}">
   <ds:schemaRefs>
     <ds:schemaRef ds:uri="http://schemas.microsoft.com/office/2006/metadata/contentType"/>
@@ -20137,18 +20266,6 @@
 </ds:datastoreItem>
 </file>
 
-<file path=customXml/itemProps2.xml><?xml version="1.0" encoding="utf-8"?>
-<ds:datastoreItem xmlns:ds="http://schemas.openxmlformats.org/officeDocument/2006/customXml" ds:itemID="{50811A92-D464-4AC4-A396-BA73B10CEEAC}">
-  <ds:schemaRefs>
-    <ds:schemaRef ds:uri="http://schemas.microsoft.com/office/2006/metadata/properties"/>
-    <ds:schemaRef ds:uri="http://schemas.microsoft.com/office/infopath/2007/PartnerControls"/>
-    <ds:schemaRef ds:uri="http://schemas.microsoft.com/sharepoint/v3"/>
-    <ds:schemaRef ds:uri="71af3243-3dd4-4a8d-8c0d-dd76da1f02a5"/>
-    <ds:schemaRef ds:uri="230e9df3-be65-4c73-a93b-d1236ebd677e"/>
-  </ds:schemaRefs>
-</ds:datastoreItem>
-</file>
-
 <file path=customXml/itemProps3.xml><?xml version="1.0" encoding="utf-8"?>
 <ds:datastoreItem xmlns:ds="http://schemas.openxmlformats.org/officeDocument/2006/customXml" ds:itemID="{904751AB-E840-446F-8D49-E697067EC887}">
   <ds:schemaRefs>
